--- a/Submissions/matt.karan93@gmail.com/SportsInfoSolutions_mattkaran.pptx
+++ b/Submissions/matt.karan93@gmail.com/SportsInfoSolutions_mattkaran.pptx
@@ -8,13 +8,13 @@
     <p:sldId id="256" r:id="rId2"/>
     <p:sldId id="257" r:id="rId3"/>
     <p:sldId id="261" r:id="rId4"/>
-    <p:sldId id="262" r:id="rId5"/>
-    <p:sldId id="272" r:id="rId6"/>
-    <p:sldId id="258" r:id="rId7"/>
-    <p:sldId id="268" r:id="rId8"/>
-    <p:sldId id="269" r:id="rId9"/>
-    <p:sldId id="270" r:id="rId10"/>
-    <p:sldId id="271" r:id="rId11"/>
+    <p:sldId id="270" r:id="rId5"/>
+    <p:sldId id="271" r:id="rId6"/>
+    <p:sldId id="269" r:id="rId7"/>
+    <p:sldId id="258" r:id="rId8"/>
+    <p:sldId id="268" r:id="rId9"/>
+    <p:sldId id="272" r:id="rId10"/>
+    <p:sldId id="262" r:id="rId11"/>
     <p:sldId id="260" r:id="rId12"/>
     <p:sldId id="273" r:id="rId13"/>
     <p:sldId id="274" r:id="rId14"/>
@@ -130,6 +130,11 @@
       </a:defRPr>
     </a:lvl9pPr>
   </p:defaultTextStyle>
+  <p:extLst>
+    <p:ext uri="{EFAFB233-063F-42B5-8137-9DF3F51BA10A}">
+      <p15:sldGuideLst xmlns:p15="http://schemas.microsoft.com/office/powerpoint/2012/main"/>
+    </p:ext>
+  </p:extLst>
 </p:presentation>
 </file>
 
@@ -3354,6 +3359,14 @@
 <file path=ppt/slides/slide1.xml><?xml version="1.0" encoding="utf-8"?>
 <p:sld xmlns:a="http://schemas.openxmlformats.org/drawingml/2006/main" xmlns:r="http://schemas.openxmlformats.org/officeDocument/2006/relationships" xmlns:p="http://schemas.openxmlformats.org/presentationml/2006/main">
   <p:cSld>
+    <p:bg>
+      <p:bgPr>
+        <a:solidFill>
+          <a:schemeClr val="bg1"/>
+        </a:solidFill>
+        <a:effectLst/>
+      </p:bgPr>
+    </p:bg>
     <p:spTree>
       <p:nvGrpSpPr>
         <p:cNvPr id="1" name=""/>
@@ -3368,6 +3381,281 @@
           <a:chExt cx="0" cy="0"/>
         </a:xfrm>
       </p:grpSpPr>
+      <p:sp useBgFill="1">
+        <p:nvSpPr>
+          <p:cNvPr id="8" name="Rectangle 7">
+            <a:extLst>
+              <a:ext uri="{FF2B5EF4-FFF2-40B4-BE49-F238E27FC236}">
+                <a16:creationId xmlns:a16="http://schemas.microsoft.com/office/drawing/2014/main" id="{D5B339F4-93B9-4E04-9721-143AD6782EA9}"/>
+              </a:ext>
+              <a:ext uri="{C183D7F6-B498-43B3-948B-1728B52AA6E4}">
+                <adec:decorative xmlns:adec="http://schemas.microsoft.com/office/drawing/2017/decorative" val="1"/>
+              </a:ext>
+            </a:extLst>
+          </p:cNvPr>
+          <p:cNvSpPr>
+            <a:spLocks noGrp="1" noRot="1" noChangeAspect="1" noMove="1" noResize="1" noEditPoints="1" noAdjustHandles="1" noChangeArrowheads="1" noChangeShapeType="1" noTextEdit="1"/>
+          </p:cNvSpPr>
+          <p:nvPr>
+            <p:extLst>
+              <p:ext uri="{386F3935-93C4-4BCD-93E2-E3B085C9AB24}">
+                <p16:designElem xmlns:p16="http://schemas.microsoft.com/office/powerpoint/2015/main" val="1"/>
+              </p:ext>
+            </p:extLst>
+          </p:nvPr>
+        </p:nvSpPr>
+        <p:spPr>
+          <a:xfrm>
+            <a:off x="0" y="0"/>
+            <a:ext cx="12191999" cy="6857365"/>
+          </a:xfrm>
+          <a:prstGeom prst="rect">
+            <a:avLst/>
+          </a:prstGeom>
+          <a:ln>
+            <a:noFill/>
+          </a:ln>
+        </p:spPr>
+        <p:style>
+          <a:lnRef idx="2">
+            <a:schemeClr val="accent1">
+              <a:shade val="50000"/>
+            </a:schemeClr>
+          </a:lnRef>
+          <a:fillRef idx="1">
+            <a:schemeClr val="accent1"/>
+          </a:fillRef>
+          <a:effectRef idx="0">
+            <a:schemeClr val="accent1"/>
+          </a:effectRef>
+          <a:fontRef idx="minor">
+            <a:schemeClr val="lt1"/>
+          </a:fontRef>
+        </p:style>
+        <p:txBody>
+          <a:bodyPr rtlCol="0" anchor="ctr"/>
+          <a:lstStyle/>
+          <a:p>
+            <a:pPr algn="ctr"/>
+            <a:endParaRPr lang="en-US"/>
+          </a:p>
+        </p:txBody>
+      </p:sp>
+      <p:grpSp>
+        <p:nvGrpSpPr>
+          <p:cNvPr id="10" name="Group 9">
+            <a:extLst>
+              <a:ext uri="{FF2B5EF4-FFF2-40B4-BE49-F238E27FC236}">
+                <a16:creationId xmlns:a16="http://schemas.microsoft.com/office/drawing/2014/main" id="{8734DDD3-F723-4DD3-8ABE-EC0B2AC87D74}"/>
+              </a:ext>
+              <a:ext uri="{C183D7F6-B498-43B3-948B-1728B52AA6E4}">
+                <adec:decorative xmlns:adec="http://schemas.microsoft.com/office/drawing/2017/decorative" val="1"/>
+              </a:ext>
+            </a:extLst>
+          </p:cNvPr>
+          <p:cNvGrpSpPr>
+            <a:grpSpLocks noGrp="1" noUngrp="1" noRot="1" noChangeAspect="1" noMove="1" noResize="1"/>
+          </p:cNvGrpSpPr>
+          <p:nvPr>
+            <p:extLst>
+              <p:ext uri="{386F3935-93C4-4BCD-93E2-E3B085C9AB24}">
+                <p16:designElem xmlns:p16="http://schemas.microsoft.com/office/powerpoint/2015/main" val="1"/>
+              </p:ext>
+            </p:extLst>
+          </p:nvPr>
+        </p:nvGrpSpPr>
+        <p:grpSpPr>
+          <a:xfrm>
+            <a:off x="2522324" y="0"/>
+            <a:ext cx="7147352" cy="5777808"/>
+            <a:chOff x="329184" y="1"/>
+            <a:chExt cx="524256" cy="5777808"/>
+          </a:xfrm>
+        </p:grpSpPr>
+        <p:cxnSp>
+          <p:nvCxnSpPr>
+            <p:cNvPr id="11" name="Straight Connector 10">
+              <a:extLst>
+                <a:ext uri="{FF2B5EF4-FFF2-40B4-BE49-F238E27FC236}">
+                  <a16:creationId xmlns:a16="http://schemas.microsoft.com/office/drawing/2014/main" id="{F7C8EA93-3210-4C62-99E9-153C275E3A87}"/>
+                </a:ext>
+                <a:ext uri="{C183D7F6-B498-43B3-948B-1728B52AA6E4}">
+                  <adec:decorative xmlns:adec="http://schemas.microsoft.com/office/drawing/2017/decorative" val="1"/>
+                </a:ext>
+              </a:extLst>
+            </p:cNvPr>
+            <p:cNvCxnSpPr>
+              <a:cxnSpLocks/>
+            </p:cNvCxnSpPr>
+            <p:nvPr>
+              <p:extLst>
+                <p:ext uri="{386F3935-93C4-4BCD-93E2-E3B085C9AB24}">
+                  <p16:designElem xmlns:p16="http://schemas.microsoft.com/office/powerpoint/2015/main" val="1"/>
+                </p:ext>
+              </p:extLst>
+            </p:nvPr>
+          </p:nvCxnSpPr>
+          <p:spPr>
+            <a:xfrm flipH="1">
+              <a:off x="329184" y="5777809"/>
+              <a:ext cx="523824" cy="0"/>
+            </a:xfrm>
+            <a:prstGeom prst="line">
+              <a:avLst/>
+            </a:prstGeom>
+            <a:ln w="152400">
+              <a:solidFill>
+                <a:schemeClr val="accent4"/>
+              </a:solidFill>
+            </a:ln>
+          </p:spPr>
+          <p:style>
+            <a:lnRef idx="1">
+              <a:schemeClr val="accent1"/>
+            </a:lnRef>
+            <a:fillRef idx="0">
+              <a:schemeClr val="accent1"/>
+            </a:fillRef>
+            <a:effectRef idx="0">
+              <a:schemeClr val="accent1"/>
+            </a:effectRef>
+            <a:fontRef idx="minor">
+              <a:schemeClr val="tx1"/>
+            </a:fontRef>
+          </p:style>
+        </p:cxnSp>
+        <p:sp>
+          <p:nvSpPr>
+            <p:cNvPr id="12" name="Rectangle 11">
+              <a:extLst>
+                <a:ext uri="{FF2B5EF4-FFF2-40B4-BE49-F238E27FC236}">
+                  <a16:creationId xmlns:a16="http://schemas.microsoft.com/office/drawing/2014/main" id="{5EB7D2A2-F448-44D4-938C-DC84CBCB3B1E}"/>
+                </a:ext>
+                <a:ext uri="{C183D7F6-B498-43B3-948B-1728B52AA6E4}">
+                  <adec:decorative xmlns:adec="http://schemas.microsoft.com/office/drawing/2017/decorative" val="1"/>
+                </a:ext>
+              </a:extLst>
+            </p:cNvPr>
+            <p:cNvSpPr/>
+            <p:nvPr>
+              <p:extLst>
+                <p:ext uri="{386F3935-93C4-4BCD-93E2-E3B085C9AB24}">
+                  <p16:designElem xmlns:p16="http://schemas.microsoft.com/office/powerpoint/2015/main" val="1"/>
+                </p:ext>
+              </p:extLst>
+            </p:nvPr>
+          </p:nvSpPr>
+          <p:spPr>
+            <a:xfrm>
+              <a:off x="329184" y="1"/>
+              <a:ext cx="524256" cy="5532119"/>
+            </a:xfrm>
+            <a:prstGeom prst="rect">
+              <a:avLst/>
+            </a:prstGeom>
+            <a:solidFill>
+              <a:schemeClr val="accent4"/>
+            </a:solidFill>
+            <a:ln>
+              <a:noFill/>
+            </a:ln>
+          </p:spPr>
+          <p:style>
+            <a:lnRef idx="2">
+              <a:schemeClr val="accent1">
+                <a:shade val="50000"/>
+              </a:schemeClr>
+            </a:lnRef>
+            <a:fillRef idx="1">
+              <a:schemeClr val="accent1"/>
+            </a:fillRef>
+            <a:effectRef idx="0">
+              <a:schemeClr val="accent1"/>
+            </a:effectRef>
+            <a:fontRef idx="minor">
+              <a:schemeClr val="lt1"/>
+            </a:fontRef>
+          </p:style>
+          <p:txBody>
+            <a:bodyPr rtlCol="0" anchor="ctr"/>
+            <a:lstStyle/>
+            <a:p>
+              <a:pPr algn="ctr"/>
+              <a:endParaRPr lang="en-US" dirty="0"/>
+            </a:p>
+          </p:txBody>
+        </p:sp>
+      </p:grpSp>
+      <p:sp>
+        <p:nvSpPr>
+          <p:cNvPr id="14" name="Rectangle 13">
+            <a:extLst>
+              <a:ext uri="{FF2B5EF4-FFF2-40B4-BE49-F238E27FC236}">
+                <a16:creationId xmlns:a16="http://schemas.microsoft.com/office/drawing/2014/main" id="{871AEA07-1E14-44B4-8E55-64EF049CD66F}"/>
+              </a:ext>
+              <a:ext uri="{C183D7F6-B498-43B3-948B-1728B52AA6E4}">
+                <adec:decorative xmlns:adec="http://schemas.microsoft.com/office/drawing/2017/decorative" val="1"/>
+              </a:ext>
+            </a:extLst>
+          </p:cNvPr>
+          <p:cNvSpPr>
+            <a:spLocks noGrp="1" noRot="1" noChangeAspect="1" noMove="1" noResize="1" noEditPoints="1" noAdjustHandles="1" noChangeArrowheads="1" noChangeShapeType="1" noTextEdit="1"/>
+          </p:cNvSpPr>
+          <p:nvPr>
+            <p:extLst>
+              <p:ext uri="{386F3935-93C4-4BCD-93E2-E3B085C9AB24}">
+                <p16:designElem xmlns:p16="http://schemas.microsoft.com/office/powerpoint/2015/main" val="1"/>
+              </p:ext>
+            </p:extLst>
+          </p:nvPr>
+        </p:nvSpPr>
+        <p:spPr>
+          <a:xfrm>
+            <a:off x="596464" y="551961"/>
+            <a:ext cx="10999072" cy="5325139"/>
+          </a:xfrm>
+          <a:prstGeom prst="rect">
+            <a:avLst/>
+          </a:prstGeom>
+          <a:solidFill>
+            <a:schemeClr val="bg1"/>
+          </a:solidFill>
+          <a:ln>
+            <a:noFill/>
+          </a:ln>
+          <a:effectLst>
+            <a:outerShdw blurRad="139700" dist="127000" dir="5400000" algn="t" rotWithShape="0">
+              <a:prstClr val="black">
+                <a:alpha val="15000"/>
+              </a:prstClr>
+            </a:outerShdw>
+          </a:effectLst>
+        </p:spPr>
+        <p:style>
+          <a:lnRef idx="2">
+            <a:schemeClr val="accent1">
+              <a:shade val="50000"/>
+            </a:schemeClr>
+          </a:lnRef>
+          <a:fillRef idx="1">
+            <a:schemeClr val="accent1"/>
+          </a:fillRef>
+          <a:effectRef idx="0">
+            <a:schemeClr val="accent1"/>
+          </a:effectRef>
+          <a:fontRef idx="minor">
+            <a:schemeClr val="lt1"/>
+          </a:fontRef>
+        </p:style>
+        <p:txBody>
+          <a:bodyPr rtlCol="0" anchor="ctr"/>
+          <a:lstStyle/>
+          <a:p>
+            <a:pPr algn="ctr"/>
+            <a:endParaRPr lang="en-US"/>
+          </a:p>
+        </p:txBody>
+      </p:sp>
       <p:sp>
         <p:nvSpPr>
           <p:cNvPr id="2" name="Title 1">
@@ -3384,9 +3672,16 @@
             <p:ph type="ctrTitle"/>
           </p:nvPr>
         </p:nvSpPr>
-        <p:spPr/>
-        <p:txBody>
-          <a:bodyPr/>
+        <p:spPr>
+          <a:xfrm>
+            <a:off x="1524000" y="1231961"/>
+            <a:ext cx="9144000" cy="2387600"/>
+          </a:xfrm>
+        </p:spPr>
+        <p:txBody>
+          <a:bodyPr>
+            <a:normAutofit/>
+          </a:bodyPr>
           <a:lstStyle/>
           <a:p>
             <a:r>
@@ -3421,12 +3716,14 @@
         </p:nvSpPr>
         <p:spPr>
           <a:xfrm>
-            <a:off x="1524000" y="4192588"/>
-            <a:ext cx="9144000" cy="1655762"/>
+            <a:off x="1524000" y="3803712"/>
+            <a:ext cx="9144000" cy="1563686"/>
           </a:xfrm>
         </p:spPr>
         <p:txBody>
-          <a:bodyPr/>
+          <a:bodyPr>
+            <a:normAutofit/>
+          </a:bodyPr>
           <a:lstStyle/>
           <a:p>
             <a:r>
@@ -3489,44 +3786,37 @@
           <a:p>
             <a:pPr algn="ctr"/>
             <a:r>
+              <a:rPr lang="en-CA"/>
+              <a:t>Evaluation Metrics - PDIAD</a:t>
+            </a:r>
+            <a:endParaRPr lang="en-CA" dirty="0"/>
+          </a:p>
+        </p:txBody>
+      </p:sp>
+      <p:sp>
+        <p:nvSpPr>
+          <p:cNvPr id="3" name="Content Placeholder 2">
+            <a:extLst>
+              <a:ext uri="{FF2B5EF4-FFF2-40B4-BE49-F238E27FC236}">
+                <a16:creationId xmlns:a16="http://schemas.microsoft.com/office/drawing/2014/main" id="{F0D8F883-E7BC-4992-B701-A68240144F5B}"/>
+              </a:ext>
+            </a:extLst>
+          </p:cNvPr>
+          <p:cNvSpPr>
+            <a:spLocks noGrp="1"/>
+          </p:cNvSpPr>
+          <p:nvPr>
+            <p:ph idx="1"/>
+          </p:nvPr>
+        </p:nvSpPr>
+        <p:spPr/>
+        <p:txBody>
+          <a:bodyPr/>
+          <a:lstStyle/>
+          <a:p>
+            <a:r>
               <a:rPr lang="en-CA" dirty="0"/>
-              <a:t>Evaluation Metrics - PDIPA</a:t>
-            </a:r>
-          </a:p>
-        </p:txBody>
-      </p:sp>
-      <p:sp>
-        <p:nvSpPr>
-          <p:cNvPr id="3" name="Content Placeholder 2">
-            <a:extLst>
-              <a:ext uri="{FF2B5EF4-FFF2-40B4-BE49-F238E27FC236}">
-                <a16:creationId xmlns:a16="http://schemas.microsoft.com/office/drawing/2014/main" id="{F0D8F883-E7BC-4992-B701-A68240144F5B}"/>
-              </a:ext>
-            </a:extLst>
-          </p:cNvPr>
-          <p:cNvSpPr>
-            <a:spLocks noGrp="1"/>
-          </p:cNvSpPr>
-          <p:nvPr>
-            <p:ph idx="1"/>
-          </p:nvPr>
-        </p:nvSpPr>
-        <p:spPr/>
-        <p:txBody>
-          <a:bodyPr/>
-          <a:lstStyle/>
-          <a:p>
-            <a:r>
-              <a:rPr lang="en-CA" dirty="0"/>
-              <a:t>PDIPA (</a:t>
-            </a:r>
-            <a:r>
-              <a:rPr lang="en-CA" i="1" dirty="0"/>
-              <a:t>Positional</a:t>
-            </a:r>
-            <a:r>
-              <a:rPr lang="en-CA" dirty="0"/>
-              <a:t> Defensive Impact Pass Average) is a measurement of the average impact of a specific position on the defensive line against passing plays. </a:t>
+              <a:t>PDIAD (Positional Defensive Impact Average Differential) is the difference between each position’s impact and the overall defensive line impact. This metric is used to compare relative performance (above or below average) of each position on the defensive line.</a:t>
             </a:r>
           </a:p>
           <a:p>
@@ -3539,44 +3829,14 @@
             </a:r>
           </a:p>
           <a:p>
-            <a:pPr lvl="1"/>
+            <a:pPr lvl="1">
+              <a:buFont typeface="Courier New" panose="02070309020205020404" pitchFamily="49" charset="0"/>
+              <a:buChar char="o"/>
+            </a:pPr>
             <a:r>
               <a:rPr lang="en-CA" dirty="0"/>
-              <a:t>Each passing play is evaluated for key gameplay</a:t>
-            </a:r>
-            <a:br>
-              <a:rPr lang="en-CA" dirty="0"/>
-            </a:br>
-            <a:r>
-              <a:rPr lang="en-CA" dirty="0"/>
-              <a:t> events. These events add or subtract points. </a:t>
-            </a:r>
-          </a:p>
-          <a:p>
-            <a:pPr lvl="1"/>
-            <a:r>
-              <a:rPr lang="en-CA" dirty="0"/>
-              <a:t>PDIPA is the average of this score for all passing</a:t>
-            </a:r>
-            <a:br>
-              <a:rPr lang="en-CA" dirty="0"/>
-            </a:br>
-            <a:r>
-              <a:rPr lang="en-CA" dirty="0"/>
-              <a:t> plays per position</a:t>
-            </a:r>
-          </a:p>
-          <a:p>
-            <a:pPr marL="457200" lvl="1" indent="0">
-              <a:buNone/>
-            </a:pPr>
-            <a:endParaRPr lang="en-CA" dirty="0"/>
-          </a:p>
-          <a:p>
-            <a:pPr marL="457200" lvl="1" indent="0">
-              <a:buNone/>
-            </a:pPr>
-            <a:endParaRPr lang="en-CA" dirty="0"/>
+              <a:t>Difference between PDIWA and DIA</a:t>
+            </a:r>
           </a:p>
         </p:txBody>
       </p:sp>
@@ -3585,7 +3845,7 @@
           <p:cNvPr id="4" name="Picture Placeholder 10" descr="A screenshot of a cell phone&#10;&#10;Description automatically generated">
             <a:extLst>
               <a:ext uri="{FF2B5EF4-FFF2-40B4-BE49-F238E27FC236}">
-                <a16:creationId xmlns:a16="http://schemas.microsoft.com/office/drawing/2014/main" id="{6E4241A2-ECA4-4FE9-B669-9A388CCCA569}"/>
+                <a16:creationId xmlns:a16="http://schemas.microsoft.com/office/drawing/2014/main" id="{82D9D9F9-8705-4B98-BFDA-CD93E6577979}"/>
               </a:ext>
             </a:extLst>
           </p:cNvPr>
@@ -3618,7 +3878,7 @@
     </p:spTree>
     <p:extLst>
       <p:ext uri="{BB962C8B-B14F-4D97-AF65-F5344CB8AC3E}">
-        <p14:creationId xmlns:p14="http://schemas.microsoft.com/office/powerpoint/2010/main" val="680553468"/>
+        <p14:creationId xmlns:p14="http://schemas.microsoft.com/office/powerpoint/2010/main" val="2407796283"/>
       </p:ext>
     </p:extLst>
   </p:cSld>
@@ -3631,6 +3891,14 @@
 <file path=ppt/slides/slide11.xml><?xml version="1.0" encoding="utf-8"?>
 <p:sld xmlns:a="http://schemas.openxmlformats.org/drawingml/2006/main" xmlns:r="http://schemas.openxmlformats.org/officeDocument/2006/relationships" xmlns:p="http://schemas.openxmlformats.org/presentationml/2006/main">
   <p:cSld>
+    <p:bg>
+      <p:bgPr>
+        <a:solidFill>
+          <a:schemeClr val="bg1"/>
+        </a:solidFill>
+        <a:effectLst/>
+      </p:bgPr>
+    </p:bg>
     <p:spTree>
       <p:nvGrpSpPr>
         <p:cNvPr id="1" name=""/>
@@ -3645,6 +3913,348 @@
           <a:chExt cx="0" cy="0"/>
         </a:xfrm>
       </p:grpSpPr>
+      <p:sp useBgFill="1">
+        <p:nvSpPr>
+          <p:cNvPr id="8" name="Rectangle 7">
+            <a:extLst>
+              <a:ext uri="{FF2B5EF4-FFF2-40B4-BE49-F238E27FC236}">
+                <a16:creationId xmlns:a16="http://schemas.microsoft.com/office/drawing/2014/main" id="{B6CDA21F-E7AF-4C75-8395-33F58D5B0E45}"/>
+              </a:ext>
+              <a:ext uri="{C183D7F6-B498-43B3-948B-1728B52AA6E4}">
+                <adec:decorative xmlns:adec="http://schemas.microsoft.com/office/drawing/2017/decorative" val="1"/>
+              </a:ext>
+            </a:extLst>
+          </p:cNvPr>
+          <p:cNvSpPr>
+            <a:spLocks noGrp="1" noRot="1" noChangeAspect="1" noMove="1" noResize="1" noEditPoints="1" noAdjustHandles="1" noChangeArrowheads="1" noChangeShapeType="1" noTextEdit="1"/>
+          </p:cNvSpPr>
+          <p:nvPr>
+            <p:extLst>
+              <p:ext uri="{386F3935-93C4-4BCD-93E2-E3B085C9AB24}">
+                <p16:designElem xmlns:p16="http://schemas.microsoft.com/office/powerpoint/2015/main" val="1"/>
+              </p:ext>
+            </p:extLst>
+          </p:nvPr>
+        </p:nvSpPr>
+        <p:spPr>
+          <a:xfrm>
+            <a:off x="0" y="0"/>
+            <a:ext cx="12191999" cy="6857365"/>
+          </a:xfrm>
+          <a:prstGeom prst="rect">
+            <a:avLst/>
+          </a:prstGeom>
+          <a:ln>
+            <a:noFill/>
+          </a:ln>
+        </p:spPr>
+        <p:style>
+          <a:lnRef idx="2">
+            <a:schemeClr val="accent1">
+              <a:shade val="50000"/>
+            </a:schemeClr>
+          </a:lnRef>
+          <a:fillRef idx="1">
+            <a:schemeClr val="accent1"/>
+          </a:fillRef>
+          <a:effectRef idx="0">
+            <a:schemeClr val="accent1"/>
+          </a:effectRef>
+          <a:fontRef idx="minor">
+            <a:schemeClr val="lt1"/>
+          </a:fontRef>
+        </p:style>
+        <p:txBody>
+          <a:bodyPr rtlCol="0" anchor="ctr"/>
+          <a:lstStyle/>
+          <a:p>
+            <a:pPr algn="ctr"/>
+            <a:endParaRPr lang="en-US"/>
+          </a:p>
+        </p:txBody>
+      </p:sp>
+      <p:grpSp>
+        <p:nvGrpSpPr>
+          <p:cNvPr id="10" name="Group 9">
+            <a:extLst>
+              <a:ext uri="{FF2B5EF4-FFF2-40B4-BE49-F238E27FC236}">
+                <a16:creationId xmlns:a16="http://schemas.microsoft.com/office/drawing/2014/main" id="{AE1C45F0-260A-458C-96ED-C1F6D2151219}"/>
+              </a:ext>
+              <a:ext uri="{C183D7F6-B498-43B3-948B-1728B52AA6E4}">
+                <adec:decorative xmlns:adec="http://schemas.microsoft.com/office/drawing/2017/decorative" val="1"/>
+              </a:ext>
+            </a:extLst>
+          </p:cNvPr>
+          <p:cNvGrpSpPr>
+            <a:grpSpLocks noGrp="1" noUngrp="1" noRot="1" noChangeAspect="1" noMove="1" noResize="1"/>
+          </p:cNvGrpSpPr>
+          <p:nvPr>
+            <p:extLst>
+              <p:ext uri="{386F3935-93C4-4BCD-93E2-E3B085C9AB24}">
+                <p16:designElem xmlns:p16="http://schemas.microsoft.com/office/powerpoint/2015/main" val="1"/>
+              </p:ext>
+            </p:extLst>
+          </p:nvPr>
+        </p:nvGrpSpPr>
+        <p:grpSpPr>
+          <a:xfrm>
+            <a:off x="4" y="1216597"/>
+            <a:ext cx="731521" cy="673460"/>
+            <a:chOff x="3940602" y="308034"/>
+            <a:chExt cx="2116791" cy="3428999"/>
+          </a:xfrm>
+          <a:solidFill>
+            <a:schemeClr val="accent4"/>
+          </a:solidFill>
+        </p:grpSpPr>
+        <p:sp>
+          <p:nvSpPr>
+            <p:cNvPr id="11" name="Rectangle 10">
+              <a:extLst>
+                <a:ext uri="{FF2B5EF4-FFF2-40B4-BE49-F238E27FC236}">
+                  <a16:creationId xmlns:a16="http://schemas.microsoft.com/office/drawing/2014/main" id="{A6604B49-AD5C-4590-B051-06C8222ECD99}"/>
+                </a:ext>
+                <a:ext uri="{C183D7F6-B498-43B3-948B-1728B52AA6E4}">
+                  <adec:decorative xmlns:adec="http://schemas.microsoft.com/office/drawing/2017/decorative" val="1"/>
+                </a:ext>
+              </a:extLst>
+            </p:cNvPr>
+            <p:cNvSpPr/>
+            <p:nvPr>
+              <p:extLst>
+                <p:ext uri="{386F3935-93C4-4BCD-93E2-E3B085C9AB24}">
+                  <p16:designElem xmlns:p16="http://schemas.microsoft.com/office/powerpoint/2015/main" val="1"/>
+                </p:ext>
+              </p:extLst>
+            </p:nvPr>
+          </p:nvSpPr>
+          <p:spPr>
+            <a:xfrm>
+              <a:off x="3940602" y="308034"/>
+              <a:ext cx="566743" cy="3428999"/>
+            </a:xfrm>
+            <a:prstGeom prst="rect">
+              <a:avLst/>
+            </a:prstGeom>
+            <a:grpFill/>
+            <a:ln>
+              <a:noFill/>
+            </a:ln>
+          </p:spPr>
+          <p:style>
+            <a:lnRef idx="2">
+              <a:schemeClr val="accent1">
+                <a:shade val="50000"/>
+              </a:schemeClr>
+            </a:lnRef>
+            <a:fillRef idx="1">
+              <a:schemeClr val="accent1"/>
+            </a:fillRef>
+            <a:effectRef idx="0">
+              <a:schemeClr val="accent1"/>
+            </a:effectRef>
+            <a:fontRef idx="minor">
+              <a:schemeClr val="lt1"/>
+            </a:fontRef>
+          </p:style>
+          <p:txBody>
+            <a:bodyPr rtlCol="0" anchor="ctr"/>
+            <a:lstStyle/>
+            <a:p>
+              <a:pPr algn="ctr"/>
+              <a:endParaRPr lang="en-US"/>
+            </a:p>
+          </p:txBody>
+        </p:sp>
+        <p:sp>
+          <p:nvSpPr>
+            <p:cNvPr id="12" name="Rectangle 11">
+              <a:extLst>
+                <a:ext uri="{FF2B5EF4-FFF2-40B4-BE49-F238E27FC236}">
+                  <a16:creationId xmlns:a16="http://schemas.microsoft.com/office/drawing/2014/main" id="{743ECCAF-29C5-4537-947C-7EA1292463DB}"/>
+                </a:ext>
+                <a:ext uri="{C183D7F6-B498-43B3-948B-1728B52AA6E4}">
+                  <adec:decorative xmlns:adec="http://schemas.microsoft.com/office/drawing/2017/decorative" val="1"/>
+                </a:ext>
+              </a:extLst>
+            </p:cNvPr>
+            <p:cNvSpPr/>
+            <p:nvPr>
+              <p:extLst>
+                <p:ext uri="{386F3935-93C4-4BCD-93E2-E3B085C9AB24}">
+                  <p16:designElem xmlns:p16="http://schemas.microsoft.com/office/powerpoint/2015/main" val="1"/>
+                </p:ext>
+              </p:extLst>
+            </p:nvPr>
+          </p:nvSpPr>
+          <p:spPr>
+            <a:xfrm>
+              <a:off x="4715626" y="308034"/>
+              <a:ext cx="566743" cy="3428999"/>
+            </a:xfrm>
+            <a:prstGeom prst="rect">
+              <a:avLst/>
+            </a:prstGeom>
+            <a:grpFill/>
+            <a:ln>
+              <a:noFill/>
+            </a:ln>
+          </p:spPr>
+          <p:style>
+            <a:lnRef idx="2">
+              <a:schemeClr val="accent1">
+                <a:shade val="50000"/>
+              </a:schemeClr>
+            </a:lnRef>
+            <a:fillRef idx="1">
+              <a:schemeClr val="accent1"/>
+            </a:fillRef>
+            <a:effectRef idx="0">
+              <a:schemeClr val="accent1"/>
+            </a:effectRef>
+            <a:fontRef idx="minor">
+              <a:schemeClr val="lt1"/>
+            </a:fontRef>
+          </p:style>
+          <p:txBody>
+            <a:bodyPr rtlCol="0" anchor="ctr"/>
+            <a:lstStyle/>
+            <a:p>
+              <a:pPr algn="ctr"/>
+              <a:endParaRPr lang="en-US"/>
+            </a:p>
+          </p:txBody>
+        </p:sp>
+        <p:sp>
+          <p:nvSpPr>
+            <p:cNvPr id="13" name="Rectangle 12">
+              <a:extLst>
+                <a:ext uri="{FF2B5EF4-FFF2-40B4-BE49-F238E27FC236}">
+                  <a16:creationId xmlns:a16="http://schemas.microsoft.com/office/drawing/2014/main" id="{ED49787B-8DE6-4467-AD0A-8DECC6E0C2D6}"/>
+                </a:ext>
+                <a:ext uri="{C183D7F6-B498-43B3-948B-1728B52AA6E4}">
+                  <adec:decorative xmlns:adec="http://schemas.microsoft.com/office/drawing/2017/decorative" val="1"/>
+                </a:ext>
+              </a:extLst>
+            </p:cNvPr>
+            <p:cNvSpPr/>
+            <p:nvPr>
+              <p:extLst>
+                <p:ext uri="{386F3935-93C4-4BCD-93E2-E3B085C9AB24}">
+                  <p16:designElem xmlns:p16="http://schemas.microsoft.com/office/powerpoint/2015/main" val="1"/>
+                </p:ext>
+              </p:extLst>
+            </p:nvPr>
+          </p:nvSpPr>
+          <p:spPr>
+            <a:xfrm>
+              <a:off x="5490650" y="308034"/>
+              <a:ext cx="566743" cy="3428999"/>
+            </a:xfrm>
+            <a:prstGeom prst="rect">
+              <a:avLst/>
+            </a:prstGeom>
+            <a:grpFill/>
+            <a:ln>
+              <a:noFill/>
+            </a:ln>
+          </p:spPr>
+          <p:style>
+            <a:lnRef idx="2">
+              <a:schemeClr val="accent1">
+                <a:shade val="50000"/>
+              </a:schemeClr>
+            </a:lnRef>
+            <a:fillRef idx="1">
+              <a:schemeClr val="accent1"/>
+            </a:fillRef>
+            <a:effectRef idx="0">
+              <a:schemeClr val="accent1"/>
+            </a:effectRef>
+            <a:fontRef idx="minor">
+              <a:schemeClr val="lt1"/>
+            </a:fontRef>
+          </p:style>
+          <p:txBody>
+            <a:bodyPr rtlCol="0" anchor="ctr"/>
+            <a:lstStyle/>
+            <a:p>
+              <a:pPr algn="ctr"/>
+              <a:endParaRPr lang="en-US"/>
+            </a:p>
+          </p:txBody>
+        </p:sp>
+      </p:grpSp>
+      <p:sp>
+        <p:nvSpPr>
+          <p:cNvPr id="15" name="Rectangle 14">
+            <a:extLst>
+              <a:ext uri="{FF2B5EF4-FFF2-40B4-BE49-F238E27FC236}">
+                <a16:creationId xmlns:a16="http://schemas.microsoft.com/office/drawing/2014/main" id="{D5B0017B-2ECA-49AF-B397-DC140825DF8D}"/>
+              </a:ext>
+              <a:ext uri="{C183D7F6-B498-43B3-948B-1728B52AA6E4}">
+                <adec:decorative xmlns:adec="http://schemas.microsoft.com/office/drawing/2017/decorative" val="1"/>
+              </a:ext>
+            </a:extLst>
+          </p:cNvPr>
+          <p:cNvSpPr>
+            <a:spLocks noGrp="1" noRot="1" noChangeAspect="1" noMove="1" noResize="1" noEditPoints="1" noAdjustHandles="1" noChangeArrowheads="1" noChangeShapeType="1" noTextEdit="1"/>
+          </p:cNvSpPr>
+          <p:nvPr>
+            <p:extLst>
+              <p:ext uri="{386F3935-93C4-4BCD-93E2-E3B085C9AB24}">
+                <p16:designElem xmlns:p16="http://schemas.microsoft.com/office/powerpoint/2015/main" val="1"/>
+              </p:ext>
+            </p:extLst>
+          </p:nvPr>
+        </p:nvSpPr>
+        <p:spPr>
+          <a:xfrm>
+            <a:off x="640079" y="613954"/>
+            <a:ext cx="10907487" cy="1894116"/>
+          </a:xfrm>
+          <a:prstGeom prst="rect">
+            <a:avLst/>
+          </a:prstGeom>
+          <a:solidFill>
+            <a:schemeClr val="bg1"/>
+          </a:solidFill>
+          <a:ln>
+            <a:noFill/>
+          </a:ln>
+          <a:effectLst>
+            <a:outerShdw blurRad="139700" dist="127000" dir="5400000" algn="t" rotWithShape="0">
+              <a:prstClr val="black">
+                <a:alpha val="15000"/>
+              </a:prstClr>
+            </a:outerShdw>
+          </a:effectLst>
+        </p:spPr>
+        <p:style>
+          <a:lnRef idx="2">
+            <a:schemeClr val="accent1">
+              <a:shade val="50000"/>
+            </a:schemeClr>
+          </a:lnRef>
+          <a:fillRef idx="1">
+            <a:schemeClr val="accent1"/>
+          </a:fillRef>
+          <a:effectRef idx="0">
+            <a:schemeClr val="accent1"/>
+          </a:effectRef>
+          <a:fontRef idx="minor">
+            <a:schemeClr val="lt1"/>
+          </a:fontRef>
+        </p:style>
+        <p:txBody>
+          <a:bodyPr rtlCol="0" anchor="ctr"/>
+          <a:lstStyle/>
+          <a:p>
+            <a:pPr algn="ctr"/>
+            <a:endParaRPr lang="en-US"/>
+          </a:p>
+        </p:txBody>
+      </p:sp>
       <p:sp>
         <p:nvSpPr>
           <p:cNvPr id="2" name="Title 1">
@@ -3661,13 +4271,20 @@
             <p:ph type="title"/>
           </p:nvPr>
         </p:nvSpPr>
-        <p:spPr/>
-        <p:txBody>
-          <a:bodyPr/>
-          <a:lstStyle/>
-          <a:p>
-            <a:r>
-              <a:rPr lang="en-CA" dirty="0"/>
+        <p:spPr>
+          <a:xfrm>
+            <a:off x="1043631" y="809898"/>
+            <a:ext cx="9942716" cy="1554480"/>
+          </a:xfrm>
+        </p:spPr>
+        <p:txBody>
+          <a:bodyPr anchor="ctr">
+            <a:normAutofit/>
+          </a:bodyPr>
+          <a:lstStyle/>
+          <a:p>
+            <a:r>
+              <a:rPr lang="en-CA" sz="4800"/>
               <a:t>Gameplay Events Breakdown</a:t>
             </a:r>
           </a:p>
@@ -3689,52 +4306,120 @@
             <p:ph idx="1"/>
           </p:nvPr>
         </p:nvSpPr>
-        <p:spPr/>
-        <p:txBody>
-          <a:bodyPr/>
-          <a:lstStyle/>
-          <a:p>
-            <a:r>
-              <a:rPr lang="en-CA" dirty="0"/>
+        <p:spPr>
+          <a:xfrm>
+            <a:off x="1045028" y="3017522"/>
+            <a:ext cx="9941319" cy="3124658"/>
+          </a:xfrm>
+        </p:spPr>
+        <p:txBody>
+          <a:bodyPr anchor="ctr">
+            <a:normAutofit/>
+          </a:bodyPr>
+          <a:lstStyle/>
+          <a:p>
+            <a:pPr marL="0" indent="0">
+              <a:buNone/>
+            </a:pPr>
+            <a:r>
+              <a:rPr lang="en-CA" sz="2000" dirty="0"/>
               <a:t>To calculate the scores for PDIRA and PDIPA, certain gameplay events were evaluated as having impact.</a:t>
             </a:r>
             <a:br>
-              <a:rPr lang="en-CA" dirty="0"/>
+              <a:rPr lang="en-CA" sz="2000" dirty="0"/>
             </a:br>
-            <a:endParaRPr lang="en-CA" dirty="0"/>
-          </a:p>
-          <a:p>
-            <a:r>
-              <a:rPr lang="en-CA" dirty="0"/>
+            <a:endParaRPr lang="en-CA" sz="2000" dirty="0"/>
+          </a:p>
+          <a:p>
+            <a:r>
+              <a:rPr lang="en-CA" sz="2000" dirty="0"/>
               <a:t>Rushing</a:t>
             </a:r>
           </a:p>
           <a:p>
+            <a:pPr lvl="1">
+              <a:buFont typeface="Courier New" panose="02070309020205020404" pitchFamily="49" charset="0"/>
+              <a:buChar char="o"/>
+            </a:pPr>
+            <a:r>
+              <a:rPr lang="en-CA" sz="2000" dirty="0"/>
+              <a:t>Solo Tackle, Assisted Tackle, Tackle for Loss, Forced Fumble, Recovered Fumble, Safety</a:t>
+            </a:r>
+          </a:p>
+          <a:p>
             <a:pPr lvl="1"/>
-            <a:r>
-              <a:rPr lang="en-CA" dirty="0"/>
-              <a:t>Solo Tackle, Assisted Tackle, Forced Fumble, Recovered Fumble, Tackle for Loss</a:t>
-            </a:r>
-          </a:p>
-          <a:p>
-            <a:pPr lvl="1"/>
-            <a:endParaRPr lang="en-CA" dirty="0"/>
-          </a:p>
-          <a:p>
-            <a:r>
-              <a:rPr lang="en-CA" dirty="0"/>
+            <a:endParaRPr lang="en-CA" sz="2000" dirty="0"/>
+          </a:p>
+          <a:p>
+            <a:r>
+              <a:rPr lang="en-CA" sz="2000" dirty="0"/>
               <a:t>Passing</a:t>
             </a:r>
           </a:p>
           <a:p>
-            <a:pPr lvl="1"/>
-            <a:r>
-              <a:rPr lang="en-CA" dirty="0"/>
-              <a:t>Solo Tackle, Assisted Tackle, Forced Fumble, Recovered Fumble, Tackle for Loss, Solo Sack, Assisted Sack, Pressure, Pass Breakup, Interception,</a:t>
-            </a:r>
-          </a:p>
-        </p:txBody>
-      </p:sp>
+            <a:pPr lvl="1">
+              <a:buFont typeface="Courier New" panose="02070309020205020404" pitchFamily="49" charset="0"/>
+              <a:buChar char="o"/>
+            </a:pPr>
+            <a:r>
+              <a:rPr lang="en-CA" sz="2000" dirty="0"/>
+              <a:t>Solo Tackle, Assisted Tackle, Tackle for Loss, Solo Sack, Assisted Sack, Pressure, Forced Fumble, Recovered Fumble, Pass Breakup, Interception, Safety</a:t>
+            </a:r>
+          </a:p>
+        </p:txBody>
+      </p:sp>
+      <p:cxnSp>
+        <p:nvCxnSpPr>
+          <p:cNvPr id="17" name="Straight Connector 16">
+            <a:extLst>
+              <a:ext uri="{FF2B5EF4-FFF2-40B4-BE49-F238E27FC236}">
+                <a16:creationId xmlns:a16="http://schemas.microsoft.com/office/drawing/2014/main" id="{6CF1BAF6-AD41-4082-B212-8A1F9A2E8779}"/>
+              </a:ext>
+              <a:ext uri="{C183D7F6-B498-43B3-948B-1728B52AA6E4}">
+                <adec:decorative xmlns:adec="http://schemas.microsoft.com/office/drawing/2017/decorative" val="1"/>
+              </a:ext>
+            </a:extLst>
+          </p:cNvPr>
+          <p:cNvCxnSpPr>
+            <a:cxnSpLocks noGrp="1" noRot="1" noChangeAspect="1" noMove="1" noResize="1" noEditPoints="1" noAdjustHandles="1" noChangeArrowheads="1" noChangeShapeType="1"/>
+          </p:cNvCxnSpPr>
+          <p:nvPr>
+            <p:extLst>
+              <p:ext uri="{386F3935-93C4-4BCD-93E2-E3B085C9AB24}">
+                <p16:designElem xmlns:p16="http://schemas.microsoft.com/office/powerpoint/2015/main" val="1"/>
+              </p:ext>
+            </p:extLst>
+          </p:nvPr>
+        </p:nvCxnSpPr>
+        <p:spPr>
+          <a:xfrm flipH="1">
+            <a:off x="838200" y="6485313"/>
+            <a:ext cx="10515600" cy="0"/>
+          </a:xfrm>
+          <a:prstGeom prst="line">
+            <a:avLst/>
+          </a:prstGeom>
+          <a:ln w="57150">
+            <a:solidFill>
+              <a:schemeClr val="accent4"/>
+            </a:solidFill>
+          </a:ln>
+        </p:spPr>
+        <p:style>
+          <a:lnRef idx="1">
+            <a:schemeClr val="accent1"/>
+          </a:lnRef>
+          <a:fillRef idx="0">
+            <a:schemeClr val="accent1"/>
+          </a:fillRef>
+          <a:effectRef idx="0">
+            <a:schemeClr val="accent1"/>
+          </a:effectRef>
+          <a:fontRef idx="minor">
+            <a:schemeClr val="tx1"/>
+          </a:fontRef>
+        </p:style>
+      </p:cxnSp>
     </p:spTree>
     <p:extLst>
       <p:ext uri="{BB962C8B-B14F-4D97-AF65-F5344CB8AC3E}">
@@ -3787,9 +4472,10 @@
           <a:lstStyle/>
           <a:p>
             <a:r>
-              <a:rPr lang="en-CA" dirty="0"/>
+              <a:rPr lang="en-CA"/>
               <a:t>Gameplay Events Breakdown - Rushing</a:t>
             </a:r>
+            <a:endParaRPr lang="en-CA" dirty="0"/>
           </a:p>
         </p:txBody>
       </p:sp>
@@ -3815,7 +4501,7 @@
           <a:lstStyle/>
           <a:p>
             <a:r>
-              <a:rPr lang="en-CA" dirty="0"/>
+              <a:rPr lang="en-CA"/>
               <a:t>Breakdown for rushing plays to generate scores for PDIRA </a:t>
             </a:r>
           </a:p>
@@ -4000,6 +4686,14 @@
 <file path=ppt/slides/slide14.xml><?xml version="1.0" encoding="utf-8"?>
 <p:sld xmlns:a="http://schemas.openxmlformats.org/drawingml/2006/main" xmlns:r="http://schemas.openxmlformats.org/officeDocument/2006/relationships" xmlns:p="http://schemas.openxmlformats.org/presentationml/2006/main">
   <p:cSld>
+    <p:bg>
+      <p:bgPr>
+        <a:solidFill>
+          <a:schemeClr val="bg1"/>
+        </a:solidFill>
+        <a:effectLst/>
+      </p:bgPr>
+    </p:bg>
     <p:spTree>
       <p:nvGrpSpPr>
         <p:cNvPr id="1" name=""/>
@@ -4014,6 +4708,66 @@
           <a:chExt cx="0" cy="0"/>
         </a:xfrm>
       </p:grpSpPr>
+      <p:sp useBgFill="1">
+        <p:nvSpPr>
+          <p:cNvPr id="8" name="Rectangle 7">
+            <a:extLst>
+              <a:ext uri="{FF2B5EF4-FFF2-40B4-BE49-F238E27FC236}">
+                <a16:creationId xmlns:a16="http://schemas.microsoft.com/office/drawing/2014/main" id="{DBF61EA3-B236-439E-9C0B-340980D56BEE}"/>
+              </a:ext>
+              <a:ext uri="{C183D7F6-B498-43B3-948B-1728B52AA6E4}">
+                <adec:decorative xmlns:adec="http://schemas.microsoft.com/office/drawing/2017/decorative" val="1"/>
+              </a:ext>
+            </a:extLst>
+          </p:cNvPr>
+          <p:cNvSpPr>
+            <a:spLocks noGrp="1" noRot="1" noChangeAspect="1" noMove="1" noResize="1" noEditPoints="1" noAdjustHandles="1" noChangeArrowheads="1" noChangeShapeType="1" noTextEdit="1"/>
+          </p:cNvSpPr>
+          <p:nvPr>
+            <p:extLst>
+              <p:ext uri="{386F3935-93C4-4BCD-93E2-E3B085C9AB24}">
+                <p16:designElem xmlns:p16="http://schemas.microsoft.com/office/powerpoint/2015/main" val="1"/>
+              </p:ext>
+            </p:extLst>
+          </p:nvPr>
+        </p:nvSpPr>
+        <p:spPr>
+          <a:xfrm>
+            <a:off x="0" y="0"/>
+            <a:ext cx="12191999" cy="6857365"/>
+          </a:xfrm>
+          <a:prstGeom prst="rect">
+            <a:avLst/>
+          </a:prstGeom>
+          <a:ln>
+            <a:noFill/>
+          </a:ln>
+        </p:spPr>
+        <p:style>
+          <a:lnRef idx="2">
+            <a:schemeClr val="accent1">
+              <a:shade val="50000"/>
+            </a:schemeClr>
+          </a:lnRef>
+          <a:fillRef idx="1">
+            <a:schemeClr val="accent1"/>
+          </a:fillRef>
+          <a:effectRef idx="0">
+            <a:schemeClr val="accent1"/>
+          </a:effectRef>
+          <a:fontRef idx="minor">
+            <a:schemeClr val="lt1"/>
+          </a:fontRef>
+        </p:style>
+        <p:txBody>
+          <a:bodyPr rtlCol="0" anchor="ctr"/>
+          <a:lstStyle/>
+          <a:p>
+            <a:pPr algn="ctr"/>
+            <a:endParaRPr lang="en-US"/>
+          </a:p>
+        </p:txBody>
+      </p:sp>
       <p:sp>
         <p:nvSpPr>
           <p:cNvPr id="2" name="Title 1">
@@ -4030,18 +4784,249 @@
             <p:ph type="title"/>
           </p:nvPr>
         </p:nvSpPr>
-        <p:spPr/>
-        <p:txBody>
-          <a:bodyPr/>
-          <a:lstStyle/>
-          <a:p>
-            <a:r>
-              <a:rPr lang="en-CA" dirty="0"/>
+        <p:spPr>
+          <a:xfrm>
+            <a:off x="808638" y="386930"/>
+            <a:ext cx="9236700" cy="1188950"/>
+          </a:xfrm>
+        </p:spPr>
+        <p:txBody>
+          <a:bodyPr anchor="b">
+            <a:normAutofit/>
+          </a:bodyPr>
+          <a:lstStyle/>
+          <a:p>
+            <a:r>
+              <a:rPr lang="en-CA" sz="5400"/>
               <a:t>Gameplay Events Breakdown</a:t>
             </a:r>
           </a:p>
         </p:txBody>
       </p:sp>
+      <p:grpSp>
+        <p:nvGrpSpPr>
+          <p:cNvPr id="10" name="Group 9">
+            <a:extLst>
+              <a:ext uri="{FF2B5EF4-FFF2-40B4-BE49-F238E27FC236}">
+                <a16:creationId xmlns:a16="http://schemas.microsoft.com/office/drawing/2014/main" id="{28FAF094-D087-493F-8DF9-A486C2D6BBAA}"/>
+              </a:ext>
+              <a:ext uri="{C183D7F6-B498-43B3-948B-1728B52AA6E4}">
+                <adec:decorative xmlns:adec="http://schemas.microsoft.com/office/drawing/2017/decorative" val="1"/>
+              </a:ext>
+            </a:extLst>
+          </p:cNvPr>
+          <p:cNvGrpSpPr>
+            <a:grpSpLocks noGrp="1" noUngrp="1" noRot="1" noChangeAspect="1" noMove="1" noResize="1"/>
+          </p:cNvGrpSpPr>
+          <p:nvPr>
+            <p:extLst>
+              <p:ext uri="{386F3935-93C4-4BCD-93E2-E3B085C9AB24}">
+                <p16:designElem xmlns:p16="http://schemas.microsoft.com/office/powerpoint/2015/main" val="1"/>
+              </p:ext>
+            </p:extLst>
+          </p:nvPr>
+        </p:nvGrpSpPr>
+        <p:grpSpPr>
+          <a:xfrm>
+            <a:off x="-2" y="1998368"/>
+            <a:ext cx="11695083" cy="782176"/>
+            <a:chOff x="-2" y="1998368"/>
+            <a:chExt cx="11695083" cy="782176"/>
+          </a:xfrm>
+        </p:grpSpPr>
+        <p:sp>
+          <p:nvSpPr>
+            <p:cNvPr id="11" name="Rectangle 10">
+              <a:extLst>
+                <a:ext uri="{FF2B5EF4-FFF2-40B4-BE49-F238E27FC236}">
+                  <a16:creationId xmlns:a16="http://schemas.microsoft.com/office/drawing/2014/main" id="{8D7C88D8-5509-4514-925A-9CE148E5CBD6}"/>
+                </a:ext>
+                <a:ext uri="{C183D7F6-B498-43B3-948B-1728B52AA6E4}">
+                  <adec:decorative xmlns:adec="http://schemas.microsoft.com/office/drawing/2017/decorative" val="1"/>
+                </a:ext>
+              </a:extLst>
+            </p:cNvPr>
+            <p:cNvSpPr/>
+            <p:nvPr>
+              <p:extLst>
+                <p:ext uri="{386F3935-93C4-4BCD-93E2-E3B085C9AB24}">
+                  <p16:designElem xmlns:p16="http://schemas.microsoft.com/office/powerpoint/2015/main" val="1"/>
+                </p:ext>
+              </p:extLst>
+            </p:nvPr>
+          </p:nvSpPr>
+          <p:spPr>
+            <a:xfrm rot="5400000">
+              <a:off x="11228040" y="2313027"/>
+              <a:ext cx="781700" cy="152382"/>
+            </a:xfrm>
+            <a:prstGeom prst="rect">
+              <a:avLst/>
+            </a:prstGeom>
+            <a:solidFill>
+              <a:schemeClr val="accent4"/>
+            </a:solidFill>
+            <a:ln>
+              <a:noFill/>
+            </a:ln>
+          </p:spPr>
+          <p:style>
+            <a:lnRef idx="2">
+              <a:schemeClr val="accent1">
+                <a:shade val="50000"/>
+              </a:schemeClr>
+            </a:lnRef>
+            <a:fillRef idx="1">
+              <a:schemeClr val="accent1"/>
+            </a:fillRef>
+            <a:effectRef idx="0">
+              <a:schemeClr val="accent1"/>
+            </a:effectRef>
+            <a:fontRef idx="minor">
+              <a:schemeClr val="lt1"/>
+            </a:fontRef>
+          </p:style>
+          <p:txBody>
+            <a:bodyPr rtlCol="0" anchor="ctr"/>
+            <a:lstStyle/>
+            <a:p>
+              <a:pPr algn="ctr"/>
+              <a:endParaRPr lang="en-US"/>
+            </a:p>
+          </p:txBody>
+        </p:sp>
+        <p:sp>
+          <p:nvSpPr>
+            <p:cNvPr id="12" name="Rectangle 11">
+              <a:extLst>
+                <a:ext uri="{FF2B5EF4-FFF2-40B4-BE49-F238E27FC236}">
+                  <a16:creationId xmlns:a16="http://schemas.microsoft.com/office/drawing/2014/main" id="{7275593D-F75E-4426-AE3E-2CDEFD228D25}"/>
+                </a:ext>
+                <a:ext uri="{C183D7F6-B498-43B3-948B-1728B52AA6E4}">
+                  <adec:decorative xmlns:adec="http://schemas.microsoft.com/office/drawing/2017/decorative" val="1"/>
+                </a:ext>
+              </a:extLst>
+            </p:cNvPr>
+            <p:cNvSpPr/>
+            <p:nvPr>
+              <p:extLst>
+                <p:ext uri="{386F3935-93C4-4BCD-93E2-E3B085C9AB24}">
+                  <p16:designElem xmlns:p16="http://schemas.microsoft.com/office/powerpoint/2015/main" val="1"/>
+                </p:ext>
+              </p:extLst>
+            </p:nvPr>
+          </p:nvSpPr>
+          <p:spPr>
+            <a:xfrm flipH="1" flipV="1">
+              <a:off x="-2" y="1998845"/>
+              <a:ext cx="11454595" cy="781699"/>
+            </a:xfrm>
+            <a:prstGeom prst="rect">
+              <a:avLst/>
+            </a:prstGeom>
+            <a:solidFill>
+              <a:schemeClr val="accent4"/>
+            </a:solidFill>
+            <a:ln>
+              <a:noFill/>
+            </a:ln>
+          </p:spPr>
+          <p:style>
+            <a:lnRef idx="2">
+              <a:schemeClr val="accent1">
+                <a:shade val="50000"/>
+              </a:schemeClr>
+            </a:lnRef>
+            <a:fillRef idx="1">
+              <a:schemeClr val="accent1"/>
+            </a:fillRef>
+            <a:effectRef idx="0">
+              <a:schemeClr val="accent1"/>
+            </a:effectRef>
+            <a:fontRef idx="minor">
+              <a:schemeClr val="lt1"/>
+            </a:fontRef>
+          </p:style>
+          <p:txBody>
+            <a:bodyPr rtlCol="0" anchor="ctr"/>
+            <a:lstStyle/>
+            <a:p>
+              <a:pPr algn="ctr"/>
+              <a:endParaRPr lang="en-US"/>
+            </a:p>
+          </p:txBody>
+        </p:sp>
+      </p:grpSp>
+      <p:sp>
+        <p:nvSpPr>
+          <p:cNvPr id="14" name="Rectangle 13">
+            <a:extLst>
+              <a:ext uri="{FF2B5EF4-FFF2-40B4-BE49-F238E27FC236}">
+                <a16:creationId xmlns:a16="http://schemas.microsoft.com/office/drawing/2014/main" id="{E659831F-0D9A-4C63-9EBB-8435B85A440F}"/>
+              </a:ext>
+              <a:ext uri="{C183D7F6-B498-43B3-948B-1728B52AA6E4}">
+                <adec:decorative xmlns:adec="http://schemas.microsoft.com/office/drawing/2017/decorative" val="1"/>
+              </a:ext>
+            </a:extLst>
+          </p:cNvPr>
+          <p:cNvSpPr>
+            <a:spLocks noGrp="1" noRot="1" noChangeAspect="1" noMove="1" noResize="1" noEditPoints="1" noAdjustHandles="1" noChangeArrowheads="1" noChangeShapeType="1" noTextEdit="1"/>
+          </p:cNvSpPr>
+          <p:nvPr>
+            <p:extLst>
+              <p:ext uri="{386F3935-93C4-4BCD-93E2-E3B085C9AB24}">
+                <p16:designElem xmlns:p16="http://schemas.microsoft.com/office/powerpoint/2015/main" val="1"/>
+              </p:ext>
+            </p:extLst>
+          </p:nvPr>
+        </p:nvSpPr>
+        <p:spPr>
+          <a:xfrm>
+            <a:off x="0" y="2203079"/>
+            <a:ext cx="11383362" cy="4147845"/>
+          </a:xfrm>
+          <a:prstGeom prst="rect">
+            <a:avLst/>
+          </a:prstGeom>
+          <a:solidFill>
+            <a:schemeClr val="bg1"/>
+          </a:solidFill>
+          <a:ln>
+            <a:noFill/>
+          </a:ln>
+          <a:effectLst>
+            <a:outerShdw blurRad="139700" dist="127000" dir="5400000" algn="t" rotWithShape="0">
+              <a:prstClr val="black">
+                <a:alpha val="15000"/>
+              </a:prstClr>
+            </a:outerShdw>
+          </a:effectLst>
+        </p:spPr>
+        <p:style>
+          <a:lnRef idx="2">
+            <a:schemeClr val="accent1">
+              <a:shade val="50000"/>
+            </a:schemeClr>
+          </a:lnRef>
+          <a:fillRef idx="1">
+            <a:schemeClr val="accent1"/>
+          </a:fillRef>
+          <a:effectRef idx="0">
+            <a:schemeClr val="accent1"/>
+          </a:effectRef>
+          <a:fontRef idx="minor">
+            <a:schemeClr val="lt1"/>
+          </a:fontRef>
+        </p:style>
+        <p:txBody>
+          <a:bodyPr rtlCol="0" anchor="ctr"/>
+          <a:lstStyle/>
+          <a:p>
+            <a:pPr algn="ctr"/>
+            <a:endParaRPr lang="en-US"/>
+          </a:p>
+        </p:txBody>
+      </p:sp>
       <p:sp>
         <p:nvSpPr>
           <p:cNvPr id="3" name="Content Placeholder 2">
@@ -4058,19 +5043,26 @@
             <p:ph idx="1"/>
           </p:nvPr>
         </p:nvSpPr>
-        <p:spPr/>
-        <p:txBody>
-          <a:bodyPr/>
-          <a:lstStyle/>
-          <a:p>
-            <a:r>
-              <a:rPr lang="en-CA" dirty="0"/>
+        <p:spPr>
+          <a:xfrm>
+            <a:off x="793660" y="2599509"/>
+            <a:ext cx="10143668" cy="3435531"/>
+          </a:xfrm>
+        </p:spPr>
+        <p:txBody>
+          <a:bodyPr anchor="ctr">
+            <a:normAutofit/>
+          </a:bodyPr>
+          <a:lstStyle/>
+          <a:p>
+            <a:r>
+              <a:rPr lang="en-CA" sz="2400"/>
               <a:t>While most of the gameplay events are self explanatory, there are a few clarifications for some more involved scoring decisions. </a:t>
             </a:r>
             <a:br>
-              <a:rPr lang="en-CA" dirty="0"/>
+              <a:rPr lang="en-CA" sz="2400"/>
             </a:br>
-            <a:endParaRPr lang="en-CA" dirty="0"/>
+            <a:endParaRPr lang="en-CA" sz="2400"/>
           </a:p>
           <a:p>
             <a:pPr lvl="1"/>
@@ -4089,7 +5081,7 @@
           <a:p>
             <a:pPr lvl="1"/>
             <a:r>
-              <a:rPr lang="en-CA" dirty="0" err="1"/>
+              <a:rPr lang="en-CA"/>
               <a:t>Redzone</a:t>
             </a:r>
             <a:r>
@@ -4109,7 +5101,7 @@
             <a:pPr marL="0" indent="0">
               <a:buNone/>
             </a:pPr>
-            <a:endParaRPr lang="en-CA" dirty="0"/>
+            <a:endParaRPr lang="en-CA" sz="2400"/>
           </a:p>
         </p:txBody>
       </p:sp>
@@ -4129,6 +5121,14 @@
 <file path=ppt/slides/slide15.xml><?xml version="1.0" encoding="utf-8"?>
 <p:sld xmlns:a="http://schemas.openxmlformats.org/drawingml/2006/main" xmlns:r="http://schemas.openxmlformats.org/officeDocument/2006/relationships" xmlns:p="http://schemas.openxmlformats.org/presentationml/2006/main">
   <p:cSld>
+    <p:bg>
+      <p:bgPr>
+        <a:solidFill>
+          <a:schemeClr val="bg1"/>
+        </a:solidFill>
+        <a:effectLst/>
+      </p:bgPr>
+    </p:bg>
     <p:spTree>
       <p:nvGrpSpPr>
         <p:cNvPr id="1" name=""/>
@@ -4143,6 +5143,348 @@
           <a:chExt cx="0" cy="0"/>
         </a:xfrm>
       </p:grpSpPr>
+      <p:sp useBgFill="1">
+        <p:nvSpPr>
+          <p:cNvPr id="7" name="Rectangle 7">
+            <a:extLst>
+              <a:ext uri="{FF2B5EF4-FFF2-40B4-BE49-F238E27FC236}">
+                <a16:creationId xmlns:a16="http://schemas.microsoft.com/office/drawing/2014/main" id="{B6CDA21F-E7AF-4C75-8395-33F58D5B0E45}"/>
+              </a:ext>
+              <a:ext uri="{C183D7F6-B498-43B3-948B-1728B52AA6E4}">
+                <adec:decorative xmlns:adec="http://schemas.microsoft.com/office/drawing/2017/decorative" val="1"/>
+              </a:ext>
+            </a:extLst>
+          </p:cNvPr>
+          <p:cNvSpPr>
+            <a:spLocks noGrp="1" noRot="1" noChangeAspect="1" noMove="1" noResize="1" noEditPoints="1" noAdjustHandles="1" noChangeArrowheads="1" noChangeShapeType="1" noTextEdit="1"/>
+          </p:cNvSpPr>
+          <p:nvPr>
+            <p:extLst>
+              <p:ext uri="{386F3935-93C4-4BCD-93E2-E3B085C9AB24}">
+                <p16:designElem xmlns:p16="http://schemas.microsoft.com/office/powerpoint/2015/main" val="1"/>
+              </p:ext>
+            </p:extLst>
+          </p:nvPr>
+        </p:nvSpPr>
+        <p:spPr>
+          <a:xfrm>
+            <a:off x="0" y="0"/>
+            <a:ext cx="12191999" cy="6857365"/>
+          </a:xfrm>
+          <a:prstGeom prst="rect">
+            <a:avLst/>
+          </a:prstGeom>
+          <a:ln>
+            <a:noFill/>
+          </a:ln>
+        </p:spPr>
+        <p:style>
+          <a:lnRef idx="2">
+            <a:schemeClr val="accent1">
+              <a:shade val="50000"/>
+            </a:schemeClr>
+          </a:lnRef>
+          <a:fillRef idx="1">
+            <a:schemeClr val="accent1"/>
+          </a:fillRef>
+          <a:effectRef idx="0">
+            <a:schemeClr val="accent1"/>
+          </a:effectRef>
+          <a:fontRef idx="minor">
+            <a:schemeClr val="lt1"/>
+          </a:fontRef>
+        </p:style>
+        <p:txBody>
+          <a:bodyPr rtlCol="0" anchor="ctr"/>
+          <a:lstStyle/>
+          <a:p>
+            <a:pPr algn="ctr"/>
+            <a:endParaRPr lang="en-US"/>
+          </a:p>
+        </p:txBody>
+      </p:sp>
+      <p:grpSp>
+        <p:nvGrpSpPr>
+          <p:cNvPr id="10" name="Group 9">
+            <a:extLst>
+              <a:ext uri="{FF2B5EF4-FFF2-40B4-BE49-F238E27FC236}">
+                <a16:creationId xmlns:a16="http://schemas.microsoft.com/office/drawing/2014/main" id="{AE1C45F0-260A-458C-96ED-C1F6D2151219}"/>
+              </a:ext>
+              <a:ext uri="{C183D7F6-B498-43B3-948B-1728B52AA6E4}">
+                <adec:decorative xmlns:adec="http://schemas.microsoft.com/office/drawing/2017/decorative" val="1"/>
+              </a:ext>
+            </a:extLst>
+          </p:cNvPr>
+          <p:cNvGrpSpPr>
+            <a:grpSpLocks noGrp="1" noUngrp="1" noRot="1" noChangeAspect="1" noMove="1" noResize="1"/>
+          </p:cNvGrpSpPr>
+          <p:nvPr>
+            <p:extLst>
+              <p:ext uri="{386F3935-93C4-4BCD-93E2-E3B085C9AB24}">
+                <p16:designElem xmlns:p16="http://schemas.microsoft.com/office/powerpoint/2015/main" val="1"/>
+              </p:ext>
+            </p:extLst>
+          </p:nvPr>
+        </p:nvGrpSpPr>
+        <p:grpSpPr>
+          <a:xfrm>
+            <a:off x="4" y="1216597"/>
+            <a:ext cx="731521" cy="673460"/>
+            <a:chOff x="3940602" y="308034"/>
+            <a:chExt cx="2116791" cy="3428999"/>
+          </a:xfrm>
+          <a:solidFill>
+            <a:schemeClr val="accent4"/>
+          </a:solidFill>
+        </p:grpSpPr>
+        <p:sp>
+          <p:nvSpPr>
+            <p:cNvPr id="11" name="Rectangle 10">
+              <a:extLst>
+                <a:ext uri="{FF2B5EF4-FFF2-40B4-BE49-F238E27FC236}">
+                  <a16:creationId xmlns:a16="http://schemas.microsoft.com/office/drawing/2014/main" id="{A6604B49-AD5C-4590-B051-06C8222ECD99}"/>
+                </a:ext>
+                <a:ext uri="{C183D7F6-B498-43B3-948B-1728B52AA6E4}">
+                  <adec:decorative xmlns:adec="http://schemas.microsoft.com/office/drawing/2017/decorative" val="1"/>
+                </a:ext>
+              </a:extLst>
+            </p:cNvPr>
+            <p:cNvSpPr/>
+            <p:nvPr>
+              <p:extLst>
+                <p:ext uri="{386F3935-93C4-4BCD-93E2-E3B085C9AB24}">
+                  <p16:designElem xmlns:p16="http://schemas.microsoft.com/office/powerpoint/2015/main" val="1"/>
+                </p:ext>
+              </p:extLst>
+            </p:nvPr>
+          </p:nvSpPr>
+          <p:spPr>
+            <a:xfrm>
+              <a:off x="3940602" y="308034"/>
+              <a:ext cx="566743" cy="3428999"/>
+            </a:xfrm>
+            <a:prstGeom prst="rect">
+              <a:avLst/>
+            </a:prstGeom>
+            <a:grpFill/>
+            <a:ln>
+              <a:noFill/>
+            </a:ln>
+          </p:spPr>
+          <p:style>
+            <a:lnRef idx="2">
+              <a:schemeClr val="accent1">
+                <a:shade val="50000"/>
+              </a:schemeClr>
+            </a:lnRef>
+            <a:fillRef idx="1">
+              <a:schemeClr val="accent1"/>
+            </a:fillRef>
+            <a:effectRef idx="0">
+              <a:schemeClr val="accent1"/>
+            </a:effectRef>
+            <a:fontRef idx="minor">
+              <a:schemeClr val="lt1"/>
+            </a:fontRef>
+          </p:style>
+          <p:txBody>
+            <a:bodyPr rtlCol="0" anchor="ctr"/>
+            <a:lstStyle/>
+            <a:p>
+              <a:pPr algn="ctr"/>
+              <a:endParaRPr lang="en-US"/>
+            </a:p>
+          </p:txBody>
+        </p:sp>
+        <p:sp>
+          <p:nvSpPr>
+            <p:cNvPr id="12" name="Rectangle 11">
+              <a:extLst>
+                <a:ext uri="{FF2B5EF4-FFF2-40B4-BE49-F238E27FC236}">
+                  <a16:creationId xmlns:a16="http://schemas.microsoft.com/office/drawing/2014/main" id="{743ECCAF-29C5-4537-947C-7EA1292463DB}"/>
+                </a:ext>
+                <a:ext uri="{C183D7F6-B498-43B3-948B-1728B52AA6E4}">
+                  <adec:decorative xmlns:adec="http://schemas.microsoft.com/office/drawing/2017/decorative" val="1"/>
+                </a:ext>
+              </a:extLst>
+            </p:cNvPr>
+            <p:cNvSpPr/>
+            <p:nvPr>
+              <p:extLst>
+                <p:ext uri="{386F3935-93C4-4BCD-93E2-E3B085C9AB24}">
+                  <p16:designElem xmlns:p16="http://schemas.microsoft.com/office/powerpoint/2015/main" val="1"/>
+                </p:ext>
+              </p:extLst>
+            </p:nvPr>
+          </p:nvSpPr>
+          <p:spPr>
+            <a:xfrm>
+              <a:off x="4715626" y="308034"/>
+              <a:ext cx="566743" cy="3428999"/>
+            </a:xfrm>
+            <a:prstGeom prst="rect">
+              <a:avLst/>
+            </a:prstGeom>
+            <a:grpFill/>
+            <a:ln>
+              <a:noFill/>
+            </a:ln>
+          </p:spPr>
+          <p:style>
+            <a:lnRef idx="2">
+              <a:schemeClr val="accent1">
+                <a:shade val="50000"/>
+              </a:schemeClr>
+            </a:lnRef>
+            <a:fillRef idx="1">
+              <a:schemeClr val="accent1"/>
+            </a:fillRef>
+            <a:effectRef idx="0">
+              <a:schemeClr val="accent1"/>
+            </a:effectRef>
+            <a:fontRef idx="minor">
+              <a:schemeClr val="lt1"/>
+            </a:fontRef>
+          </p:style>
+          <p:txBody>
+            <a:bodyPr rtlCol="0" anchor="ctr"/>
+            <a:lstStyle/>
+            <a:p>
+              <a:pPr algn="ctr"/>
+              <a:endParaRPr lang="en-US"/>
+            </a:p>
+          </p:txBody>
+        </p:sp>
+        <p:sp>
+          <p:nvSpPr>
+            <p:cNvPr id="13" name="Rectangle 12">
+              <a:extLst>
+                <a:ext uri="{FF2B5EF4-FFF2-40B4-BE49-F238E27FC236}">
+                  <a16:creationId xmlns:a16="http://schemas.microsoft.com/office/drawing/2014/main" id="{ED49787B-8DE6-4467-AD0A-8DECC6E0C2D6}"/>
+                </a:ext>
+                <a:ext uri="{C183D7F6-B498-43B3-948B-1728B52AA6E4}">
+                  <adec:decorative xmlns:adec="http://schemas.microsoft.com/office/drawing/2017/decorative" val="1"/>
+                </a:ext>
+              </a:extLst>
+            </p:cNvPr>
+            <p:cNvSpPr/>
+            <p:nvPr>
+              <p:extLst>
+                <p:ext uri="{386F3935-93C4-4BCD-93E2-E3B085C9AB24}">
+                  <p16:designElem xmlns:p16="http://schemas.microsoft.com/office/powerpoint/2015/main" val="1"/>
+                </p:ext>
+              </p:extLst>
+            </p:nvPr>
+          </p:nvSpPr>
+          <p:spPr>
+            <a:xfrm>
+              <a:off x="5490650" y="308034"/>
+              <a:ext cx="566743" cy="3428999"/>
+            </a:xfrm>
+            <a:prstGeom prst="rect">
+              <a:avLst/>
+            </a:prstGeom>
+            <a:grpFill/>
+            <a:ln>
+              <a:noFill/>
+            </a:ln>
+          </p:spPr>
+          <p:style>
+            <a:lnRef idx="2">
+              <a:schemeClr val="accent1">
+                <a:shade val="50000"/>
+              </a:schemeClr>
+            </a:lnRef>
+            <a:fillRef idx="1">
+              <a:schemeClr val="accent1"/>
+            </a:fillRef>
+            <a:effectRef idx="0">
+              <a:schemeClr val="accent1"/>
+            </a:effectRef>
+            <a:fontRef idx="minor">
+              <a:schemeClr val="lt1"/>
+            </a:fontRef>
+          </p:style>
+          <p:txBody>
+            <a:bodyPr rtlCol="0" anchor="ctr"/>
+            <a:lstStyle/>
+            <a:p>
+              <a:pPr algn="ctr"/>
+              <a:endParaRPr lang="en-US"/>
+            </a:p>
+          </p:txBody>
+        </p:sp>
+      </p:grpSp>
+      <p:sp>
+        <p:nvSpPr>
+          <p:cNvPr id="15" name="Rectangle 14">
+            <a:extLst>
+              <a:ext uri="{FF2B5EF4-FFF2-40B4-BE49-F238E27FC236}">
+                <a16:creationId xmlns:a16="http://schemas.microsoft.com/office/drawing/2014/main" id="{D5B0017B-2ECA-49AF-B397-DC140825DF8D}"/>
+              </a:ext>
+              <a:ext uri="{C183D7F6-B498-43B3-948B-1728B52AA6E4}">
+                <adec:decorative xmlns:adec="http://schemas.microsoft.com/office/drawing/2017/decorative" val="1"/>
+              </a:ext>
+            </a:extLst>
+          </p:cNvPr>
+          <p:cNvSpPr>
+            <a:spLocks noGrp="1" noRot="1" noChangeAspect="1" noMove="1" noResize="1" noEditPoints="1" noAdjustHandles="1" noChangeArrowheads="1" noChangeShapeType="1" noTextEdit="1"/>
+          </p:cNvSpPr>
+          <p:nvPr>
+            <p:extLst>
+              <p:ext uri="{386F3935-93C4-4BCD-93E2-E3B085C9AB24}">
+                <p16:designElem xmlns:p16="http://schemas.microsoft.com/office/powerpoint/2015/main" val="1"/>
+              </p:ext>
+            </p:extLst>
+          </p:nvPr>
+        </p:nvSpPr>
+        <p:spPr>
+          <a:xfrm>
+            <a:off x="640079" y="613954"/>
+            <a:ext cx="10907487" cy="1894116"/>
+          </a:xfrm>
+          <a:prstGeom prst="rect">
+            <a:avLst/>
+          </a:prstGeom>
+          <a:solidFill>
+            <a:schemeClr val="bg1"/>
+          </a:solidFill>
+          <a:ln>
+            <a:noFill/>
+          </a:ln>
+          <a:effectLst>
+            <a:outerShdw blurRad="139700" dist="127000" dir="5400000" algn="t" rotWithShape="0">
+              <a:prstClr val="black">
+                <a:alpha val="15000"/>
+              </a:prstClr>
+            </a:outerShdw>
+          </a:effectLst>
+        </p:spPr>
+        <p:style>
+          <a:lnRef idx="2">
+            <a:schemeClr val="accent1">
+              <a:shade val="50000"/>
+            </a:schemeClr>
+          </a:lnRef>
+          <a:fillRef idx="1">
+            <a:schemeClr val="accent1"/>
+          </a:fillRef>
+          <a:effectRef idx="0">
+            <a:schemeClr val="accent1"/>
+          </a:effectRef>
+          <a:fontRef idx="minor">
+            <a:schemeClr val="lt1"/>
+          </a:fontRef>
+        </p:style>
+        <p:txBody>
+          <a:bodyPr rtlCol="0" anchor="ctr"/>
+          <a:lstStyle/>
+          <a:p>
+            <a:pPr algn="ctr"/>
+            <a:endParaRPr lang="en-US"/>
+          </a:p>
+        </p:txBody>
+      </p:sp>
       <p:sp>
         <p:nvSpPr>
           <p:cNvPr id="2" name="Title 1">
@@ -4159,13 +5501,20 @@
             <p:ph type="title"/>
           </p:nvPr>
         </p:nvSpPr>
-        <p:spPr/>
-        <p:txBody>
-          <a:bodyPr/>
-          <a:lstStyle/>
-          <a:p>
-            <a:r>
-              <a:rPr lang="en-CA" dirty="0"/>
+        <p:spPr>
+          <a:xfrm>
+            <a:off x="1043631" y="809898"/>
+            <a:ext cx="9942716" cy="1554480"/>
+          </a:xfrm>
+        </p:spPr>
+        <p:txBody>
+          <a:bodyPr anchor="ctr">
+            <a:normAutofit/>
+          </a:bodyPr>
+          <a:lstStyle/>
+          <a:p>
+            <a:r>
+              <a:rPr lang="en-CA" sz="4800"/>
               <a:t>Gameplay Events Breakdown - Proximity</a:t>
             </a:r>
           </a:p>
@@ -4187,43 +5536,50 @@
             <p:ph idx="1"/>
           </p:nvPr>
         </p:nvSpPr>
-        <p:spPr/>
-        <p:txBody>
-          <a:bodyPr/>
-          <a:lstStyle/>
-          <a:p>
-            <a:r>
-              <a:rPr lang="en-CA" dirty="0"/>
+        <p:spPr>
+          <a:xfrm>
+            <a:off x="1045028" y="3017522"/>
+            <a:ext cx="9941319" cy="3124658"/>
+          </a:xfrm>
+        </p:spPr>
+        <p:txBody>
+          <a:bodyPr anchor="ctr">
+            <a:normAutofit/>
+          </a:bodyPr>
+          <a:lstStyle/>
+          <a:p>
+            <a:r>
+              <a:rPr lang="en-CA" sz="2400" dirty="0"/>
               <a:t>Proximity to play is used to determine if a player could be in the region to affect the play.</a:t>
             </a:r>
             <a:br>
-              <a:rPr lang="en-CA" dirty="0"/>
+              <a:rPr lang="en-CA" sz="2400" dirty="0"/>
             </a:br>
-            <a:endParaRPr lang="en-CA" dirty="0"/>
-          </a:p>
-          <a:p>
-            <a:r>
-              <a:rPr lang="en-CA" dirty="0"/>
+            <a:endParaRPr lang="en-CA" sz="2400" dirty="0"/>
+          </a:p>
+          <a:p>
+            <a:r>
+              <a:rPr lang="en-CA" sz="2400" dirty="0"/>
               <a:t>For </a:t>
             </a:r>
             <a:r>
-              <a:rPr lang="en-CA" dirty="0">
+              <a:rPr lang="en-CA" sz="2400" dirty="0">
                 <a:solidFill>
-                  <a:schemeClr val="accent1"/>
+                  <a:srgbClr val="7899D4"/>
                 </a:solidFill>
               </a:rPr>
               <a:t>rushing</a:t>
             </a:r>
             <a:r>
+              <a:rPr lang="en-CA" sz="2400" dirty="0"/>
+              <a:t>:</a:t>
+            </a:r>
+          </a:p>
+          <a:p>
+            <a:pPr lvl="1"/>
+            <a:r>
               <a:rPr lang="en-CA" dirty="0"/>
-              <a:t>:</a:t>
-            </a:r>
-          </a:p>
-          <a:p>
-            <a:pPr lvl="1"/>
-            <a:r>
-              <a:rPr lang="en-CA" dirty="0"/>
-              <a:t>Did the player make a tackle, solo or assisted</a:t>
+              <a:t>Did the player make a tackle: solo or assisted</a:t>
             </a:r>
           </a:p>
           <a:p>
@@ -4249,6 +5605,58 @@
           </a:p>
         </p:txBody>
       </p:sp>
+      <p:cxnSp>
+        <p:nvCxnSpPr>
+          <p:cNvPr id="17" name="Straight Connector 16">
+            <a:extLst>
+              <a:ext uri="{FF2B5EF4-FFF2-40B4-BE49-F238E27FC236}">
+                <a16:creationId xmlns:a16="http://schemas.microsoft.com/office/drawing/2014/main" id="{6CF1BAF6-AD41-4082-B212-8A1F9A2E8779}"/>
+              </a:ext>
+              <a:ext uri="{C183D7F6-B498-43B3-948B-1728B52AA6E4}">
+                <adec:decorative xmlns:adec="http://schemas.microsoft.com/office/drawing/2017/decorative" val="1"/>
+              </a:ext>
+            </a:extLst>
+          </p:cNvPr>
+          <p:cNvCxnSpPr>
+            <a:cxnSpLocks noGrp="1" noRot="1" noChangeAspect="1" noMove="1" noResize="1" noEditPoints="1" noAdjustHandles="1" noChangeArrowheads="1" noChangeShapeType="1"/>
+          </p:cNvCxnSpPr>
+          <p:nvPr>
+            <p:extLst>
+              <p:ext uri="{386F3935-93C4-4BCD-93E2-E3B085C9AB24}">
+                <p16:designElem xmlns:p16="http://schemas.microsoft.com/office/powerpoint/2015/main" val="1"/>
+              </p:ext>
+            </p:extLst>
+          </p:nvPr>
+        </p:nvCxnSpPr>
+        <p:spPr>
+          <a:xfrm flipH="1">
+            <a:off x="838200" y="6485313"/>
+            <a:ext cx="10515600" cy="0"/>
+          </a:xfrm>
+          <a:prstGeom prst="line">
+            <a:avLst/>
+          </a:prstGeom>
+          <a:ln w="57150">
+            <a:solidFill>
+              <a:schemeClr val="accent4"/>
+            </a:solidFill>
+          </a:ln>
+        </p:spPr>
+        <p:style>
+          <a:lnRef idx="1">
+            <a:schemeClr val="accent1"/>
+          </a:lnRef>
+          <a:fillRef idx="0">
+            <a:schemeClr val="accent1"/>
+          </a:fillRef>
+          <a:effectRef idx="0">
+            <a:schemeClr val="accent1"/>
+          </a:effectRef>
+          <a:fontRef idx="minor">
+            <a:schemeClr val="tx1"/>
+          </a:fontRef>
+        </p:style>
+      </p:cxnSp>
     </p:spTree>
     <p:extLst>
       <p:ext uri="{BB962C8B-B14F-4D97-AF65-F5344CB8AC3E}">
@@ -4265,6 +5673,14 @@
 <file path=ppt/slides/slide16.xml><?xml version="1.0" encoding="utf-8"?>
 <p:sld xmlns:a="http://schemas.openxmlformats.org/drawingml/2006/main" xmlns:r="http://schemas.openxmlformats.org/officeDocument/2006/relationships" xmlns:p="http://schemas.openxmlformats.org/presentationml/2006/main">
   <p:cSld>
+    <p:bg>
+      <p:bgPr>
+        <a:solidFill>
+          <a:schemeClr val="bg1"/>
+        </a:solidFill>
+        <a:effectLst/>
+      </p:bgPr>
+    </p:bg>
     <p:spTree>
       <p:nvGrpSpPr>
         <p:cNvPr id="1" name=""/>
@@ -4279,6 +5695,348 @@
           <a:chExt cx="0" cy="0"/>
         </a:xfrm>
       </p:grpSpPr>
+      <p:sp useBgFill="1">
+        <p:nvSpPr>
+          <p:cNvPr id="8" name="Rectangle 7">
+            <a:extLst>
+              <a:ext uri="{FF2B5EF4-FFF2-40B4-BE49-F238E27FC236}">
+                <a16:creationId xmlns:a16="http://schemas.microsoft.com/office/drawing/2014/main" id="{B6CDA21F-E7AF-4C75-8395-33F58D5B0E45}"/>
+              </a:ext>
+              <a:ext uri="{C183D7F6-B498-43B3-948B-1728B52AA6E4}">
+                <adec:decorative xmlns:adec="http://schemas.microsoft.com/office/drawing/2017/decorative" val="1"/>
+              </a:ext>
+            </a:extLst>
+          </p:cNvPr>
+          <p:cNvSpPr>
+            <a:spLocks noGrp="1" noRot="1" noChangeAspect="1" noMove="1" noResize="1" noEditPoints="1" noAdjustHandles="1" noChangeArrowheads="1" noChangeShapeType="1" noTextEdit="1"/>
+          </p:cNvSpPr>
+          <p:nvPr>
+            <p:extLst>
+              <p:ext uri="{386F3935-93C4-4BCD-93E2-E3B085C9AB24}">
+                <p16:designElem xmlns:p16="http://schemas.microsoft.com/office/powerpoint/2015/main" val="1"/>
+              </p:ext>
+            </p:extLst>
+          </p:nvPr>
+        </p:nvSpPr>
+        <p:spPr>
+          <a:xfrm>
+            <a:off x="0" y="0"/>
+            <a:ext cx="12191999" cy="6857365"/>
+          </a:xfrm>
+          <a:prstGeom prst="rect">
+            <a:avLst/>
+          </a:prstGeom>
+          <a:ln>
+            <a:noFill/>
+          </a:ln>
+        </p:spPr>
+        <p:style>
+          <a:lnRef idx="2">
+            <a:schemeClr val="accent1">
+              <a:shade val="50000"/>
+            </a:schemeClr>
+          </a:lnRef>
+          <a:fillRef idx="1">
+            <a:schemeClr val="accent1"/>
+          </a:fillRef>
+          <a:effectRef idx="0">
+            <a:schemeClr val="accent1"/>
+          </a:effectRef>
+          <a:fontRef idx="minor">
+            <a:schemeClr val="lt1"/>
+          </a:fontRef>
+        </p:style>
+        <p:txBody>
+          <a:bodyPr rtlCol="0" anchor="ctr"/>
+          <a:lstStyle/>
+          <a:p>
+            <a:pPr algn="ctr"/>
+            <a:endParaRPr lang="en-US"/>
+          </a:p>
+        </p:txBody>
+      </p:sp>
+      <p:grpSp>
+        <p:nvGrpSpPr>
+          <p:cNvPr id="10" name="Group 9">
+            <a:extLst>
+              <a:ext uri="{FF2B5EF4-FFF2-40B4-BE49-F238E27FC236}">
+                <a16:creationId xmlns:a16="http://schemas.microsoft.com/office/drawing/2014/main" id="{AE1C45F0-260A-458C-96ED-C1F6D2151219}"/>
+              </a:ext>
+              <a:ext uri="{C183D7F6-B498-43B3-948B-1728B52AA6E4}">
+                <adec:decorative xmlns:adec="http://schemas.microsoft.com/office/drawing/2017/decorative" val="1"/>
+              </a:ext>
+            </a:extLst>
+          </p:cNvPr>
+          <p:cNvGrpSpPr>
+            <a:grpSpLocks noGrp="1" noUngrp="1" noRot="1" noChangeAspect="1" noMove="1" noResize="1"/>
+          </p:cNvGrpSpPr>
+          <p:nvPr>
+            <p:extLst>
+              <p:ext uri="{386F3935-93C4-4BCD-93E2-E3B085C9AB24}">
+                <p16:designElem xmlns:p16="http://schemas.microsoft.com/office/powerpoint/2015/main" val="1"/>
+              </p:ext>
+            </p:extLst>
+          </p:nvPr>
+        </p:nvGrpSpPr>
+        <p:grpSpPr>
+          <a:xfrm>
+            <a:off x="4" y="1216597"/>
+            <a:ext cx="731521" cy="673460"/>
+            <a:chOff x="3940602" y="308034"/>
+            <a:chExt cx="2116791" cy="3428999"/>
+          </a:xfrm>
+          <a:solidFill>
+            <a:schemeClr val="accent4"/>
+          </a:solidFill>
+        </p:grpSpPr>
+        <p:sp>
+          <p:nvSpPr>
+            <p:cNvPr id="11" name="Rectangle 10">
+              <a:extLst>
+                <a:ext uri="{FF2B5EF4-FFF2-40B4-BE49-F238E27FC236}">
+                  <a16:creationId xmlns:a16="http://schemas.microsoft.com/office/drawing/2014/main" id="{A6604B49-AD5C-4590-B051-06C8222ECD99}"/>
+                </a:ext>
+                <a:ext uri="{C183D7F6-B498-43B3-948B-1728B52AA6E4}">
+                  <adec:decorative xmlns:adec="http://schemas.microsoft.com/office/drawing/2017/decorative" val="1"/>
+                </a:ext>
+              </a:extLst>
+            </p:cNvPr>
+            <p:cNvSpPr/>
+            <p:nvPr>
+              <p:extLst>
+                <p:ext uri="{386F3935-93C4-4BCD-93E2-E3B085C9AB24}">
+                  <p16:designElem xmlns:p16="http://schemas.microsoft.com/office/powerpoint/2015/main" val="1"/>
+                </p:ext>
+              </p:extLst>
+            </p:nvPr>
+          </p:nvSpPr>
+          <p:spPr>
+            <a:xfrm>
+              <a:off x="3940602" y="308034"/>
+              <a:ext cx="566743" cy="3428999"/>
+            </a:xfrm>
+            <a:prstGeom prst="rect">
+              <a:avLst/>
+            </a:prstGeom>
+            <a:grpFill/>
+            <a:ln>
+              <a:noFill/>
+            </a:ln>
+          </p:spPr>
+          <p:style>
+            <a:lnRef idx="2">
+              <a:schemeClr val="accent1">
+                <a:shade val="50000"/>
+              </a:schemeClr>
+            </a:lnRef>
+            <a:fillRef idx="1">
+              <a:schemeClr val="accent1"/>
+            </a:fillRef>
+            <a:effectRef idx="0">
+              <a:schemeClr val="accent1"/>
+            </a:effectRef>
+            <a:fontRef idx="minor">
+              <a:schemeClr val="lt1"/>
+            </a:fontRef>
+          </p:style>
+          <p:txBody>
+            <a:bodyPr rtlCol="0" anchor="ctr"/>
+            <a:lstStyle/>
+            <a:p>
+              <a:pPr algn="ctr"/>
+              <a:endParaRPr lang="en-US"/>
+            </a:p>
+          </p:txBody>
+        </p:sp>
+        <p:sp>
+          <p:nvSpPr>
+            <p:cNvPr id="12" name="Rectangle 11">
+              <a:extLst>
+                <a:ext uri="{FF2B5EF4-FFF2-40B4-BE49-F238E27FC236}">
+                  <a16:creationId xmlns:a16="http://schemas.microsoft.com/office/drawing/2014/main" id="{743ECCAF-29C5-4537-947C-7EA1292463DB}"/>
+                </a:ext>
+                <a:ext uri="{C183D7F6-B498-43B3-948B-1728B52AA6E4}">
+                  <adec:decorative xmlns:adec="http://schemas.microsoft.com/office/drawing/2017/decorative" val="1"/>
+                </a:ext>
+              </a:extLst>
+            </p:cNvPr>
+            <p:cNvSpPr/>
+            <p:nvPr>
+              <p:extLst>
+                <p:ext uri="{386F3935-93C4-4BCD-93E2-E3B085C9AB24}">
+                  <p16:designElem xmlns:p16="http://schemas.microsoft.com/office/powerpoint/2015/main" val="1"/>
+                </p:ext>
+              </p:extLst>
+            </p:nvPr>
+          </p:nvSpPr>
+          <p:spPr>
+            <a:xfrm>
+              <a:off x="4715626" y="308034"/>
+              <a:ext cx="566743" cy="3428999"/>
+            </a:xfrm>
+            <a:prstGeom prst="rect">
+              <a:avLst/>
+            </a:prstGeom>
+            <a:grpFill/>
+            <a:ln>
+              <a:noFill/>
+            </a:ln>
+          </p:spPr>
+          <p:style>
+            <a:lnRef idx="2">
+              <a:schemeClr val="accent1">
+                <a:shade val="50000"/>
+              </a:schemeClr>
+            </a:lnRef>
+            <a:fillRef idx="1">
+              <a:schemeClr val="accent1"/>
+            </a:fillRef>
+            <a:effectRef idx="0">
+              <a:schemeClr val="accent1"/>
+            </a:effectRef>
+            <a:fontRef idx="minor">
+              <a:schemeClr val="lt1"/>
+            </a:fontRef>
+          </p:style>
+          <p:txBody>
+            <a:bodyPr rtlCol="0" anchor="ctr"/>
+            <a:lstStyle/>
+            <a:p>
+              <a:pPr algn="ctr"/>
+              <a:endParaRPr lang="en-US"/>
+            </a:p>
+          </p:txBody>
+        </p:sp>
+        <p:sp>
+          <p:nvSpPr>
+            <p:cNvPr id="13" name="Rectangle 12">
+              <a:extLst>
+                <a:ext uri="{FF2B5EF4-FFF2-40B4-BE49-F238E27FC236}">
+                  <a16:creationId xmlns:a16="http://schemas.microsoft.com/office/drawing/2014/main" id="{ED49787B-8DE6-4467-AD0A-8DECC6E0C2D6}"/>
+                </a:ext>
+                <a:ext uri="{C183D7F6-B498-43B3-948B-1728B52AA6E4}">
+                  <adec:decorative xmlns:adec="http://schemas.microsoft.com/office/drawing/2017/decorative" val="1"/>
+                </a:ext>
+              </a:extLst>
+            </p:cNvPr>
+            <p:cNvSpPr/>
+            <p:nvPr>
+              <p:extLst>
+                <p:ext uri="{386F3935-93C4-4BCD-93E2-E3B085C9AB24}">
+                  <p16:designElem xmlns:p16="http://schemas.microsoft.com/office/powerpoint/2015/main" val="1"/>
+                </p:ext>
+              </p:extLst>
+            </p:nvPr>
+          </p:nvSpPr>
+          <p:spPr>
+            <a:xfrm>
+              <a:off x="5490650" y="308034"/>
+              <a:ext cx="566743" cy="3428999"/>
+            </a:xfrm>
+            <a:prstGeom prst="rect">
+              <a:avLst/>
+            </a:prstGeom>
+            <a:grpFill/>
+            <a:ln>
+              <a:noFill/>
+            </a:ln>
+          </p:spPr>
+          <p:style>
+            <a:lnRef idx="2">
+              <a:schemeClr val="accent1">
+                <a:shade val="50000"/>
+              </a:schemeClr>
+            </a:lnRef>
+            <a:fillRef idx="1">
+              <a:schemeClr val="accent1"/>
+            </a:fillRef>
+            <a:effectRef idx="0">
+              <a:schemeClr val="accent1"/>
+            </a:effectRef>
+            <a:fontRef idx="minor">
+              <a:schemeClr val="lt1"/>
+            </a:fontRef>
+          </p:style>
+          <p:txBody>
+            <a:bodyPr rtlCol="0" anchor="ctr"/>
+            <a:lstStyle/>
+            <a:p>
+              <a:pPr algn="ctr"/>
+              <a:endParaRPr lang="en-US"/>
+            </a:p>
+          </p:txBody>
+        </p:sp>
+      </p:grpSp>
+      <p:sp>
+        <p:nvSpPr>
+          <p:cNvPr id="15" name="Rectangle 14">
+            <a:extLst>
+              <a:ext uri="{FF2B5EF4-FFF2-40B4-BE49-F238E27FC236}">
+                <a16:creationId xmlns:a16="http://schemas.microsoft.com/office/drawing/2014/main" id="{D5B0017B-2ECA-49AF-B397-DC140825DF8D}"/>
+              </a:ext>
+              <a:ext uri="{C183D7F6-B498-43B3-948B-1728B52AA6E4}">
+                <adec:decorative xmlns:adec="http://schemas.microsoft.com/office/drawing/2017/decorative" val="1"/>
+              </a:ext>
+            </a:extLst>
+          </p:cNvPr>
+          <p:cNvSpPr>
+            <a:spLocks noGrp="1" noRot="1" noChangeAspect="1" noMove="1" noResize="1" noEditPoints="1" noAdjustHandles="1" noChangeArrowheads="1" noChangeShapeType="1" noTextEdit="1"/>
+          </p:cNvSpPr>
+          <p:nvPr>
+            <p:extLst>
+              <p:ext uri="{386F3935-93C4-4BCD-93E2-E3B085C9AB24}">
+                <p16:designElem xmlns:p16="http://schemas.microsoft.com/office/powerpoint/2015/main" val="1"/>
+              </p:ext>
+            </p:extLst>
+          </p:nvPr>
+        </p:nvSpPr>
+        <p:spPr>
+          <a:xfrm>
+            <a:off x="640079" y="613954"/>
+            <a:ext cx="10907487" cy="1894116"/>
+          </a:xfrm>
+          <a:prstGeom prst="rect">
+            <a:avLst/>
+          </a:prstGeom>
+          <a:solidFill>
+            <a:schemeClr val="bg1"/>
+          </a:solidFill>
+          <a:ln>
+            <a:noFill/>
+          </a:ln>
+          <a:effectLst>
+            <a:outerShdw blurRad="139700" dist="127000" dir="5400000" algn="t" rotWithShape="0">
+              <a:prstClr val="black">
+                <a:alpha val="15000"/>
+              </a:prstClr>
+            </a:outerShdw>
+          </a:effectLst>
+        </p:spPr>
+        <p:style>
+          <a:lnRef idx="2">
+            <a:schemeClr val="accent1">
+              <a:shade val="50000"/>
+            </a:schemeClr>
+          </a:lnRef>
+          <a:fillRef idx="1">
+            <a:schemeClr val="accent1"/>
+          </a:fillRef>
+          <a:effectRef idx="0">
+            <a:schemeClr val="accent1"/>
+          </a:effectRef>
+          <a:fontRef idx="minor">
+            <a:schemeClr val="lt1"/>
+          </a:fontRef>
+        </p:style>
+        <p:txBody>
+          <a:bodyPr rtlCol="0" anchor="ctr"/>
+          <a:lstStyle/>
+          <a:p>
+            <a:pPr algn="ctr"/>
+            <a:endParaRPr lang="en-US"/>
+          </a:p>
+        </p:txBody>
+      </p:sp>
       <p:sp>
         <p:nvSpPr>
           <p:cNvPr id="2" name="Title 1">
@@ -4295,13 +6053,20 @@
             <p:ph type="title"/>
           </p:nvPr>
         </p:nvSpPr>
-        <p:spPr/>
-        <p:txBody>
-          <a:bodyPr/>
-          <a:lstStyle/>
-          <a:p>
-            <a:r>
-              <a:rPr lang="en-CA" dirty="0"/>
+        <p:spPr>
+          <a:xfrm>
+            <a:off x="1043631" y="809898"/>
+            <a:ext cx="9942716" cy="1554480"/>
+          </a:xfrm>
+        </p:spPr>
+        <p:txBody>
+          <a:bodyPr anchor="ctr">
+            <a:normAutofit/>
+          </a:bodyPr>
+          <a:lstStyle/>
+          <a:p>
+            <a:r>
+              <a:rPr lang="en-CA" sz="4800"/>
               <a:t>Gameplay Events Breakdown - Proximity</a:t>
             </a:r>
           </a:p>
@@ -4323,43 +6088,50 @@
             <p:ph idx="1"/>
           </p:nvPr>
         </p:nvSpPr>
-        <p:spPr/>
-        <p:txBody>
-          <a:bodyPr/>
-          <a:lstStyle/>
-          <a:p>
-            <a:r>
-              <a:rPr lang="en-CA" dirty="0"/>
+        <p:spPr>
+          <a:xfrm>
+            <a:off x="1045028" y="3017522"/>
+            <a:ext cx="9941319" cy="3124658"/>
+          </a:xfrm>
+        </p:spPr>
+        <p:txBody>
+          <a:bodyPr anchor="ctr">
+            <a:normAutofit/>
+          </a:bodyPr>
+          <a:lstStyle/>
+          <a:p>
+            <a:r>
+              <a:rPr lang="en-CA" sz="2400" dirty="0"/>
               <a:t>Proximity to play is used to determine if a player could be in the region to affect the play.</a:t>
             </a:r>
             <a:br>
-              <a:rPr lang="en-CA" dirty="0"/>
+              <a:rPr lang="en-CA" sz="2400" dirty="0"/>
             </a:br>
-            <a:endParaRPr lang="en-CA" dirty="0"/>
-          </a:p>
-          <a:p>
-            <a:r>
-              <a:rPr lang="en-CA" dirty="0"/>
+            <a:endParaRPr lang="en-CA" sz="2400" dirty="0"/>
+          </a:p>
+          <a:p>
+            <a:r>
+              <a:rPr lang="en-CA" sz="2400" dirty="0"/>
               <a:t>For </a:t>
             </a:r>
             <a:r>
-              <a:rPr lang="en-CA" dirty="0">
+              <a:rPr lang="en-CA" sz="2400" dirty="0">
                 <a:solidFill>
-                  <a:schemeClr val="accent1"/>
+                  <a:srgbClr val="7899D4"/>
                 </a:solidFill>
               </a:rPr>
               <a:t>passing</a:t>
             </a:r>
             <a:r>
+              <a:rPr lang="en-CA" sz="2400" dirty="0"/>
+              <a:t>:</a:t>
+            </a:r>
+          </a:p>
+          <a:p>
+            <a:pPr lvl="1"/>
+            <a:r>
               <a:rPr lang="en-CA" dirty="0"/>
-              <a:t>:</a:t>
-            </a:r>
-          </a:p>
-          <a:p>
-            <a:pPr lvl="1"/>
-            <a:r>
-              <a:rPr lang="en-CA" dirty="0"/>
-              <a:t>Did the player make a tackle, solo or assisted</a:t>
+              <a:t>Did the player make a tackle: solo or assisted, sack: solo or assisted</a:t>
             </a:r>
           </a:p>
           <a:p>
@@ -4385,6 +6157,58 @@
           </a:p>
         </p:txBody>
       </p:sp>
+      <p:cxnSp>
+        <p:nvCxnSpPr>
+          <p:cNvPr id="17" name="Straight Connector 16">
+            <a:extLst>
+              <a:ext uri="{FF2B5EF4-FFF2-40B4-BE49-F238E27FC236}">
+                <a16:creationId xmlns:a16="http://schemas.microsoft.com/office/drawing/2014/main" id="{6CF1BAF6-AD41-4082-B212-8A1F9A2E8779}"/>
+              </a:ext>
+              <a:ext uri="{C183D7F6-B498-43B3-948B-1728B52AA6E4}">
+                <adec:decorative xmlns:adec="http://schemas.microsoft.com/office/drawing/2017/decorative" val="1"/>
+              </a:ext>
+            </a:extLst>
+          </p:cNvPr>
+          <p:cNvCxnSpPr>
+            <a:cxnSpLocks noGrp="1" noRot="1" noChangeAspect="1" noMove="1" noResize="1" noEditPoints="1" noAdjustHandles="1" noChangeArrowheads="1" noChangeShapeType="1"/>
+          </p:cNvCxnSpPr>
+          <p:nvPr>
+            <p:extLst>
+              <p:ext uri="{386F3935-93C4-4BCD-93E2-E3B085C9AB24}">
+                <p16:designElem xmlns:p16="http://schemas.microsoft.com/office/powerpoint/2015/main" val="1"/>
+              </p:ext>
+            </p:extLst>
+          </p:nvPr>
+        </p:nvCxnSpPr>
+        <p:spPr>
+          <a:xfrm flipH="1">
+            <a:off x="838200" y="6485313"/>
+            <a:ext cx="10515600" cy="0"/>
+          </a:xfrm>
+          <a:prstGeom prst="line">
+            <a:avLst/>
+          </a:prstGeom>
+          <a:ln w="57150">
+            <a:solidFill>
+              <a:schemeClr val="accent4"/>
+            </a:solidFill>
+          </a:ln>
+        </p:spPr>
+        <p:style>
+          <a:lnRef idx="1">
+            <a:schemeClr val="accent1"/>
+          </a:lnRef>
+          <a:fillRef idx="0">
+            <a:schemeClr val="accent1"/>
+          </a:fillRef>
+          <a:effectRef idx="0">
+            <a:schemeClr val="accent1"/>
+          </a:effectRef>
+          <a:fontRef idx="minor">
+            <a:schemeClr val="tx1"/>
+          </a:fontRef>
+        </p:style>
+      </p:cxnSp>
     </p:spTree>
     <p:extLst>
       <p:ext uri="{BB962C8B-B14F-4D97-AF65-F5344CB8AC3E}">
@@ -4401,6 +6225,14 @@
 <file path=ppt/slides/slide17.xml><?xml version="1.0" encoding="utf-8"?>
 <p:sld xmlns:a="http://schemas.openxmlformats.org/drawingml/2006/main" xmlns:r="http://schemas.openxmlformats.org/officeDocument/2006/relationships" xmlns:p="http://schemas.openxmlformats.org/presentationml/2006/main">
   <p:cSld>
+    <p:bg>
+      <p:bgPr>
+        <a:solidFill>
+          <a:schemeClr val="bg1"/>
+        </a:solidFill>
+        <a:effectLst/>
+      </p:bgPr>
+    </p:bg>
     <p:spTree>
       <p:nvGrpSpPr>
         <p:cNvPr id="1" name=""/>
@@ -4415,6 +6247,66 @@
           <a:chExt cx="0" cy="0"/>
         </a:xfrm>
       </p:grpSpPr>
+      <p:sp useBgFill="1">
+        <p:nvSpPr>
+          <p:cNvPr id="5" name="Rectangle 7">
+            <a:extLst>
+              <a:ext uri="{FF2B5EF4-FFF2-40B4-BE49-F238E27FC236}">
+                <a16:creationId xmlns:a16="http://schemas.microsoft.com/office/drawing/2014/main" id="{DBF61EA3-B236-439E-9C0B-340980D56BEE}"/>
+              </a:ext>
+              <a:ext uri="{C183D7F6-B498-43B3-948B-1728B52AA6E4}">
+                <adec:decorative xmlns:adec="http://schemas.microsoft.com/office/drawing/2017/decorative" val="1"/>
+              </a:ext>
+            </a:extLst>
+          </p:cNvPr>
+          <p:cNvSpPr>
+            <a:spLocks noGrp="1" noRot="1" noChangeAspect="1" noMove="1" noResize="1" noEditPoints="1" noAdjustHandles="1" noChangeArrowheads="1" noChangeShapeType="1" noTextEdit="1"/>
+          </p:cNvSpPr>
+          <p:nvPr>
+            <p:extLst>
+              <p:ext uri="{386F3935-93C4-4BCD-93E2-E3B085C9AB24}">
+                <p16:designElem xmlns:p16="http://schemas.microsoft.com/office/powerpoint/2015/main" val="1"/>
+              </p:ext>
+            </p:extLst>
+          </p:nvPr>
+        </p:nvSpPr>
+        <p:spPr>
+          <a:xfrm>
+            <a:off x="0" y="0"/>
+            <a:ext cx="12191999" cy="6857365"/>
+          </a:xfrm>
+          <a:prstGeom prst="rect">
+            <a:avLst/>
+          </a:prstGeom>
+          <a:ln>
+            <a:noFill/>
+          </a:ln>
+        </p:spPr>
+        <p:style>
+          <a:lnRef idx="2">
+            <a:schemeClr val="accent1">
+              <a:shade val="50000"/>
+            </a:schemeClr>
+          </a:lnRef>
+          <a:fillRef idx="1">
+            <a:schemeClr val="accent1"/>
+          </a:fillRef>
+          <a:effectRef idx="0">
+            <a:schemeClr val="accent1"/>
+          </a:effectRef>
+          <a:fontRef idx="minor">
+            <a:schemeClr val="lt1"/>
+          </a:fontRef>
+        </p:style>
+        <p:txBody>
+          <a:bodyPr rtlCol="0" anchor="ctr"/>
+          <a:lstStyle/>
+          <a:p>
+            <a:pPr algn="ctr"/>
+            <a:endParaRPr lang="en-US"/>
+          </a:p>
+        </p:txBody>
+      </p:sp>
       <p:sp>
         <p:nvSpPr>
           <p:cNvPr id="2" name="Title 1">
@@ -4431,18 +6323,249 @@
             <p:ph type="title"/>
           </p:nvPr>
         </p:nvSpPr>
-        <p:spPr/>
-        <p:txBody>
-          <a:bodyPr/>
-          <a:lstStyle/>
-          <a:p>
-            <a:r>
-              <a:rPr lang="en-CA" dirty="0"/>
+        <p:spPr>
+          <a:xfrm>
+            <a:off x="808638" y="386930"/>
+            <a:ext cx="9236700" cy="1188950"/>
+          </a:xfrm>
+        </p:spPr>
+        <p:txBody>
+          <a:bodyPr anchor="b">
+            <a:normAutofit/>
+          </a:bodyPr>
+          <a:lstStyle/>
+          <a:p>
+            <a:r>
+              <a:rPr lang="en-CA" sz="3800"/>
               <a:t>Gameplay Events Breakdown – Tackle for Loss</a:t>
             </a:r>
           </a:p>
         </p:txBody>
       </p:sp>
+      <p:grpSp>
+        <p:nvGrpSpPr>
+          <p:cNvPr id="10" name="Group 9">
+            <a:extLst>
+              <a:ext uri="{FF2B5EF4-FFF2-40B4-BE49-F238E27FC236}">
+                <a16:creationId xmlns:a16="http://schemas.microsoft.com/office/drawing/2014/main" id="{28FAF094-D087-493F-8DF9-A486C2D6BBAA}"/>
+              </a:ext>
+              <a:ext uri="{C183D7F6-B498-43B3-948B-1728B52AA6E4}">
+                <adec:decorative xmlns:adec="http://schemas.microsoft.com/office/drawing/2017/decorative" val="1"/>
+              </a:ext>
+            </a:extLst>
+          </p:cNvPr>
+          <p:cNvGrpSpPr>
+            <a:grpSpLocks noGrp="1" noUngrp="1" noRot="1" noChangeAspect="1" noMove="1" noResize="1"/>
+          </p:cNvGrpSpPr>
+          <p:nvPr>
+            <p:extLst>
+              <p:ext uri="{386F3935-93C4-4BCD-93E2-E3B085C9AB24}">
+                <p16:designElem xmlns:p16="http://schemas.microsoft.com/office/powerpoint/2015/main" val="1"/>
+              </p:ext>
+            </p:extLst>
+          </p:nvPr>
+        </p:nvGrpSpPr>
+        <p:grpSpPr>
+          <a:xfrm>
+            <a:off x="-2" y="1998368"/>
+            <a:ext cx="11695083" cy="782176"/>
+            <a:chOff x="-2" y="1998368"/>
+            <a:chExt cx="11695083" cy="782176"/>
+          </a:xfrm>
+        </p:grpSpPr>
+        <p:sp>
+          <p:nvSpPr>
+            <p:cNvPr id="6" name="Rectangle 10">
+              <a:extLst>
+                <a:ext uri="{FF2B5EF4-FFF2-40B4-BE49-F238E27FC236}">
+                  <a16:creationId xmlns:a16="http://schemas.microsoft.com/office/drawing/2014/main" id="{8D7C88D8-5509-4514-925A-9CE148E5CBD6}"/>
+                </a:ext>
+                <a:ext uri="{C183D7F6-B498-43B3-948B-1728B52AA6E4}">
+                  <adec:decorative xmlns:adec="http://schemas.microsoft.com/office/drawing/2017/decorative" val="1"/>
+                </a:ext>
+              </a:extLst>
+            </p:cNvPr>
+            <p:cNvSpPr/>
+            <p:nvPr>
+              <p:extLst>
+                <p:ext uri="{386F3935-93C4-4BCD-93E2-E3B085C9AB24}">
+                  <p16:designElem xmlns:p16="http://schemas.microsoft.com/office/powerpoint/2015/main" val="1"/>
+                </p:ext>
+              </p:extLst>
+            </p:nvPr>
+          </p:nvSpPr>
+          <p:spPr>
+            <a:xfrm rot="5400000">
+              <a:off x="11228040" y="2313027"/>
+              <a:ext cx="781700" cy="152382"/>
+            </a:xfrm>
+            <a:prstGeom prst="rect">
+              <a:avLst/>
+            </a:prstGeom>
+            <a:solidFill>
+              <a:schemeClr val="accent4"/>
+            </a:solidFill>
+            <a:ln>
+              <a:noFill/>
+            </a:ln>
+          </p:spPr>
+          <p:style>
+            <a:lnRef idx="2">
+              <a:schemeClr val="accent1">
+                <a:shade val="50000"/>
+              </a:schemeClr>
+            </a:lnRef>
+            <a:fillRef idx="1">
+              <a:schemeClr val="accent1"/>
+            </a:fillRef>
+            <a:effectRef idx="0">
+              <a:schemeClr val="accent1"/>
+            </a:effectRef>
+            <a:fontRef idx="minor">
+              <a:schemeClr val="lt1"/>
+            </a:fontRef>
+          </p:style>
+          <p:txBody>
+            <a:bodyPr rtlCol="0" anchor="ctr"/>
+            <a:lstStyle/>
+            <a:p>
+              <a:pPr algn="ctr"/>
+              <a:endParaRPr lang="en-US"/>
+            </a:p>
+          </p:txBody>
+        </p:sp>
+        <p:sp>
+          <p:nvSpPr>
+            <p:cNvPr id="7" name="Rectangle 11">
+              <a:extLst>
+                <a:ext uri="{FF2B5EF4-FFF2-40B4-BE49-F238E27FC236}">
+                  <a16:creationId xmlns:a16="http://schemas.microsoft.com/office/drawing/2014/main" id="{7275593D-F75E-4426-AE3E-2CDEFD228D25}"/>
+                </a:ext>
+                <a:ext uri="{C183D7F6-B498-43B3-948B-1728B52AA6E4}">
+                  <adec:decorative xmlns:adec="http://schemas.microsoft.com/office/drawing/2017/decorative" val="1"/>
+                </a:ext>
+              </a:extLst>
+            </p:cNvPr>
+            <p:cNvSpPr/>
+            <p:nvPr>
+              <p:extLst>
+                <p:ext uri="{386F3935-93C4-4BCD-93E2-E3B085C9AB24}">
+                  <p16:designElem xmlns:p16="http://schemas.microsoft.com/office/powerpoint/2015/main" val="1"/>
+                </p:ext>
+              </p:extLst>
+            </p:nvPr>
+          </p:nvSpPr>
+          <p:spPr>
+            <a:xfrm flipH="1" flipV="1">
+              <a:off x="-2" y="1998845"/>
+              <a:ext cx="11454595" cy="781699"/>
+            </a:xfrm>
+            <a:prstGeom prst="rect">
+              <a:avLst/>
+            </a:prstGeom>
+            <a:solidFill>
+              <a:schemeClr val="accent4"/>
+            </a:solidFill>
+            <a:ln>
+              <a:noFill/>
+            </a:ln>
+          </p:spPr>
+          <p:style>
+            <a:lnRef idx="2">
+              <a:schemeClr val="accent1">
+                <a:shade val="50000"/>
+              </a:schemeClr>
+            </a:lnRef>
+            <a:fillRef idx="1">
+              <a:schemeClr val="accent1"/>
+            </a:fillRef>
+            <a:effectRef idx="0">
+              <a:schemeClr val="accent1"/>
+            </a:effectRef>
+            <a:fontRef idx="minor">
+              <a:schemeClr val="lt1"/>
+            </a:fontRef>
+          </p:style>
+          <p:txBody>
+            <a:bodyPr rtlCol="0" anchor="ctr"/>
+            <a:lstStyle/>
+            <a:p>
+              <a:pPr algn="ctr"/>
+              <a:endParaRPr lang="en-US"/>
+            </a:p>
+          </p:txBody>
+        </p:sp>
+      </p:grpSp>
+      <p:sp>
+        <p:nvSpPr>
+          <p:cNvPr id="14" name="Rectangle 13">
+            <a:extLst>
+              <a:ext uri="{FF2B5EF4-FFF2-40B4-BE49-F238E27FC236}">
+                <a16:creationId xmlns:a16="http://schemas.microsoft.com/office/drawing/2014/main" id="{E659831F-0D9A-4C63-9EBB-8435B85A440F}"/>
+              </a:ext>
+              <a:ext uri="{C183D7F6-B498-43B3-948B-1728B52AA6E4}">
+                <adec:decorative xmlns:adec="http://schemas.microsoft.com/office/drawing/2017/decorative" val="1"/>
+              </a:ext>
+            </a:extLst>
+          </p:cNvPr>
+          <p:cNvSpPr>
+            <a:spLocks noGrp="1" noRot="1" noChangeAspect="1" noMove="1" noResize="1" noEditPoints="1" noAdjustHandles="1" noChangeArrowheads="1" noChangeShapeType="1" noTextEdit="1"/>
+          </p:cNvSpPr>
+          <p:nvPr>
+            <p:extLst>
+              <p:ext uri="{386F3935-93C4-4BCD-93E2-E3B085C9AB24}">
+                <p16:designElem xmlns:p16="http://schemas.microsoft.com/office/powerpoint/2015/main" val="1"/>
+              </p:ext>
+            </p:extLst>
+          </p:nvPr>
+        </p:nvSpPr>
+        <p:spPr>
+          <a:xfrm>
+            <a:off x="0" y="2203079"/>
+            <a:ext cx="11383362" cy="4147845"/>
+          </a:xfrm>
+          <a:prstGeom prst="rect">
+            <a:avLst/>
+          </a:prstGeom>
+          <a:solidFill>
+            <a:schemeClr val="bg1"/>
+          </a:solidFill>
+          <a:ln>
+            <a:noFill/>
+          </a:ln>
+          <a:effectLst>
+            <a:outerShdw blurRad="139700" dist="127000" dir="5400000" algn="t" rotWithShape="0">
+              <a:prstClr val="black">
+                <a:alpha val="15000"/>
+              </a:prstClr>
+            </a:outerShdw>
+          </a:effectLst>
+        </p:spPr>
+        <p:style>
+          <a:lnRef idx="2">
+            <a:schemeClr val="accent1">
+              <a:shade val="50000"/>
+            </a:schemeClr>
+          </a:lnRef>
+          <a:fillRef idx="1">
+            <a:schemeClr val="accent1"/>
+          </a:fillRef>
+          <a:effectRef idx="0">
+            <a:schemeClr val="accent1"/>
+          </a:effectRef>
+          <a:fontRef idx="minor">
+            <a:schemeClr val="lt1"/>
+          </a:fontRef>
+        </p:style>
+        <p:txBody>
+          <a:bodyPr rtlCol="0" anchor="ctr"/>
+          <a:lstStyle/>
+          <a:p>
+            <a:pPr algn="ctr"/>
+            <a:endParaRPr lang="en-US"/>
+          </a:p>
+        </p:txBody>
+      </p:sp>
       <p:sp>
         <p:nvSpPr>
           <p:cNvPr id="3" name="Content Placeholder 2">
@@ -4459,70 +6582,72 @@
             <p:ph idx="1"/>
           </p:nvPr>
         </p:nvSpPr>
-        <p:spPr/>
-        <p:txBody>
-          <a:bodyPr>
-            <a:normAutofit fontScale="85000" lnSpcReduction="20000"/>
+        <p:spPr>
+          <a:xfrm>
+            <a:off x="793660" y="2599509"/>
+            <a:ext cx="10143668" cy="3435531"/>
+          </a:xfrm>
+        </p:spPr>
+        <p:txBody>
+          <a:bodyPr anchor="ctr">
+            <a:normAutofit/>
           </a:bodyPr>
           <a:lstStyle/>
           <a:p>
             <a:r>
-              <a:rPr lang="en-CA" dirty="0"/>
+              <a:rPr lang="en-CA" sz="1500" dirty="0"/>
               <a:t>Tackle for loss is used to determine if the offense made progress down the field.</a:t>
             </a:r>
           </a:p>
           <a:p>
-            <a:endParaRPr lang="en-CA" dirty="0"/>
-          </a:p>
-          <a:p>
-            <a:r>
-              <a:rPr lang="en-CA" dirty="0"/>
+            <a:r>
+              <a:rPr lang="en-CA" sz="1500" dirty="0"/>
               <a:t>If progress was made, the defense position is penalized in two regards:</a:t>
             </a:r>
             <a:br>
-              <a:rPr lang="en-CA" dirty="0"/>
+              <a:rPr lang="en-CA" sz="1500" dirty="0"/>
             </a:br>
-            <a:endParaRPr lang="en-CA" dirty="0"/>
+            <a:endParaRPr lang="en-CA" sz="1500" dirty="0"/>
           </a:p>
           <a:p>
             <a:pPr lvl="1"/>
             <a:r>
-              <a:rPr lang="en-CA" dirty="0"/>
+              <a:rPr lang="en-CA" sz="1500" dirty="0"/>
               <a:t>1) Percentage of progress made compared to remaining yards for the offense to score</a:t>
             </a:r>
           </a:p>
           <a:p>
             <a:pPr lvl="1"/>
             <a:r>
-              <a:rPr lang="en-CA" dirty="0"/>
+              <a:rPr lang="en-CA" sz="1500" dirty="0"/>
               <a:t>2) Percentage of progress made compared to remaining yards for the offense to achieve a first down</a:t>
             </a:r>
             <a:br>
-              <a:rPr lang="en-CA" dirty="0"/>
+              <a:rPr lang="en-CA" sz="1500" dirty="0"/>
             </a:br>
-            <a:endParaRPr lang="en-CA" dirty="0"/>
-          </a:p>
-          <a:p>
-            <a:r>
-              <a:rPr lang="en-CA" dirty="0"/>
+            <a:endParaRPr lang="en-CA" sz="1500" dirty="0"/>
+          </a:p>
+          <a:p>
+            <a:r>
+              <a:rPr lang="en-CA" sz="1500" dirty="0"/>
               <a:t>If progress was not made, the defense position is awarded points in two regards:</a:t>
             </a:r>
             <a:br>
-              <a:rPr lang="en-CA" dirty="0"/>
+              <a:rPr lang="en-CA" sz="1500" dirty="0"/>
             </a:br>
-            <a:endParaRPr lang="en-CA" dirty="0"/>
+            <a:endParaRPr lang="en-CA" sz="1500" dirty="0"/>
           </a:p>
           <a:p>
             <a:pPr lvl="1"/>
             <a:r>
-              <a:rPr lang="en-CA" dirty="0"/>
+              <a:rPr lang="en-CA" sz="1500" dirty="0"/>
               <a:t>1) Percentage of yards the offense was pushed back compared to their original yards remaining to score</a:t>
             </a:r>
           </a:p>
           <a:p>
             <a:pPr lvl="1"/>
             <a:r>
-              <a:rPr lang="en-CA" dirty="0"/>
+              <a:rPr lang="en-CA" sz="1500" dirty="0"/>
               <a:t>2) Percentage of yards the offense was pushed back compared to their original yards remaining to achieve a first down</a:t>
             </a:r>
           </a:p>
@@ -4544,6 +6669,14 @@
 <file path=ppt/slides/slide18.xml><?xml version="1.0" encoding="utf-8"?>
 <p:sld xmlns:a="http://schemas.openxmlformats.org/drawingml/2006/main" xmlns:r="http://schemas.openxmlformats.org/officeDocument/2006/relationships" xmlns:p="http://schemas.openxmlformats.org/presentationml/2006/main">
   <p:cSld>
+    <p:bg>
+      <p:bgPr>
+        <a:solidFill>
+          <a:schemeClr val="bg1"/>
+        </a:solidFill>
+        <a:effectLst/>
+      </p:bgPr>
+    </p:bg>
     <p:spTree>
       <p:nvGrpSpPr>
         <p:cNvPr id="1" name=""/>
@@ -4558,6 +6691,66 @@
           <a:chExt cx="0" cy="0"/>
         </a:xfrm>
       </p:grpSpPr>
+      <p:sp useBgFill="1">
+        <p:nvSpPr>
+          <p:cNvPr id="8" name="Rectangle 7">
+            <a:extLst>
+              <a:ext uri="{FF2B5EF4-FFF2-40B4-BE49-F238E27FC236}">
+                <a16:creationId xmlns:a16="http://schemas.microsoft.com/office/drawing/2014/main" id="{DBF61EA3-B236-439E-9C0B-340980D56BEE}"/>
+              </a:ext>
+              <a:ext uri="{C183D7F6-B498-43B3-948B-1728B52AA6E4}">
+                <adec:decorative xmlns:adec="http://schemas.microsoft.com/office/drawing/2017/decorative" val="1"/>
+              </a:ext>
+            </a:extLst>
+          </p:cNvPr>
+          <p:cNvSpPr>
+            <a:spLocks noGrp="1" noRot="1" noChangeAspect="1" noMove="1" noResize="1" noEditPoints="1" noAdjustHandles="1" noChangeArrowheads="1" noChangeShapeType="1" noTextEdit="1"/>
+          </p:cNvSpPr>
+          <p:nvPr>
+            <p:extLst>
+              <p:ext uri="{386F3935-93C4-4BCD-93E2-E3B085C9AB24}">
+                <p16:designElem xmlns:p16="http://schemas.microsoft.com/office/powerpoint/2015/main" val="1"/>
+              </p:ext>
+            </p:extLst>
+          </p:nvPr>
+        </p:nvSpPr>
+        <p:spPr>
+          <a:xfrm>
+            <a:off x="0" y="0"/>
+            <a:ext cx="12191999" cy="6857365"/>
+          </a:xfrm>
+          <a:prstGeom prst="rect">
+            <a:avLst/>
+          </a:prstGeom>
+          <a:ln>
+            <a:noFill/>
+          </a:ln>
+        </p:spPr>
+        <p:style>
+          <a:lnRef idx="2">
+            <a:schemeClr val="accent1">
+              <a:shade val="50000"/>
+            </a:schemeClr>
+          </a:lnRef>
+          <a:fillRef idx="1">
+            <a:schemeClr val="accent1"/>
+          </a:fillRef>
+          <a:effectRef idx="0">
+            <a:schemeClr val="accent1"/>
+          </a:effectRef>
+          <a:fontRef idx="minor">
+            <a:schemeClr val="lt1"/>
+          </a:fontRef>
+        </p:style>
+        <p:txBody>
+          <a:bodyPr rtlCol="0" anchor="ctr"/>
+          <a:lstStyle/>
+          <a:p>
+            <a:pPr algn="ctr"/>
+            <a:endParaRPr lang="en-US"/>
+          </a:p>
+        </p:txBody>
+      </p:sp>
       <p:sp>
         <p:nvSpPr>
           <p:cNvPr id="2" name="Title 1">
@@ -4574,23 +6767,246 @@
             <p:ph type="title"/>
           </p:nvPr>
         </p:nvSpPr>
-        <p:spPr/>
-        <p:txBody>
-          <a:bodyPr/>
-          <a:lstStyle/>
-          <a:p>
-            <a:r>
-              <a:rPr lang="en-CA" dirty="0"/>
-              <a:t>Gameplay Events Breakdown – </a:t>
-            </a:r>
-            <a:r>
-              <a:rPr lang="en-CA" dirty="0" err="1"/>
-              <a:t>Redzone</a:t>
-            </a:r>
-            <a:r>
-              <a:rPr lang="en-CA" dirty="0"/>
-              <a:t> Contribution</a:t>
-            </a:r>
+        <p:spPr>
+          <a:xfrm>
+            <a:off x="808638" y="386930"/>
+            <a:ext cx="9236700" cy="1188950"/>
+          </a:xfrm>
+        </p:spPr>
+        <p:txBody>
+          <a:bodyPr anchor="b">
+            <a:normAutofit/>
+          </a:bodyPr>
+          <a:lstStyle/>
+          <a:p>
+            <a:r>
+              <a:rPr lang="en-CA" sz="3800"/>
+              <a:t>Gameplay Events Breakdown – Redzone Contribution</a:t>
+            </a:r>
+          </a:p>
+        </p:txBody>
+      </p:sp>
+      <p:grpSp>
+        <p:nvGrpSpPr>
+          <p:cNvPr id="10" name="Group 9">
+            <a:extLst>
+              <a:ext uri="{FF2B5EF4-FFF2-40B4-BE49-F238E27FC236}">
+                <a16:creationId xmlns:a16="http://schemas.microsoft.com/office/drawing/2014/main" id="{28FAF094-D087-493F-8DF9-A486C2D6BBAA}"/>
+              </a:ext>
+              <a:ext uri="{C183D7F6-B498-43B3-948B-1728B52AA6E4}">
+                <adec:decorative xmlns:adec="http://schemas.microsoft.com/office/drawing/2017/decorative" val="1"/>
+              </a:ext>
+            </a:extLst>
+          </p:cNvPr>
+          <p:cNvGrpSpPr>
+            <a:grpSpLocks noGrp="1" noUngrp="1" noRot="1" noChangeAspect="1" noMove="1" noResize="1"/>
+          </p:cNvGrpSpPr>
+          <p:nvPr>
+            <p:extLst>
+              <p:ext uri="{386F3935-93C4-4BCD-93E2-E3B085C9AB24}">
+                <p16:designElem xmlns:p16="http://schemas.microsoft.com/office/powerpoint/2015/main" val="1"/>
+              </p:ext>
+            </p:extLst>
+          </p:nvPr>
+        </p:nvGrpSpPr>
+        <p:grpSpPr>
+          <a:xfrm>
+            <a:off x="-2" y="1998368"/>
+            <a:ext cx="11695083" cy="782176"/>
+            <a:chOff x="-2" y="1998368"/>
+            <a:chExt cx="11695083" cy="782176"/>
+          </a:xfrm>
+        </p:grpSpPr>
+        <p:sp>
+          <p:nvSpPr>
+            <p:cNvPr id="11" name="Rectangle 10">
+              <a:extLst>
+                <a:ext uri="{FF2B5EF4-FFF2-40B4-BE49-F238E27FC236}">
+                  <a16:creationId xmlns:a16="http://schemas.microsoft.com/office/drawing/2014/main" id="{8D7C88D8-5509-4514-925A-9CE148E5CBD6}"/>
+                </a:ext>
+                <a:ext uri="{C183D7F6-B498-43B3-948B-1728B52AA6E4}">
+                  <adec:decorative xmlns:adec="http://schemas.microsoft.com/office/drawing/2017/decorative" val="1"/>
+                </a:ext>
+              </a:extLst>
+            </p:cNvPr>
+            <p:cNvSpPr/>
+            <p:nvPr>
+              <p:extLst>
+                <p:ext uri="{386F3935-93C4-4BCD-93E2-E3B085C9AB24}">
+                  <p16:designElem xmlns:p16="http://schemas.microsoft.com/office/powerpoint/2015/main" val="1"/>
+                </p:ext>
+              </p:extLst>
+            </p:nvPr>
+          </p:nvSpPr>
+          <p:spPr>
+            <a:xfrm rot="5400000">
+              <a:off x="11228040" y="2313027"/>
+              <a:ext cx="781700" cy="152382"/>
+            </a:xfrm>
+            <a:prstGeom prst="rect">
+              <a:avLst/>
+            </a:prstGeom>
+            <a:solidFill>
+              <a:schemeClr val="accent4"/>
+            </a:solidFill>
+            <a:ln>
+              <a:noFill/>
+            </a:ln>
+          </p:spPr>
+          <p:style>
+            <a:lnRef idx="2">
+              <a:schemeClr val="accent1">
+                <a:shade val="50000"/>
+              </a:schemeClr>
+            </a:lnRef>
+            <a:fillRef idx="1">
+              <a:schemeClr val="accent1"/>
+            </a:fillRef>
+            <a:effectRef idx="0">
+              <a:schemeClr val="accent1"/>
+            </a:effectRef>
+            <a:fontRef idx="minor">
+              <a:schemeClr val="lt1"/>
+            </a:fontRef>
+          </p:style>
+          <p:txBody>
+            <a:bodyPr rtlCol="0" anchor="ctr"/>
+            <a:lstStyle/>
+            <a:p>
+              <a:pPr algn="ctr"/>
+              <a:endParaRPr lang="en-US"/>
+            </a:p>
+          </p:txBody>
+        </p:sp>
+        <p:sp>
+          <p:nvSpPr>
+            <p:cNvPr id="12" name="Rectangle 11">
+              <a:extLst>
+                <a:ext uri="{FF2B5EF4-FFF2-40B4-BE49-F238E27FC236}">
+                  <a16:creationId xmlns:a16="http://schemas.microsoft.com/office/drawing/2014/main" id="{7275593D-F75E-4426-AE3E-2CDEFD228D25}"/>
+                </a:ext>
+                <a:ext uri="{C183D7F6-B498-43B3-948B-1728B52AA6E4}">
+                  <adec:decorative xmlns:adec="http://schemas.microsoft.com/office/drawing/2017/decorative" val="1"/>
+                </a:ext>
+              </a:extLst>
+            </p:cNvPr>
+            <p:cNvSpPr/>
+            <p:nvPr>
+              <p:extLst>
+                <p:ext uri="{386F3935-93C4-4BCD-93E2-E3B085C9AB24}">
+                  <p16:designElem xmlns:p16="http://schemas.microsoft.com/office/powerpoint/2015/main" val="1"/>
+                </p:ext>
+              </p:extLst>
+            </p:nvPr>
+          </p:nvSpPr>
+          <p:spPr>
+            <a:xfrm flipH="1" flipV="1">
+              <a:off x="-2" y="1998845"/>
+              <a:ext cx="11454595" cy="781699"/>
+            </a:xfrm>
+            <a:prstGeom prst="rect">
+              <a:avLst/>
+            </a:prstGeom>
+            <a:solidFill>
+              <a:schemeClr val="accent4"/>
+            </a:solidFill>
+            <a:ln>
+              <a:noFill/>
+            </a:ln>
+          </p:spPr>
+          <p:style>
+            <a:lnRef idx="2">
+              <a:schemeClr val="accent1">
+                <a:shade val="50000"/>
+              </a:schemeClr>
+            </a:lnRef>
+            <a:fillRef idx="1">
+              <a:schemeClr val="accent1"/>
+            </a:fillRef>
+            <a:effectRef idx="0">
+              <a:schemeClr val="accent1"/>
+            </a:effectRef>
+            <a:fontRef idx="minor">
+              <a:schemeClr val="lt1"/>
+            </a:fontRef>
+          </p:style>
+          <p:txBody>
+            <a:bodyPr rtlCol="0" anchor="ctr"/>
+            <a:lstStyle/>
+            <a:p>
+              <a:pPr algn="ctr"/>
+              <a:endParaRPr lang="en-US"/>
+            </a:p>
+          </p:txBody>
+        </p:sp>
+      </p:grpSp>
+      <p:sp>
+        <p:nvSpPr>
+          <p:cNvPr id="14" name="Rectangle 13">
+            <a:extLst>
+              <a:ext uri="{FF2B5EF4-FFF2-40B4-BE49-F238E27FC236}">
+                <a16:creationId xmlns:a16="http://schemas.microsoft.com/office/drawing/2014/main" id="{E659831F-0D9A-4C63-9EBB-8435B85A440F}"/>
+              </a:ext>
+              <a:ext uri="{C183D7F6-B498-43B3-948B-1728B52AA6E4}">
+                <adec:decorative xmlns:adec="http://schemas.microsoft.com/office/drawing/2017/decorative" val="1"/>
+              </a:ext>
+            </a:extLst>
+          </p:cNvPr>
+          <p:cNvSpPr>
+            <a:spLocks noGrp="1" noRot="1" noChangeAspect="1" noMove="1" noResize="1" noEditPoints="1" noAdjustHandles="1" noChangeArrowheads="1" noChangeShapeType="1" noTextEdit="1"/>
+          </p:cNvSpPr>
+          <p:nvPr>
+            <p:extLst>
+              <p:ext uri="{386F3935-93C4-4BCD-93E2-E3B085C9AB24}">
+                <p16:designElem xmlns:p16="http://schemas.microsoft.com/office/powerpoint/2015/main" val="1"/>
+              </p:ext>
+            </p:extLst>
+          </p:nvPr>
+        </p:nvSpPr>
+        <p:spPr>
+          <a:xfrm>
+            <a:off x="0" y="2203079"/>
+            <a:ext cx="11383362" cy="4147845"/>
+          </a:xfrm>
+          <a:prstGeom prst="rect">
+            <a:avLst/>
+          </a:prstGeom>
+          <a:solidFill>
+            <a:schemeClr val="bg1"/>
+          </a:solidFill>
+          <a:ln>
+            <a:noFill/>
+          </a:ln>
+          <a:effectLst>
+            <a:outerShdw blurRad="139700" dist="127000" dir="5400000" algn="t" rotWithShape="0">
+              <a:prstClr val="black">
+                <a:alpha val="15000"/>
+              </a:prstClr>
+            </a:outerShdw>
+          </a:effectLst>
+        </p:spPr>
+        <p:style>
+          <a:lnRef idx="2">
+            <a:schemeClr val="accent1">
+              <a:shade val="50000"/>
+            </a:schemeClr>
+          </a:lnRef>
+          <a:fillRef idx="1">
+            <a:schemeClr val="accent1"/>
+          </a:fillRef>
+          <a:effectRef idx="0">
+            <a:schemeClr val="accent1"/>
+          </a:effectRef>
+          <a:fontRef idx="minor">
+            <a:schemeClr val="lt1"/>
+          </a:fontRef>
+        </p:style>
+        <p:txBody>
+          <a:bodyPr rtlCol="0" anchor="ctr"/>
+          <a:lstStyle/>
+          <a:p>
+            <a:pPr algn="ctr"/>
+            <a:endParaRPr lang="en-US"/>
           </a:p>
         </p:txBody>
       </p:sp>
@@ -4610,28 +7026,31 @@
             <p:ph idx="1"/>
           </p:nvPr>
         </p:nvSpPr>
-        <p:spPr/>
-        <p:txBody>
-          <a:bodyPr/>
-          <a:lstStyle/>
-          <a:p>
-            <a:r>
-              <a:rPr lang="en-CA" dirty="0" err="1"/>
-              <a:t>Redzone</a:t>
-            </a:r>
-            <a:r>
-              <a:rPr lang="en-CA" dirty="0"/>
-              <a:t> contribution is used to award the defensive position additional points for performing an impactful gameplay event within 20 yards of either endzone. </a:t>
+        <p:spPr>
+          <a:xfrm>
+            <a:off x="793660" y="2599509"/>
+            <a:ext cx="10143668" cy="3435531"/>
+          </a:xfrm>
+        </p:spPr>
+        <p:txBody>
+          <a:bodyPr anchor="ctr">
+            <a:normAutofit/>
+          </a:bodyPr>
+          <a:lstStyle/>
+          <a:p>
+            <a:r>
+              <a:rPr lang="en-CA" sz="2400"/>
+              <a:t>Redzone contribution is used to award the defensive position additional points for performing an impactful gameplay event within 20 yards of either endzone. </a:t>
             </a:r>
             <a:br>
-              <a:rPr lang="en-CA" dirty="0"/>
+              <a:rPr lang="en-CA" sz="2400"/>
             </a:br>
-            <a:endParaRPr lang="en-CA" dirty="0"/>
-          </a:p>
-          <a:p>
-            <a:r>
-              <a:rPr lang="en-CA" dirty="0"/>
-              <a:t>This is to indicate extra importance on the gameplay event where that defensive position either contributed to preventing offensive progress towards scoring on the defense side of the field, or contributed towards increasing the chance of a defensive score on the offense side of the field. </a:t>
+            <a:endParaRPr lang="en-CA" sz="2400"/>
+          </a:p>
+          <a:p>
+            <a:r>
+              <a:rPr lang="en-CA" sz="2400"/>
+              <a:t>This is to indicate extra importance on the gameplay event where that defensive position either contributed to preventing offensive progress towards scoring on the defense side of the field, or contributed towards increasing the chance of a defensive score on the offense side of the field ie. safety. </a:t>
             </a:r>
           </a:p>
         </p:txBody>
@@ -4652,6 +7071,14 @@
 <file path=ppt/slides/slide19.xml><?xml version="1.0" encoding="utf-8"?>
 <p:sld xmlns:a="http://schemas.openxmlformats.org/drawingml/2006/main" xmlns:r="http://schemas.openxmlformats.org/officeDocument/2006/relationships" xmlns:p="http://schemas.openxmlformats.org/presentationml/2006/main">
   <p:cSld>
+    <p:bg>
+      <p:bgPr>
+        <a:solidFill>
+          <a:schemeClr val="bg1"/>
+        </a:solidFill>
+        <a:effectLst/>
+      </p:bgPr>
+    </p:bg>
     <p:spTree>
       <p:nvGrpSpPr>
         <p:cNvPr id="1" name=""/>
@@ -4666,6 +7093,289 @@
           <a:chExt cx="0" cy="0"/>
         </a:xfrm>
       </p:grpSpPr>
+      <p:sp useBgFill="1">
+        <p:nvSpPr>
+          <p:cNvPr id="16" name="Rectangle 7">
+            <a:extLst>
+              <a:ext uri="{FF2B5EF4-FFF2-40B4-BE49-F238E27FC236}">
+                <a16:creationId xmlns:a16="http://schemas.microsoft.com/office/drawing/2014/main" id="{4DA718D0-4865-4629-8134-44F68D41D574}"/>
+              </a:ext>
+              <a:ext uri="{C183D7F6-B498-43B3-948B-1728B52AA6E4}">
+                <adec:decorative xmlns:adec="http://schemas.microsoft.com/office/drawing/2017/decorative" val="1"/>
+              </a:ext>
+            </a:extLst>
+          </p:cNvPr>
+          <p:cNvSpPr>
+            <a:spLocks noGrp="1" noRot="1" noChangeAspect="1" noMove="1" noResize="1" noEditPoints="1" noAdjustHandles="1" noChangeArrowheads="1" noChangeShapeType="1" noTextEdit="1"/>
+          </p:cNvSpPr>
+          <p:nvPr>
+            <p:extLst>
+              <p:ext uri="{386F3935-93C4-4BCD-93E2-E3B085C9AB24}">
+                <p16:designElem xmlns:p16="http://schemas.microsoft.com/office/powerpoint/2015/main" val="1"/>
+              </p:ext>
+            </p:extLst>
+          </p:nvPr>
+        </p:nvSpPr>
+        <p:spPr>
+          <a:xfrm>
+            <a:off x="0" y="0"/>
+            <a:ext cx="12191999" cy="6857365"/>
+          </a:xfrm>
+          <a:prstGeom prst="rect">
+            <a:avLst/>
+          </a:prstGeom>
+          <a:ln>
+            <a:noFill/>
+          </a:ln>
+        </p:spPr>
+        <p:style>
+          <a:lnRef idx="2">
+            <a:schemeClr val="accent1">
+              <a:shade val="50000"/>
+            </a:schemeClr>
+          </a:lnRef>
+          <a:fillRef idx="1">
+            <a:schemeClr val="accent1"/>
+          </a:fillRef>
+          <a:effectRef idx="0">
+            <a:schemeClr val="accent1"/>
+          </a:effectRef>
+          <a:fontRef idx="minor">
+            <a:schemeClr val="lt1"/>
+          </a:fontRef>
+        </p:style>
+        <p:txBody>
+          <a:bodyPr rtlCol="0" anchor="ctr"/>
+          <a:lstStyle/>
+          <a:p>
+            <a:pPr algn="ctr"/>
+            <a:endParaRPr lang="en-US"/>
+          </a:p>
+        </p:txBody>
+      </p:sp>
+      <p:grpSp>
+        <p:nvGrpSpPr>
+          <p:cNvPr id="17" name="Group 9">
+            <a:extLst>
+              <a:ext uri="{FF2B5EF4-FFF2-40B4-BE49-F238E27FC236}">
+                <a16:creationId xmlns:a16="http://schemas.microsoft.com/office/drawing/2014/main" id="{65167ED7-6315-43AB-B1B6-C326D5FD8F84}"/>
+              </a:ext>
+              <a:ext uri="{C183D7F6-B498-43B3-948B-1728B52AA6E4}">
+                <adec:decorative xmlns:adec="http://schemas.microsoft.com/office/drawing/2017/decorative" val="1"/>
+              </a:ext>
+            </a:extLst>
+          </p:cNvPr>
+          <p:cNvGrpSpPr>
+            <a:grpSpLocks noGrp="1" noUngrp="1" noRot="1" noChangeAspect="1" noMove="1" noResize="1"/>
+          </p:cNvGrpSpPr>
+          <p:nvPr>
+            <p:extLst>
+              <p:ext uri="{386F3935-93C4-4BCD-93E2-E3B085C9AB24}">
+                <p16:designElem xmlns:p16="http://schemas.microsoft.com/office/powerpoint/2015/main" val="1"/>
+              </p:ext>
+            </p:extLst>
+          </p:nvPr>
+        </p:nvGrpSpPr>
+        <p:grpSpPr>
+          <a:xfrm rot="5400000">
+            <a:off x="-2340441" y="2666183"/>
+            <a:ext cx="5860051" cy="527712"/>
+            <a:chOff x="6081624" y="1998368"/>
+            <a:chExt cx="5613457" cy="782175"/>
+          </a:xfrm>
+          <a:solidFill>
+            <a:schemeClr val="accent4"/>
+          </a:solidFill>
+        </p:grpSpPr>
+        <p:sp>
+          <p:nvSpPr>
+            <p:cNvPr id="18" name="Rectangle 10">
+              <a:extLst>
+                <a:ext uri="{FF2B5EF4-FFF2-40B4-BE49-F238E27FC236}">
+                  <a16:creationId xmlns:a16="http://schemas.microsoft.com/office/drawing/2014/main" id="{EF4D8839-FB03-487D-ACC8-8BFEDD4FEBAE}"/>
+                </a:ext>
+                <a:ext uri="{C183D7F6-B498-43B3-948B-1728B52AA6E4}">
+                  <adec:decorative xmlns:adec="http://schemas.microsoft.com/office/drawing/2017/decorative" val="1"/>
+                </a:ext>
+              </a:extLst>
+            </p:cNvPr>
+            <p:cNvSpPr/>
+            <p:nvPr>
+              <p:extLst>
+                <p:ext uri="{386F3935-93C4-4BCD-93E2-E3B085C9AB24}">
+                  <p16:designElem xmlns:p16="http://schemas.microsoft.com/office/powerpoint/2015/main" val="1"/>
+                </p:ext>
+              </p:extLst>
+            </p:nvPr>
+          </p:nvSpPr>
+          <p:spPr>
+            <a:xfrm rot="5400000">
+              <a:off x="11228040" y="2313027"/>
+              <a:ext cx="781700" cy="152382"/>
+            </a:xfrm>
+            <a:prstGeom prst="rect">
+              <a:avLst/>
+            </a:prstGeom>
+            <a:grpFill/>
+            <a:ln>
+              <a:noFill/>
+            </a:ln>
+          </p:spPr>
+          <p:style>
+            <a:lnRef idx="2">
+              <a:schemeClr val="accent1">
+                <a:shade val="50000"/>
+              </a:schemeClr>
+            </a:lnRef>
+            <a:fillRef idx="1">
+              <a:schemeClr val="accent1"/>
+            </a:fillRef>
+            <a:effectRef idx="0">
+              <a:schemeClr val="accent1"/>
+            </a:effectRef>
+            <a:fontRef idx="minor">
+              <a:schemeClr val="lt1"/>
+            </a:fontRef>
+          </p:style>
+          <p:txBody>
+            <a:bodyPr rtlCol="0" anchor="ctr"/>
+            <a:lstStyle/>
+            <a:p>
+              <a:pPr algn="ctr"/>
+              <a:endParaRPr lang="en-US"/>
+            </a:p>
+          </p:txBody>
+        </p:sp>
+        <p:sp>
+          <p:nvSpPr>
+            <p:cNvPr id="19" name="Rectangle 11">
+              <a:extLst>
+                <a:ext uri="{FF2B5EF4-FFF2-40B4-BE49-F238E27FC236}">
+                  <a16:creationId xmlns:a16="http://schemas.microsoft.com/office/drawing/2014/main" id="{0EF75023-9A3B-42FC-B704-61A8F7BEF415}"/>
+                </a:ext>
+                <a:ext uri="{C183D7F6-B498-43B3-948B-1728B52AA6E4}">
+                  <adec:decorative xmlns:adec="http://schemas.microsoft.com/office/drawing/2017/decorative" val="1"/>
+                </a:ext>
+              </a:extLst>
+            </p:cNvPr>
+            <p:cNvSpPr/>
+            <p:nvPr>
+              <p:extLst>
+                <p:ext uri="{386F3935-93C4-4BCD-93E2-E3B085C9AB24}">
+                  <p16:designElem xmlns:p16="http://schemas.microsoft.com/office/powerpoint/2015/main" val="1"/>
+                </p:ext>
+              </p:extLst>
+            </p:nvPr>
+          </p:nvSpPr>
+          <p:spPr>
+            <a:xfrm flipH="1" flipV="1">
+              <a:off x="6081624" y="1998844"/>
+              <a:ext cx="5372968" cy="781699"/>
+            </a:xfrm>
+            <a:prstGeom prst="rect">
+              <a:avLst/>
+            </a:prstGeom>
+            <a:grpFill/>
+            <a:ln>
+              <a:noFill/>
+            </a:ln>
+          </p:spPr>
+          <p:style>
+            <a:lnRef idx="2">
+              <a:schemeClr val="accent1">
+                <a:shade val="50000"/>
+              </a:schemeClr>
+            </a:lnRef>
+            <a:fillRef idx="1">
+              <a:schemeClr val="accent1"/>
+            </a:fillRef>
+            <a:effectRef idx="0">
+              <a:schemeClr val="accent1"/>
+            </a:effectRef>
+            <a:fontRef idx="minor">
+              <a:schemeClr val="lt1"/>
+            </a:fontRef>
+          </p:style>
+          <p:txBody>
+            <a:bodyPr rtlCol="0" anchor="ctr"/>
+            <a:lstStyle/>
+            <a:p>
+              <a:pPr algn="ctr"/>
+              <a:endParaRPr lang="en-US"/>
+            </a:p>
+          </p:txBody>
+        </p:sp>
+      </p:grpSp>
+      <p:sp>
+        <p:nvSpPr>
+          <p:cNvPr id="20" name="Rectangle 13">
+            <a:extLst>
+              <a:ext uri="{FF2B5EF4-FFF2-40B4-BE49-F238E27FC236}">
+                <a16:creationId xmlns:a16="http://schemas.microsoft.com/office/drawing/2014/main" id="{CBC4F608-B4B8-48C3-9572-C0F061B1CD99}"/>
+              </a:ext>
+              <a:ext uri="{C183D7F6-B498-43B3-948B-1728B52AA6E4}">
+                <adec:decorative xmlns:adec="http://schemas.microsoft.com/office/drawing/2017/decorative" val="1"/>
+              </a:ext>
+            </a:extLst>
+          </p:cNvPr>
+          <p:cNvSpPr>
+            <a:spLocks noGrp="1" noRot="1" noChangeAspect="1" noMove="1" noResize="1" noEditPoints="1" noAdjustHandles="1" noChangeArrowheads="1" noChangeShapeType="1" noTextEdit="1"/>
+          </p:cNvSpPr>
+          <p:nvPr>
+            <p:extLst>
+              <p:ext uri="{386F3935-93C4-4BCD-93E2-E3B085C9AB24}">
+                <p16:designElem xmlns:p16="http://schemas.microsoft.com/office/powerpoint/2015/main" val="1"/>
+              </p:ext>
+            </p:extLst>
+          </p:nvPr>
+        </p:nvSpPr>
+        <p:spPr>
+          <a:xfrm>
+            <a:off x="579528" y="922919"/>
+            <a:ext cx="11111729" cy="5461252"/>
+          </a:xfrm>
+          <a:prstGeom prst="rect">
+            <a:avLst/>
+          </a:prstGeom>
+          <a:solidFill>
+            <a:schemeClr val="bg1"/>
+          </a:solidFill>
+          <a:ln>
+            <a:noFill/>
+          </a:ln>
+          <a:effectLst>
+            <a:outerShdw blurRad="139700" dist="127000" dir="5400000" algn="t" rotWithShape="0">
+              <a:prstClr val="black">
+                <a:alpha val="15000"/>
+              </a:prstClr>
+            </a:outerShdw>
+          </a:effectLst>
+        </p:spPr>
+        <p:style>
+          <a:lnRef idx="2">
+            <a:schemeClr val="accent1">
+              <a:shade val="50000"/>
+            </a:schemeClr>
+          </a:lnRef>
+          <a:fillRef idx="1">
+            <a:schemeClr val="accent1"/>
+          </a:fillRef>
+          <a:effectRef idx="0">
+            <a:schemeClr val="accent1"/>
+          </a:effectRef>
+          <a:fontRef idx="minor">
+            <a:schemeClr val="lt1"/>
+          </a:fontRef>
+        </p:style>
+        <p:txBody>
+          <a:bodyPr rtlCol="0" anchor="ctr"/>
+          <a:lstStyle/>
+          <a:p>
+            <a:pPr algn="ctr"/>
+            <a:endParaRPr lang="en-US"/>
+          </a:p>
+        </p:txBody>
+      </p:sp>
       <p:sp>
         <p:nvSpPr>
           <p:cNvPr id="2" name="Title 1">
@@ -4682,13 +7392,20 @@
             <p:ph type="title"/>
           </p:nvPr>
         </p:nvSpPr>
-        <p:spPr/>
-        <p:txBody>
-          <a:bodyPr/>
-          <a:lstStyle/>
-          <a:p>
-            <a:r>
-              <a:rPr lang="en-CA" dirty="0"/>
+        <p:spPr>
+          <a:xfrm>
+            <a:off x="1282963" y="1238080"/>
+            <a:ext cx="9849751" cy="1349671"/>
+          </a:xfrm>
+        </p:spPr>
+        <p:txBody>
+          <a:bodyPr anchor="b">
+            <a:normAutofit/>
+          </a:bodyPr>
+          <a:lstStyle/>
+          <a:p>
+            <a:r>
+              <a:rPr lang="en-CA" sz="5400"/>
               <a:t>Conclusion</a:t>
             </a:r>
           </a:p>
@@ -4710,41 +7427,48 @@
             <p:ph idx="1"/>
           </p:nvPr>
         </p:nvSpPr>
-        <p:spPr/>
-        <p:txBody>
-          <a:bodyPr/>
-          <a:lstStyle/>
-          <a:p>
-            <a:r>
-              <a:rPr lang="en-CA" dirty="0"/>
+        <p:spPr>
+          <a:xfrm>
+            <a:off x="1289304" y="2902913"/>
+            <a:ext cx="9849751" cy="3032168"/>
+          </a:xfrm>
+        </p:spPr>
+        <p:txBody>
+          <a:bodyPr anchor="ctr">
+            <a:normAutofit/>
+          </a:bodyPr>
+          <a:lstStyle/>
+          <a:p>
+            <a:r>
+              <a:rPr lang="en-CA" sz="2000"/>
               <a:t>After calculating the scores, based on the PDIAD (Positional Defensive Impact Average Differential), the most valuable overall defensive line position is:</a:t>
             </a:r>
           </a:p>
           <a:p>
-            <a:endParaRPr lang="en-CA" dirty="0"/>
-          </a:p>
-          <a:p>
-            <a:r>
-              <a:rPr lang="en-CA" dirty="0"/>
-              <a:t>Nine tech, right side of field</a:t>
+            <a:endParaRPr lang="en-CA" sz="2000"/>
+          </a:p>
+          <a:p>
+            <a:r>
+              <a:rPr lang="en-CA" sz="2000"/>
+              <a:t>9 Tech, right side of field</a:t>
             </a:r>
           </a:p>
           <a:p>
             <a:pPr lvl="1"/>
             <a:r>
-              <a:rPr lang="en-CA" dirty="0"/>
+              <a:rPr lang="en-CA" sz="2000"/>
               <a:t>PDIAD value of 0.0865</a:t>
             </a:r>
           </a:p>
           <a:p>
             <a:pPr lvl="1"/>
-            <a:endParaRPr lang="en-CA" dirty="0"/>
+            <a:endParaRPr lang="en-CA" sz="2000"/>
           </a:p>
           <a:p>
             <a:pPr marL="457200" lvl="1" indent="0">
               <a:buNone/>
             </a:pPr>
-            <a:endParaRPr lang="en-CA" dirty="0"/>
+            <a:endParaRPr lang="en-CA" sz="2000"/>
           </a:p>
         </p:txBody>
       </p:sp>
@@ -4764,6 +7488,14 @@
 <file path=ppt/slides/slide2.xml><?xml version="1.0" encoding="utf-8"?>
 <p:sld xmlns:a="http://schemas.openxmlformats.org/drawingml/2006/main" xmlns:r="http://schemas.openxmlformats.org/officeDocument/2006/relationships" xmlns:p="http://schemas.openxmlformats.org/presentationml/2006/main">
   <p:cSld>
+    <p:bg>
+      <p:bgPr>
+        <a:solidFill>
+          <a:schemeClr val="bg1"/>
+        </a:solidFill>
+        <a:effectLst/>
+      </p:bgPr>
+    </p:bg>
     <p:spTree>
       <p:nvGrpSpPr>
         <p:cNvPr id="1" name=""/>
@@ -4778,6 +7510,348 @@
           <a:chExt cx="0" cy="0"/>
         </a:xfrm>
       </p:grpSpPr>
+      <p:sp useBgFill="1">
+        <p:nvSpPr>
+          <p:cNvPr id="8" name="Rectangle 7">
+            <a:extLst>
+              <a:ext uri="{FF2B5EF4-FFF2-40B4-BE49-F238E27FC236}">
+                <a16:creationId xmlns:a16="http://schemas.microsoft.com/office/drawing/2014/main" id="{B6CDA21F-E7AF-4C75-8395-33F58D5B0E45}"/>
+              </a:ext>
+              <a:ext uri="{C183D7F6-B498-43B3-948B-1728B52AA6E4}">
+                <adec:decorative xmlns:adec="http://schemas.microsoft.com/office/drawing/2017/decorative" val="1"/>
+              </a:ext>
+            </a:extLst>
+          </p:cNvPr>
+          <p:cNvSpPr>
+            <a:spLocks noGrp="1" noRot="1" noChangeAspect="1" noMove="1" noResize="1" noEditPoints="1" noAdjustHandles="1" noChangeArrowheads="1" noChangeShapeType="1" noTextEdit="1"/>
+          </p:cNvSpPr>
+          <p:nvPr>
+            <p:extLst>
+              <p:ext uri="{386F3935-93C4-4BCD-93E2-E3B085C9AB24}">
+                <p16:designElem xmlns:p16="http://schemas.microsoft.com/office/powerpoint/2015/main" val="1"/>
+              </p:ext>
+            </p:extLst>
+          </p:nvPr>
+        </p:nvSpPr>
+        <p:spPr>
+          <a:xfrm>
+            <a:off x="0" y="0"/>
+            <a:ext cx="12191999" cy="6857365"/>
+          </a:xfrm>
+          <a:prstGeom prst="rect">
+            <a:avLst/>
+          </a:prstGeom>
+          <a:ln>
+            <a:noFill/>
+          </a:ln>
+        </p:spPr>
+        <p:style>
+          <a:lnRef idx="2">
+            <a:schemeClr val="accent1">
+              <a:shade val="50000"/>
+            </a:schemeClr>
+          </a:lnRef>
+          <a:fillRef idx="1">
+            <a:schemeClr val="accent1"/>
+          </a:fillRef>
+          <a:effectRef idx="0">
+            <a:schemeClr val="accent1"/>
+          </a:effectRef>
+          <a:fontRef idx="minor">
+            <a:schemeClr val="lt1"/>
+          </a:fontRef>
+        </p:style>
+        <p:txBody>
+          <a:bodyPr rtlCol="0" anchor="ctr"/>
+          <a:lstStyle/>
+          <a:p>
+            <a:pPr algn="ctr"/>
+            <a:endParaRPr lang="en-US"/>
+          </a:p>
+        </p:txBody>
+      </p:sp>
+      <p:grpSp>
+        <p:nvGrpSpPr>
+          <p:cNvPr id="10" name="Group 9">
+            <a:extLst>
+              <a:ext uri="{FF2B5EF4-FFF2-40B4-BE49-F238E27FC236}">
+                <a16:creationId xmlns:a16="http://schemas.microsoft.com/office/drawing/2014/main" id="{AE1C45F0-260A-458C-96ED-C1F6D2151219}"/>
+              </a:ext>
+              <a:ext uri="{C183D7F6-B498-43B3-948B-1728B52AA6E4}">
+                <adec:decorative xmlns:adec="http://schemas.microsoft.com/office/drawing/2017/decorative" val="1"/>
+              </a:ext>
+            </a:extLst>
+          </p:cNvPr>
+          <p:cNvGrpSpPr>
+            <a:grpSpLocks noGrp="1" noUngrp="1" noRot="1" noChangeAspect="1" noMove="1" noResize="1"/>
+          </p:cNvGrpSpPr>
+          <p:nvPr>
+            <p:extLst>
+              <p:ext uri="{386F3935-93C4-4BCD-93E2-E3B085C9AB24}">
+                <p16:designElem xmlns:p16="http://schemas.microsoft.com/office/powerpoint/2015/main" val="1"/>
+              </p:ext>
+            </p:extLst>
+          </p:nvPr>
+        </p:nvGrpSpPr>
+        <p:grpSpPr>
+          <a:xfrm>
+            <a:off x="4" y="1216597"/>
+            <a:ext cx="731521" cy="673460"/>
+            <a:chOff x="3940602" y="308034"/>
+            <a:chExt cx="2116791" cy="3428999"/>
+          </a:xfrm>
+          <a:solidFill>
+            <a:schemeClr val="accent4"/>
+          </a:solidFill>
+        </p:grpSpPr>
+        <p:sp>
+          <p:nvSpPr>
+            <p:cNvPr id="11" name="Rectangle 10">
+              <a:extLst>
+                <a:ext uri="{FF2B5EF4-FFF2-40B4-BE49-F238E27FC236}">
+                  <a16:creationId xmlns:a16="http://schemas.microsoft.com/office/drawing/2014/main" id="{A6604B49-AD5C-4590-B051-06C8222ECD99}"/>
+                </a:ext>
+                <a:ext uri="{C183D7F6-B498-43B3-948B-1728B52AA6E4}">
+                  <adec:decorative xmlns:adec="http://schemas.microsoft.com/office/drawing/2017/decorative" val="1"/>
+                </a:ext>
+              </a:extLst>
+            </p:cNvPr>
+            <p:cNvSpPr/>
+            <p:nvPr>
+              <p:extLst>
+                <p:ext uri="{386F3935-93C4-4BCD-93E2-E3B085C9AB24}">
+                  <p16:designElem xmlns:p16="http://schemas.microsoft.com/office/powerpoint/2015/main" val="1"/>
+                </p:ext>
+              </p:extLst>
+            </p:nvPr>
+          </p:nvSpPr>
+          <p:spPr>
+            <a:xfrm>
+              <a:off x="3940602" y="308034"/>
+              <a:ext cx="566743" cy="3428999"/>
+            </a:xfrm>
+            <a:prstGeom prst="rect">
+              <a:avLst/>
+            </a:prstGeom>
+            <a:grpFill/>
+            <a:ln>
+              <a:noFill/>
+            </a:ln>
+          </p:spPr>
+          <p:style>
+            <a:lnRef idx="2">
+              <a:schemeClr val="accent1">
+                <a:shade val="50000"/>
+              </a:schemeClr>
+            </a:lnRef>
+            <a:fillRef idx="1">
+              <a:schemeClr val="accent1"/>
+            </a:fillRef>
+            <a:effectRef idx="0">
+              <a:schemeClr val="accent1"/>
+            </a:effectRef>
+            <a:fontRef idx="minor">
+              <a:schemeClr val="lt1"/>
+            </a:fontRef>
+          </p:style>
+          <p:txBody>
+            <a:bodyPr rtlCol="0" anchor="ctr"/>
+            <a:lstStyle/>
+            <a:p>
+              <a:pPr algn="ctr"/>
+              <a:endParaRPr lang="en-US"/>
+            </a:p>
+          </p:txBody>
+        </p:sp>
+        <p:sp>
+          <p:nvSpPr>
+            <p:cNvPr id="12" name="Rectangle 11">
+              <a:extLst>
+                <a:ext uri="{FF2B5EF4-FFF2-40B4-BE49-F238E27FC236}">
+                  <a16:creationId xmlns:a16="http://schemas.microsoft.com/office/drawing/2014/main" id="{743ECCAF-29C5-4537-947C-7EA1292463DB}"/>
+                </a:ext>
+                <a:ext uri="{C183D7F6-B498-43B3-948B-1728B52AA6E4}">
+                  <adec:decorative xmlns:adec="http://schemas.microsoft.com/office/drawing/2017/decorative" val="1"/>
+                </a:ext>
+              </a:extLst>
+            </p:cNvPr>
+            <p:cNvSpPr/>
+            <p:nvPr>
+              <p:extLst>
+                <p:ext uri="{386F3935-93C4-4BCD-93E2-E3B085C9AB24}">
+                  <p16:designElem xmlns:p16="http://schemas.microsoft.com/office/powerpoint/2015/main" val="1"/>
+                </p:ext>
+              </p:extLst>
+            </p:nvPr>
+          </p:nvSpPr>
+          <p:spPr>
+            <a:xfrm>
+              <a:off x="4715626" y="308034"/>
+              <a:ext cx="566743" cy="3428999"/>
+            </a:xfrm>
+            <a:prstGeom prst="rect">
+              <a:avLst/>
+            </a:prstGeom>
+            <a:grpFill/>
+            <a:ln>
+              <a:noFill/>
+            </a:ln>
+          </p:spPr>
+          <p:style>
+            <a:lnRef idx="2">
+              <a:schemeClr val="accent1">
+                <a:shade val="50000"/>
+              </a:schemeClr>
+            </a:lnRef>
+            <a:fillRef idx="1">
+              <a:schemeClr val="accent1"/>
+            </a:fillRef>
+            <a:effectRef idx="0">
+              <a:schemeClr val="accent1"/>
+            </a:effectRef>
+            <a:fontRef idx="minor">
+              <a:schemeClr val="lt1"/>
+            </a:fontRef>
+          </p:style>
+          <p:txBody>
+            <a:bodyPr rtlCol="0" anchor="ctr"/>
+            <a:lstStyle/>
+            <a:p>
+              <a:pPr algn="ctr"/>
+              <a:endParaRPr lang="en-US"/>
+            </a:p>
+          </p:txBody>
+        </p:sp>
+        <p:sp>
+          <p:nvSpPr>
+            <p:cNvPr id="13" name="Rectangle 12">
+              <a:extLst>
+                <a:ext uri="{FF2B5EF4-FFF2-40B4-BE49-F238E27FC236}">
+                  <a16:creationId xmlns:a16="http://schemas.microsoft.com/office/drawing/2014/main" id="{ED49787B-8DE6-4467-AD0A-8DECC6E0C2D6}"/>
+                </a:ext>
+                <a:ext uri="{C183D7F6-B498-43B3-948B-1728B52AA6E4}">
+                  <adec:decorative xmlns:adec="http://schemas.microsoft.com/office/drawing/2017/decorative" val="1"/>
+                </a:ext>
+              </a:extLst>
+            </p:cNvPr>
+            <p:cNvSpPr/>
+            <p:nvPr>
+              <p:extLst>
+                <p:ext uri="{386F3935-93C4-4BCD-93E2-E3B085C9AB24}">
+                  <p16:designElem xmlns:p16="http://schemas.microsoft.com/office/powerpoint/2015/main" val="1"/>
+                </p:ext>
+              </p:extLst>
+            </p:nvPr>
+          </p:nvSpPr>
+          <p:spPr>
+            <a:xfrm>
+              <a:off x="5490650" y="308034"/>
+              <a:ext cx="566743" cy="3428999"/>
+            </a:xfrm>
+            <a:prstGeom prst="rect">
+              <a:avLst/>
+            </a:prstGeom>
+            <a:grpFill/>
+            <a:ln>
+              <a:noFill/>
+            </a:ln>
+          </p:spPr>
+          <p:style>
+            <a:lnRef idx="2">
+              <a:schemeClr val="accent1">
+                <a:shade val="50000"/>
+              </a:schemeClr>
+            </a:lnRef>
+            <a:fillRef idx="1">
+              <a:schemeClr val="accent1"/>
+            </a:fillRef>
+            <a:effectRef idx="0">
+              <a:schemeClr val="accent1"/>
+            </a:effectRef>
+            <a:fontRef idx="minor">
+              <a:schemeClr val="lt1"/>
+            </a:fontRef>
+          </p:style>
+          <p:txBody>
+            <a:bodyPr rtlCol="0" anchor="ctr"/>
+            <a:lstStyle/>
+            <a:p>
+              <a:pPr algn="ctr"/>
+              <a:endParaRPr lang="en-US"/>
+            </a:p>
+          </p:txBody>
+        </p:sp>
+      </p:grpSp>
+      <p:sp>
+        <p:nvSpPr>
+          <p:cNvPr id="15" name="Rectangle 14">
+            <a:extLst>
+              <a:ext uri="{FF2B5EF4-FFF2-40B4-BE49-F238E27FC236}">
+                <a16:creationId xmlns:a16="http://schemas.microsoft.com/office/drawing/2014/main" id="{D5B0017B-2ECA-49AF-B397-DC140825DF8D}"/>
+              </a:ext>
+              <a:ext uri="{C183D7F6-B498-43B3-948B-1728B52AA6E4}">
+                <adec:decorative xmlns:adec="http://schemas.microsoft.com/office/drawing/2017/decorative" val="1"/>
+              </a:ext>
+            </a:extLst>
+          </p:cNvPr>
+          <p:cNvSpPr>
+            <a:spLocks noGrp="1" noRot="1" noChangeAspect="1" noMove="1" noResize="1" noEditPoints="1" noAdjustHandles="1" noChangeArrowheads="1" noChangeShapeType="1" noTextEdit="1"/>
+          </p:cNvSpPr>
+          <p:nvPr>
+            <p:extLst>
+              <p:ext uri="{386F3935-93C4-4BCD-93E2-E3B085C9AB24}">
+                <p16:designElem xmlns:p16="http://schemas.microsoft.com/office/powerpoint/2015/main" val="1"/>
+              </p:ext>
+            </p:extLst>
+          </p:nvPr>
+        </p:nvSpPr>
+        <p:spPr>
+          <a:xfrm>
+            <a:off x="640079" y="613954"/>
+            <a:ext cx="10907487" cy="1894116"/>
+          </a:xfrm>
+          <a:prstGeom prst="rect">
+            <a:avLst/>
+          </a:prstGeom>
+          <a:solidFill>
+            <a:schemeClr val="bg1"/>
+          </a:solidFill>
+          <a:ln>
+            <a:noFill/>
+          </a:ln>
+          <a:effectLst>
+            <a:outerShdw blurRad="139700" dist="127000" dir="5400000" algn="t" rotWithShape="0">
+              <a:prstClr val="black">
+                <a:alpha val="15000"/>
+              </a:prstClr>
+            </a:outerShdw>
+          </a:effectLst>
+        </p:spPr>
+        <p:style>
+          <a:lnRef idx="2">
+            <a:schemeClr val="accent1">
+              <a:shade val="50000"/>
+            </a:schemeClr>
+          </a:lnRef>
+          <a:fillRef idx="1">
+            <a:schemeClr val="accent1"/>
+          </a:fillRef>
+          <a:effectRef idx="0">
+            <a:schemeClr val="accent1"/>
+          </a:effectRef>
+          <a:fontRef idx="minor">
+            <a:schemeClr val="lt1"/>
+          </a:fontRef>
+        </p:style>
+        <p:txBody>
+          <a:bodyPr rtlCol="0" anchor="ctr"/>
+          <a:lstStyle/>
+          <a:p>
+            <a:pPr algn="ctr"/>
+            <a:endParaRPr lang="en-US"/>
+          </a:p>
+        </p:txBody>
+      </p:sp>
       <p:sp>
         <p:nvSpPr>
           <p:cNvPr id="2" name="Title 1">
@@ -4794,14 +7868,20 @@
             <p:ph type="title"/>
           </p:nvPr>
         </p:nvSpPr>
-        <p:spPr/>
-        <p:txBody>
-          <a:bodyPr/>
-          <a:lstStyle/>
-          <a:p>
-            <a:pPr algn="ctr"/>
-            <a:r>
-              <a:rPr lang="en-CA" dirty="0"/>
+        <p:spPr>
+          <a:xfrm>
+            <a:off x="1043631" y="809898"/>
+            <a:ext cx="9942716" cy="1554480"/>
+          </a:xfrm>
+        </p:spPr>
+        <p:txBody>
+          <a:bodyPr anchor="ctr">
+            <a:normAutofit/>
+          </a:bodyPr>
+          <a:lstStyle/>
+          <a:p>
+            <a:r>
+              <a:rPr lang="en-CA" sz="4800"/>
               <a:t>Evaluation Metrics</a:t>
             </a:r>
           </a:p>
@@ -4823,76 +7903,136 @@
             <p:ph idx="1"/>
           </p:nvPr>
         </p:nvSpPr>
-        <p:spPr/>
-        <p:txBody>
-          <a:bodyPr>
-            <a:normAutofit lnSpcReduction="10000"/>
+        <p:spPr>
+          <a:xfrm>
+            <a:off x="1045028" y="3017522"/>
+            <a:ext cx="9941319" cy="3124658"/>
+          </a:xfrm>
+        </p:spPr>
+        <p:txBody>
+          <a:bodyPr anchor="ctr">
+            <a:normAutofit/>
           </a:bodyPr>
           <a:lstStyle/>
           <a:p>
-            <a:r>
-              <a:rPr lang="en-CA" dirty="0"/>
+            <a:pPr marL="0" indent="0">
+              <a:buNone/>
+            </a:pPr>
+            <a:r>
+              <a:rPr lang="en-CA" sz="1700"/>
               <a:t>To determine the most valuable defensive line position, the following metrics were developed to measure the impact of each defensive alignment through key gameplay events:</a:t>
             </a:r>
           </a:p>
           <a:p>
-            <a:endParaRPr lang="en-CA" dirty="0"/>
+            <a:endParaRPr lang="en-CA" sz="1700"/>
           </a:p>
           <a:p>
             <a:pPr lvl="1"/>
             <a:r>
-              <a:rPr lang="en-CA" dirty="0"/>
+              <a:rPr lang="en-CA" sz="1700"/>
               <a:t>DIA – Defensive Impact Average</a:t>
             </a:r>
           </a:p>
           <a:p>
             <a:pPr lvl="1"/>
             <a:r>
-              <a:rPr lang="en-CA" dirty="0"/>
+              <a:rPr lang="en-CA" sz="1700"/>
               <a:t>DIRWA – Defensive Impact Rush Weighted Average</a:t>
             </a:r>
           </a:p>
           <a:p>
             <a:pPr lvl="1"/>
             <a:r>
-              <a:rPr lang="en-CA" dirty="0"/>
+              <a:rPr lang="en-CA" sz="1700"/>
               <a:t>DIPWA – Defensive Impact Pass Weighted Average</a:t>
             </a:r>
           </a:p>
           <a:p>
             <a:pPr lvl="1"/>
             <a:r>
-              <a:rPr lang="en-CA" dirty="0"/>
+              <a:rPr lang="en-CA" sz="1700"/>
               <a:t>PDIWA – Positional Defensive Impact Weighted Average</a:t>
             </a:r>
           </a:p>
           <a:p>
             <a:pPr lvl="1"/>
             <a:r>
-              <a:rPr lang="en-CA" dirty="0"/>
+              <a:rPr lang="en-CA" sz="1700"/>
               <a:t>PDIRA – Positional Defensive Impact Rush Average</a:t>
             </a:r>
           </a:p>
           <a:p>
             <a:pPr lvl="1"/>
             <a:r>
-              <a:rPr lang="en-CA" dirty="0"/>
+              <a:rPr lang="en-CA" sz="1700"/>
               <a:t>PDIPA – Positional Defensive Impact Pass Average</a:t>
             </a:r>
           </a:p>
           <a:p>
             <a:pPr lvl="1"/>
             <a:r>
-              <a:rPr lang="en-CA" dirty="0"/>
+              <a:rPr lang="en-CA" sz="1700"/>
               <a:t>PDIAD – Positional Defensive Impact Average Differential</a:t>
             </a:r>
           </a:p>
           <a:p>
             <a:pPr lvl="1"/>
-            <a:endParaRPr lang="en-CA" dirty="0"/>
-          </a:p>
-        </p:txBody>
-      </p:sp>
+            <a:endParaRPr lang="en-CA" sz="1700"/>
+          </a:p>
+        </p:txBody>
+      </p:sp>
+      <p:cxnSp>
+        <p:nvCxnSpPr>
+          <p:cNvPr id="17" name="Straight Connector 16">
+            <a:extLst>
+              <a:ext uri="{FF2B5EF4-FFF2-40B4-BE49-F238E27FC236}">
+                <a16:creationId xmlns:a16="http://schemas.microsoft.com/office/drawing/2014/main" id="{6CF1BAF6-AD41-4082-B212-8A1F9A2E8779}"/>
+              </a:ext>
+              <a:ext uri="{C183D7F6-B498-43B3-948B-1728B52AA6E4}">
+                <adec:decorative xmlns:adec="http://schemas.microsoft.com/office/drawing/2017/decorative" val="1"/>
+              </a:ext>
+            </a:extLst>
+          </p:cNvPr>
+          <p:cNvCxnSpPr>
+            <a:cxnSpLocks noGrp="1" noRot="1" noChangeAspect="1" noMove="1" noResize="1" noEditPoints="1" noAdjustHandles="1" noChangeArrowheads="1" noChangeShapeType="1"/>
+          </p:cNvCxnSpPr>
+          <p:nvPr>
+            <p:extLst>
+              <p:ext uri="{386F3935-93C4-4BCD-93E2-E3B085C9AB24}">
+                <p16:designElem xmlns:p16="http://schemas.microsoft.com/office/powerpoint/2015/main" val="1"/>
+              </p:ext>
+            </p:extLst>
+          </p:nvPr>
+        </p:nvCxnSpPr>
+        <p:spPr>
+          <a:xfrm flipH="1">
+            <a:off x="838200" y="6485313"/>
+            <a:ext cx="10515600" cy="0"/>
+          </a:xfrm>
+          <a:prstGeom prst="line">
+            <a:avLst/>
+          </a:prstGeom>
+          <a:ln w="57150">
+            <a:solidFill>
+              <a:schemeClr val="accent4"/>
+            </a:solidFill>
+          </a:ln>
+        </p:spPr>
+        <p:style>
+          <a:lnRef idx="1">
+            <a:schemeClr val="accent1"/>
+          </a:lnRef>
+          <a:fillRef idx="0">
+            <a:schemeClr val="accent1"/>
+          </a:fillRef>
+          <a:effectRef idx="0">
+            <a:schemeClr val="accent1"/>
+          </a:effectRef>
+          <a:fontRef idx="minor">
+            <a:schemeClr val="tx1"/>
+          </a:fontRef>
+        </p:style>
+      </p:cxnSp>
     </p:spTree>
     <p:extLst>
       <p:ext uri="{BB962C8B-B14F-4D97-AF65-F5344CB8AC3E}">
@@ -4981,8 +8121,8 @@
         </p:blipFill>
         <p:spPr>
           <a:xfrm>
-            <a:off x="561975" y="1323974"/>
-            <a:ext cx="11068050" cy="5534026"/>
+            <a:off x="1744662" y="1825625"/>
+            <a:ext cx="8702676" cy="4351338"/>
           </a:xfrm>
         </p:spPr>
       </p:pic>
@@ -5200,6 +8340,14 @@
 <file path=ppt/slides/slide22.xml><?xml version="1.0" encoding="utf-8"?>
 <p:sld xmlns:a="http://schemas.openxmlformats.org/drawingml/2006/main" xmlns:r="http://schemas.openxmlformats.org/officeDocument/2006/relationships" xmlns:p="http://schemas.openxmlformats.org/presentationml/2006/main">
   <p:cSld>
+    <p:bg>
+      <p:bgPr>
+        <a:solidFill>
+          <a:schemeClr val="bg1"/>
+        </a:solidFill>
+        <a:effectLst/>
+      </p:bgPr>
+    </p:bg>
     <p:spTree>
       <p:nvGrpSpPr>
         <p:cNvPr id="1" name=""/>
@@ -5214,6 +8362,348 @@
           <a:chExt cx="0" cy="0"/>
         </a:xfrm>
       </p:grpSpPr>
+      <p:sp useBgFill="1">
+        <p:nvSpPr>
+          <p:cNvPr id="8" name="Rectangle 7">
+            <a:extLst>
+              <a:ext uri="{FF2B5EF4-FFF2-40B4-BE49-F238E27FC236}">
+                <a16:creationId xmlns:a16="http://schemas.microsoft.com/office/drawing/2014/main" id="{B6CDA21F-E7AF-4C75-8395-33F58D5B0E45}"/>
+              </a:ext>
+              <a:ext uri="{C183D7F6-B498-43B3-948B-1728B52AA6E4}">
+                <adec:decorative xmlns:adec="http://schemas.microsoft.com/office/drawing/2017/decorative" val="1"/>
+              </a:ext>
+            </a:extLst>
+          </p:cNvPr>
+          <p:cNvSpPr>
+            <a:spLocks noGrp="1" noRot="1" noChangeAspect="1" noMove="1" noResize="1" noEditPoints="1" noAdjustHandles="1" noChangeArrowheads="1" noChangeShapeType="1" noTextEdit="1"/>
+          </p:cNvSpPr>
+          <p:nvPr>
+            <p:extLst>
+              <p:ext uri="{386F3935-93C4-4BCD-93E2-E3B085C9AB24}">
+                <p16:designElem xmlns:p16="http://schemas.microsoft.com/office/powerpoint/2015/main" val="1"/>
+              </p:ext>
+            </p:extLst>
+          </p:nvPr>
+        </p:nvSpPr>
+        <p:spPr>
+          <a:xfrm>
+            <a:off x="0" y="0"/>
+            <a:ext cx="12191999" cy="6857365"/>
+          </a:xfrm>
+          <a:prstGeom prst="rect">
+            <a:avLst/>
+          </a:prstGeom>
+          <a:ln>
+            <a:noFill/>
+          </a:ln>
+        </p:spPr>
+        <p:style>
+          <a:lnRef idx="2">
+            <a:schemeClr val="accent1">
+              <a:shade val="50000"/>
+            </a:schemeClr>
+          </a:lnRef>
+          <a:fillRef idx="1">
+            <a:schemeClr val="accent1"/>
+          </a:fillRef>
+          <a:effectRef idx="0">
+            <a:schemeClr val="accent1"/>
+          </a:effectRef>
+          <a:fontRef idx="minor">
+            <a:schemeClr val="lt1"/>
+          </a:fontRef>
+        </p:style>
+        <p:txBody>
+          <a:bodyPr rtlCol="0" anchor="ctr"/>
+          <a:lstStyle/>
+          <a:p>
+            <a:pPr algn="ctr"/>
+            <a:endParaRPr lang="en-US"/>
+          </a:p>
+        </p:txBody>
+      </p:sp>
+      <p:grpSp>
+        <p:nvGrpSpPr>
+          <p:cNvPr id="10" name="Group 9">
+            <a:extLst>
+              <a:ext uri="{FF2B5EF4-FFF2-40B4-BE49-F238E27FC236}">
+                <a16:creationId xmlns:a16="http://schemas.microsoft.com/office/drawing/2014/main" id="{AE1C45F0-260A-458C-96ED-C1F6D2151219}"/>
+              </a:ext>
+              <a:ext uri="{C183D7F6-B498-43B3-948B-1728B52AA6E4}">
+                <adec:decorative xmlns:adec="http://schemas.microsoft.com/office/drawing/2017/decorative" val="1"/>
+              </a:ext>
+            </a:extLst>
+          </p:cNvPr>
+          <p:cNvGrpSpPr>
+            <a:grpSpLocks noGrp="1" noUngrp="1" noRot="1" noChangeAspect="1" noMove="1" noResize="1"/>
+          </p:cNvGrpSpPr>
+          <p:nvPr>
+            <p:extLst>
+              <p:ext uri="{386F3935-93C4-4BCD-93E2-E3B085C9AB24}">
+                <p16:designElem xmlns:p16="http://schemas.microsoft.com/office/powerpoint/2015/main" val="1"/>
+              </p:ext>
+            </p:extLst>
+          </p:nvPr>
+        </p:nvGrpSpPr>
+        <p:grpSpPr>
+          <a:xfrm>
+            <a:off x="4" y="1216597"/>
+            <a:ext cx="731521" cy="673460"/>
+            <a:chOff x="3940602" y="308034"/>
+            <a:chExt cx="2116791" cy="3428999"/>
+          </a:xfrm>
+          <a:solidFill>
+            <a:schemeClr val="accent4"/>
+          </a:solidFill>
+        </p:grpSpPr>
+        <p:sp>
+          <p:nvSpPr>
+            <p:cNvPr id="11" name="Rectangle 10">
+              <a:extLst>
+                <a:ext uri="{FF2B5EF4-FFF2-40B4-BE49-F238E27FC236}">
+                  <a16:creationId xmlns:a16="http://schemas.microsoft.com/office/drawing/2014/main" id="{A6604B49-AD5C-4590-B051-06C8222ECD99}"/>
+                </a:ext>
+                <a:ext uri="{C183D7F6-B498-43B3-948B-1728B52AA6E4}">
+                  <adec:decorative xmlns:adec="http://schemas.microsoft.com/office/drawing/2017/decorative" val="1"/>
+                </a:ext>
+              </a:extLst>
+            </p:cNvPr>
+            <p:cNvSpPr/>
+            <p:nvPr>
+              <p:extLst>
+                <p:ext uri="{386F3935-93C4-4BCD-93E2-E3B085C9AB24}">
+                  <p16:designElem xmlns:p16="http://schemas.microsoft.com/office/powerpoint/2015/main" val="1"/>
+                </p:ext>
+              </p:extLst>
+            </p:nvPr>
+          </p:nvSpPr>
+          <p:spPr>
+            <a:xfrm>
+              <a:off x="3940602" y="308034"/>
+              <a:ext cx="566743" cy="3428999"/>
+            </a:xfrm>
+            <a:prstGeom prst="rect">
+              <a:avLst/>
+            </a:prstGeom>
+            <a:grpFill/>
+            <a:ln>
+              <a:noFill/>
+            </a:ln>
+          </p:spPr>
+          <p:style>
+            <a:lnRef idx="2">
+              <a:schemeClr val="accent1">
+                <a:shade val="50000"/>
+              </a:schemeClr>
+            </a:lnRef>
+            <a:fillRef idx="1">
+              <a:schemeClr val="accent1"/>
+            </a:fillRef>
+            <a:effectRef idx="0">
+              <a:schemeClr val="accent1"/>
+            </a:effectRef>
+            <a:fontRef idx="minor">
+              <a:schemeClr val="lt1"/>
+            </a:fontRef>
+          </p:style>
+          <p:txBody>
+            <a:bodyPr rtlCol="0" anchor="ctr"/>
+            <a:lstStyle/>
+            <a:p>
+              <a:pPr algn="ctr"/>
+              <a:endParaRPr lang="en-US"/>
+            </a:p>
+          </p:txBody>
+        </p:sp>
+        <p:sp>
+          <p:nvSpPr>
+            <p:cNvPr id="12" name="Rectangle 11">
+              <a:extLst>
+                <a:ext uri="{FF2B5EF4-FFF2-40B4-BE49-F238E27FC236}">
+                  <a16:creationId xmlns:a16="http://schemas.microsoft.com/office/drawing/2014/main" id="{743ECCAF-29C5-4537-947C-7EA1292463DB}"/>
+                </a:ext>
+                <a:ext uri="{C183D7F6-B498-43B3-948B-1728B52AA6E4}">
+                  <adec:decorative xmlns:adec="http://schemas.microsoft.com/office/drawing/2017/decorative" val="1"/>
+                </a:ext>
+              </a:extLst>
+            </p:cNvPr>
+            <p:cNvSpPr/>
+            <p:nvPr>
+              <p:extLst>
+                <p:ext uri="{386F3935-93C4-4BCD-93E2-E3B085C9AB24}">
+                  <p16:designElem xmlns:p16="http://schemas.microsoft.com/office/powerpoint/2015/main" val="1"/>
+                </p:ext>
+              </p:extLst>
+            </p:nvPr>
+          </p:nvSpPr>
+          <p:spPr>
+            <a:xfrm>
+              <a:off x="4715626" y="308034"/>
+              <a:ext cx="566743" cy="3428999"/>
+            </a:xfrm>
+            <a:prstGeom prst="rect">
+              <a:avLst/>
+            </a:prstGeom>
+            <a:grpFill/>
+            <a:ln>
+              <a:noFill/>
+            </a:ln>
+          </p:spPr>
+          <p:style>
+            <a:lnRef idx="2">
+              <a:schemeClr val="accent1">
+                <a:shade val="50000"/>
+              </a:schemeClr>
+            </a:lnRef>
+            <a:fillRef idx="1">
+              <a:schemeClr val="accent1"/>
+            </a:fillRef>
+            <a:effectRef idx="0">
+              <a:schemeClr val="accent1"/>
+            </a:effectRef>
+            <a:fontRef idx="minor">
+              <a:schemeClr val="lt1"/>
+            </a:fontRef>
+          </p:style>
+          <p:txBody>
+            <a:bodyPr rtlCol="0" anchor="ctr"/>
+            <a:lstStyle/>
+            <a:p>
+              <a:pPr algn="ctr"/>
+              <a:endParaRPr lang="en-US"/>
+            </a:p>
+          </p:txBody>
+        </p:sp>
+        <p:sp>
+          <p:nvSpPr>
+            <p:cNvPr id="13" name="Rectangle 12">
+              <a:extLst>
+                <a:ext uri="{FF2B5EF4-FFF2-40B4-BE49-F238E27FC236}">
+                  <a16:creationId xmlns:a16="http://schemas.microsoft.com/office/drawing/2014/main" id="{ED49787B-8DE6-4467-AD0A-8DECC6E0C2D6}"/>
+                </a:ext>
+                <a:ext uri="{C183D7F6-B498-43B3-948B-1728B52AA6E4}">
+                  <adec:decorative xmlns:adec="http://schemas.microsoft.com/office/drawing/2017/decorative" val="1"/>
+                </a:ext>
+              </a:extLst>
+            </p:cNvPr>
+            <p:cNvSpPr/>
+            <p:nvPr>
+              <p:extLst>
+                <p:ext uri="{386F3935-93C4-4BCD-93E2-E3B085C9AB24}">
+                  <p16:designElem xmlns:p16="http://schemas.microsoft.com/office/powerpoint/2015/main" val="1"/>
+                </p:ext>
+              </p:extLst>
+            </p:nvPr>
+          </p:nvSpPr>
+          <p:spPr>
+            <a:xfrm>
+              <a:off x="5490650" y="308034"/>
+              <a:ext cx="566743" cy="3428999"/>
+            </a:xfrm>
+            <a:prstGeom prst="rect">
+              <a:avLst/>
+            </a:prstGeom>
+            <a:grpFill/>
+            <a:ln>
+              <a:noFill/>
+            </a:ln>
+          </p:spPr>
+          <p:style>
+            <a:lnRef idx="2">
+              <a:schemeClr val="accent1">
+                <a:shade val="50000"/>
+              </a:schemeClr>
+            </a:lnRef>
+            <a:fillRef idx="1">
+              <a:schemeClr val="accent1"/>
+            </a:fillRef>
+            <a:effectRef idx="0">
+              <a:schemeClr val="accent1"/>
+            </a:effectRef>
+            <a:fontRef idx="minor">
+              <a:schemeClr val="lt1"/>
+            </a:fontRef>
+          </p:style>
+          <p:txBody>
+            <a:bodyPr rtlCol="0" anchor="ctr"/>
+            <a:lstStyle/>
+            <a:p>
+              <a:pPr algn="ctr"/>
+              <a:endParaRPr lang="en-US"/>
+            </a:p>
+          </p:txBody>
+        </p:sp>
+      </p:grpSp>
+      <p:sp>
+        <p:nvSpPr>
+          <p:cNvPr id="15" name="Rectangle 14">
+            <a:extLst>
+              <a:ext uri="{FF2B5EF4-FFF2-40B4-BE49-F238E27FC236}">
+                <a16:creationId xmlns:a16="http://schemas.microsoft.com/office/drawing/2014/main" id="{D5B0017B-2ECA-49AF-B397-DC140825DF8D}"/>
+              </a:ext>
+              <a:ext uri="{C183D7F6-B498-43B3-948B-1728B52AA6E4}">
+                <adec:decorative xmlns:adec="http://schemas.microsoft.com/office/drawing/2017/decorative" val="1"/>
+              </a:ext>
+            </a:extLst>
+          </p:cNvPr>
+          <p:cNvSpPr>
+            <a:spLocks noGrp="1" noRot="1" noChangeAspect="1" noMove="1" noResize="1" noEditPoints="1" noAdjustHandles="1" noChangeArrowheads="1" noChangeShapeType="1" noTextEdit="1"/>
+          </p:cNvSpPr>
+          <p:nvPr>
+            <p:extLst>
+              <p:ext uri="{386F3935-93C4-4BCD-93E2-E3B085C9AB24}">
+                <p16:designElem xmlns:p16="http://schemas.microsoft.com/office/powerpoint/2015/main" val="1"/>
+              </p:ext>
+            </p:extLst>
+          </p:nvPr>
+        </p:nvSpPr>
+        <p:spPr>
+          <a:xfrm>
+            <a:off x="640079" y="613954"/>
+            <a:ext cx="10907487" cy="1894116"/>
+          </a:xfrm>
+          <a:prstGeom prst="rect">
+            <a:avLst/>
+          </a:prstGeom>
+          <a:solidFill>
+            <a:schemeClr val="bg1"/>
+          </a:solidFill>
+          <a:ln>
+            <a:noFill/>
+          </a:ln>
+          <a:effectLst>
+            <a:outerShdw blurRad="139700" dist="127000" dir="5400000" algn="t" rotWithShape="0">
+              <a:prstClr val="black">
+                <a:alpha val="15000"/>
+              </a:prstClr>
+            </a:outerShdw>
+          </a:effectLst>
+        </p:spPr>
+        <p:style>
+          <a:lnRef idx="2">
+            <a:schemeClr val="accent1">
+              <a:shade val="50000"/>
+            </a:schemeClr>
+          </a:lnRef>
+          <a:fillRef idx="1">
+            <a:schemeClr val="accent1"/>
+          </a:fillRef>
+          <a:effectRef idx="0">
+            <a:schemeClr val="accent1"/>
+          </a:effectRef>
+          <a:fontRef idx="minor">
+            <a:schemeClr val="lt1"/>
+          </a:fontRef>
+        </p:style>
+        <p:txBody>
+          <a:bodyPr rtlCol="0" anchor="ctr"/>
+          <a:lstStyle/>
+          <a:p>
+            <a:pPr algn="ctr"/>
+            <a:endParaRPr lang="en-US"/>
+          </a:p>
+        </p:txBody>
+      </p:sp>
       <p:sp>
         <p:nvSpPr>
           <p:cNvPr id="2" name="Title 1">
@@ -5230,13 +8720,20 @@
             <p:ph type="title"/>
           </p:nvPr>
         </p:nvSpPr>
-        <p:spPr/>
-        <p:txBody>
-          <a:bodyPr/>
-          <a:lstStyle/>
-          <a:p>
-            <a:r>
-              <a:rPr lang="en-CA" dirty="0"/>
+        <p:spPr>
+          <a:xfrm>
+            <a:off x="1043631" y="809898"/>
+            <a:ext cx="9942716" cy="1554480"/>
+          </a:xfrm>
+        </p:spPr>
+        <p:txBody>
+          <a:bodyPr anchor="ctr">
+            <a:normAutofit/>
+          </a:bodyPr>
+          <a:lstStyle/>
+          <a:p>
+            <a:r>
+              <a:rPr lang="en-CA" sz="4800"/>
               <a:t>Different Context – Pass vs Rush</a:t>
             </a:r>
           </a:p>
@@ -5258,13 +8755,20 @@
             <p:ph idx="1"/>
           </p:nvPr>
         </p:nvSpPr>
-        <p:spPr/>
-        <p:txBody>
-          <a:bodyPr/>
-          <a:lstStyle/>
-          <a:p>
-            <a:r>
-              <a:rPr lang="en-CA" dirty="0"/>
+        <p:spPr>
+          <a:xfrm>
+            <a:off x="1045028" y="3017522"/>
+            <a:ext cx="9941319" cy="3124658"/>
+          </a:xfrm>
+        </p:spPr>
+        <p:txBody>
+          <a:bodyPr anchor="ctr">
+            <a:normAutofit/>
+          </a:bodyPr>
+          <a:lstStyle/>
+          <a:p>
+            <a:r>
+              <a:rPr lang="en-CA" sz="2400"/>
               <a:t>While PDIAD gives us the overall most impactful defensive alignment, it does not consider rush vs pass plays. </a:t>
             </a:r>
           </a:p>
@@ -5276,10 +8780,62 @@
               <a:rPr lang="en-CA" sz="2400" dirty="0"/>
               <a:t>We find that the most valuable defensive position changes when isolating only rushing plays or only passing plays.</a:t>
             </a:r>
-            <a:endParaRPr lang="en-CA" dirty="0"/>
-          </a:p>
-        </p:txBody>
-      </p:sp>
+            <a:endParaRPr lang="en-CA" sz="2400"/>
+          </a:p>
+        </p:txBody>
+      </p:sp>
+      <p:cxnSp>
+        <p:nvCxnSpPr>
+          <p:cNvPr id="17" name="Straight Connector 16">
+            <a:extLst>
+              <a:ext uri="{FF2B5EF4-FFF2-40B4-BE49-F238E27FC236}">
+                <a16:creationId xmlns:a16="http://schemas.microsoft.com/office/drawing/2014/main" id="{6CF1BAF6-AD41-4082-B212-8A1F9A2E8779}"/>
+              </a:ext>
+              <a:ext uri="{C183D7F6-B498-43B3-948B-1728B52AA6E4}">
+                <adec:decorative xmlns:adec="http://schemas.microsoft.com/office/drawing/2017/decorative" val="1"/>
+              </a:ext>
+            </a:extLst>
+          </p:cNvPr>
+          <p:cNvCxnSpPr>
+            <a:cxnSpLocks noGrp="1" noRot="1" noChangeAspect="1" noMove="1" noResize="1" noEditPoints="1" noAdjustHandles="1" noChangeArrowheads="1" noChangeShapeType="1"/>
+          </p:cNvCxnSpPr>
+          <p:nvPr>
+            <p:extLst>
+              <p:ext uri="{386F3935-93C4-4BCD-93E2-E3B085C9AB24}">
+                <p16:designElem xmlns:p16="http://schemas.microsoft.com/office/powerpoint/2015/main" val="1"/>
+              </p:ext>
+            </p:extLst>
+          </p:nvPr>
+        </p:nvCxnSpPr>
+        <p:spPr>
+          <a:xfrm flipH="1">
+            <a:off x="838200" y="6485313"/>
+            <a:ext cx="10515600" cy="0"/>
+          </a:xfrm>
+          <a:prstGeom prst="line">
+            <a:avLst/>
+          </a:prstGeom>
+          <a:ln w="57150">
+            <a:solidFill>
+              <a:schemeClr val="accent4"/>
+            </a:solidFill>
+          </a:ln>
+        </p:spPr>
+        <p:style>
+          <a:lnRef idx="1">
+            <a:schemeClr val="accent1"/>
+          </a:lnRef>
+          <a:fillRef idx="0">
+            <a:schemeClr val="accent1"/>
+          </a:fillRef>
+          <a:effectRef idx="0">
+            <a:schemeClr val="accent1"/>
+          </a:effectRef>
+          <a:fontRef idx="minor">
+            <a:schemeClr val="tx1"/>
+          </a:fontRef>
+        </p:style>
+      </p:cxnSp>
     </p:spTree>
     <p:extLst>
       <p:ext uri="{BB962C8B-B14F-4D97-AF65-F5344CB8AC3E}">
@@ -5702,6 +9258,14 @@
 <file path=ppt/slides/slide25.xml><?xml version="1.0" encoding="utf-8"?>
 <p:sld xmlns:a="http://schemas.openxmlformats.org/drawingml/2006/main" xmlns:r="http://schemas.openxmlformats.org/officeDocument/2006/relationships" xmlns:p="http://schemas.openxmlformats.org/presentationml/2006/main">
   <p:cSld>
+    <p:bg>
+      <p:bgPr>
+        <a:solidFill>
+          <a:schemeClr val="bg1"/>
+        </a:solidFill>
+        <a:effectLst/>
+      </p:bgPr>
+    </p:bg>
     <p:spTree>
       <p:nvGrpSpPr>
         <p:cNvPr id="1" name=""/>
@@ -5716,6 +9280,348 @@
           <a:chExt cx="0" cy="0"/>
         </a:xfrm>
       </p:grpSpPr>
+      <p:sp useBgFill="1">
+        <p:nvSpPr>
+          <p:cNvPr id="8" name="Rectangle 7">
+            <a:extLst>
+              <a:ext uri="{FF2B5EF4-FFF2-40B4-BE49-F238E27FC236}">
+                <a16:creationId xmlns:a16="http://schemas.microsoft.com/office/drawing/2014/main" id="{B6CDA21F-E7AF-4C75-8395-33F58D5B0E45}"/>
+              </a:ext>
+              <a:ext uri="{C183D7F6-B498-43B3-948B-1728B52AA6E4}">
+                <adec:decorative xmlns:adec="http://schemas.microsoft.com/office/drawing/2017/decorative" val="1"/>
+              </a:ext>
+            </a:extLst>
+          </p:cNvPr>
+          <p:cNvSpPr>
+            <a:spLocks noGrp="1" noRot="1" noChangeAspect="1" noMove="1" noResize="1" noEditPoints="1" noAdjustHandles="1" noChangeArrowheads="1" noChangeShapeType="1" noTextEdit="1"/>
+          </p:cNvSpPr>
+          <p:nvPr>
+            <p:extLst>
+              <p:ext uri="{386F3935-93C4-4BCD-93E2-E3B085C9AB24}">
+                <p16:designElem xmlns:p16="http://schemas.microsoft.com/office/powerpoint/2015/main" val="1"/>
+              </p:ext>
+            </p:extLst>
+          </p:nvPr>
+        </p:nvSpPr>
+        <p:spPr>
+          <a:xfrm>
+            <a:off x="0" y="0"/>
+            <a:ext cx="12191999" cy="6857365"/>
+          </a:xfrm>
+          <a:prstGeom prst="rect">
+            <a:avLst/>
+          </a:prstGeom>
+          <a:ln>
+            <a:noFill/>
+          </a:ln>
+        </p:spPr>
+        <p:style>
+          <a:lnRef idx="2">
+            <a:schemeClr val="accent1">
+              <a:shade val="50000"/>
+            </a:schemeClr>
+          </a:lnRef>
+          <a:fillRef idx="1">
+            <a:schemeClr val="accent1"/>
+          </a:fillRef>
+          <a:effectRef idx="0">
+            <a:schemeClr val="accent1"/>
+          </a:effectRef>
+          <a:fontRef idx="minor">
+            <a:schemeClr val="lt1"/>
+          </a:fontRef>
+        </p:style>
+        <p:txBody>
+          <a:bodyPr rtlCol="0" anchor="ctr"/>
+          <a:lstStyle/>
+          <a:p>
+            <a:pPr algn="ctr"/>
+            <a:endParaRPr lang="en-US"/>
+          </a:p>
+        </p:txBody>
+      </p:sp>
+      <p:grpSp>
+        <p:nvGrpSpPr>
+          <p:cNvPr id="10" name="Group 9">
+            <a:extLst>
+              <a:ext uri="{FF2B5EF4-FFF2-40B4-BE49-F238E27FC236}">
+                <a16:creationId xmlns:a16="http://schemas.microsoft.com/office/drawing/2014/main" id="{AE1C45F0-260A-458C-96ED-C1F6D2151219}"/>
+              </a:ext>
+              <a:ext uri="{C183D7F6-B498-43B3-948B-1728B52AA6E4}">
+                <adec:decorative xmlns:adec="http://schemas.microsoft.com/office/drawing/2017/decorative" val="1"/>
+              </a:ext>
+            </a:extLst>
+          </p:cNvPr>
+          <p:cNvGrpSpPr>
+            <a:grpSpLocks noGrp="1" noUngrp="1" noRot="1" noChangeAspect="1" noMove="1" noResize="1"/>
+          </p:cNvGrpSpPr>
+          <p:nvPr>
+            <p:extLst>
+              <p:ext uri="{386F3935-93C4-4BCD-93E2-E3B085C9AB24}">
+                <p16:designElem xmlns:p16="http://schemas.microsoft.com/office/powerpoint/2015/main" val="1"/>
+              </p:ext>
+            </p:extLst>
+          </p:nvPr>
+        </p:nvGrpSpPr>
+        <p:grpSpPr>
+          <a:xfrm>
+            <a:off x="4" y="1216597"/>
+            <a:ext cx="731521" cy="673460"/>
+            <a:chOff x="3940602" y="308034"/>
+            <a:chExt cx="2116791" cy="3428999"/>
+          </a:xfrm>
+          <a:solidFill>
+            <a:schemeClr val="accent4"/>
+          </a:solidFill>
+        </p:grpSpPr>
+        <p:sp>
+          <p:nvSpPr>
+            <p:cNvPr id="11" name="Rectangle 10">
+              <a:extLst>
+                <a:ext uri="{FF2B5EF4-FFF2-40B4-BE49-F238E27FC236}">
+                  <a16:creationId xmlns:a16="http://schemas.microsoft.com/office/drawing/2014/main" id="{A6604B49-AD5C-4590-B051-06C8222ECD99}"/>
+                </a:ext>
+                <a:ext uri="{C183D7F6-B498-43B3-948B-1728B52AA6E4}">
+                  <adec:decorative xmlns:adec="http://schemas.microsoft.com/office/drawing/2017/decorative" val="1"/>
+                </a:ext>
+              </a:extLst>
+            </p:cNvPr>
+            <p:cNvSpPr/>
+            <p:nvPr>
+              <p:extLst>
+                <p:ext uri="{386F3935-93C4-4BCD-93E2-E3B085C9AB24}">
+                  <p16:designElem xmlns:p16="http://schemas.microsoft.com/office/powerpoint/2015/main" val="1"/>
+                </p:ext>
+              </p:extLst>
+            </p:nvPr>
+          </p:nvSpPr>
+          <p:spPr>
+            <a:xfrm>
+              <a:off x="3940602" y="308034"/>
+              <a:ext cx="566743" cy="3428999"/>
+            </a:xfrm>
+            <a:prstGeom prst="rect">
+              <a:avLst/>
+            </a:prstGeom>
+            <a:grpFill/>
+            <a:ln>
+              <a:noFill/>
+            </a:ln>
+          </p:spPr>
+          <p:style>
+            <a:lnRef idx="2">
+              <a:schemeClr val="accent1">
+                <a:shade val="50000"/>
+              </a:schemeClr>
+            </a:lnRef>
+            <a:fillRef idx="1">
+              <a:schemeClr val="accent1"/>
+            </a:fillRef>
+            <a:effectRef idx="0">
+              <a:schemeClr val="accent1"/>
+            </a:effectRef>
+            <a:fontRef idx="minor">
+              <a:schemeClr val="lt1"/>
+            </a:fontRef>
+          </p:style>
+          <p:txBody>
+            <a:bodyPr rtlCol="0" anchor="ctr"/>
+            <a:lstStyle/>
+            <a:p>
+              <a:pPr algn="ctr"/>
+              <a:endParaRPr lang="en-US"/>
+            </a:p>
+          </p:txBody>
+        </p:sp>
+        <p:sp>
+          <p:nvSpPr>
+            <p:cNvPr id="12" name="Rectangle 11">
+              <a:extLst>
+                <a:ext uri="{FF2B5EF4-FFF2-40B4-BE49-F238E27FC236}">
+                  <a16:creationId xmlns:a16="http://schemas.microsoft.com/office/drawing/2014/main" id="{743ECCAF-29C5-4537-947C-7EA1292463DB}"/>
+                </a:ext>
+                <a:ext uri="{C183D7F6-B498-43B3-948B-1728B52AA6E4}">
+                  <adec:decorative xmlns:adec="http://schemas.microsoft.com/office/drawing/2017/decorative" val="1"/>
+                </a:ext>
+              </a:extLst>
+            </p:cNvPr>
+            <p:cNvSpPr/>
+            <p:nvPr>
+              <p:extLst>
+                <p:ext uri="{386F3935-93C4-4BCD-93E2-E3B085C9AB24}">
+                  <p16:designElem xmlns:p16="http://schemas.microsoft.com/office/powerpoint/2015/main" val="1"/>
+                </p:ext>
+              </p:extLst>
+            </p:nvPr>
+          </p:nvSpPr>
+          <p:spPr>
+            <a:xfrm>
+              <a:off x="4715626" y="308034"/>
+              <a:ext cx="566743" cy="3428999"/>
+            </a:xfrm>
+            <a:prstGeom prst="rect">
+              <a:avLst/>
+            </a:prstGeom>
+            <a:grpFill/>
+            <a:ln>
+              <a:noFill/>
+            </a:ln>
+          </p:spPr>
+          <p:style>
+            <a:lnRef idx="2">
+              <a:schemeClr val="accent1">
+                <a:shade val="50000"/>
+              </a:schemeClr>
+            </a:lnRef>
+            <a:fillRef idx="1">
+              <a:schemeClr val="accent1"/>
+            </a:fillRef>
+            <a:effectRef idx="0">
+              <a:schemeClr val="accent1"/>
+            </a:effectRef>
+            <a:fontRef idx="minor">
+              <a:schemeClr val="lt1"/>
+            </a:fontRef>
+          </p:style>
+          <p:txBody>
+            <a:bodyPr rtlCol="0" anchor="ctr"/>
+            <a:lstStyle/>
+            <a:p>
+              <a:pPr algn="ctr"/>
+              <a:endParaRPr lang="en-US"/>
+            </a:p>
+          </p:txBody>
+        </p:sp>
+        <p:sp>
+          <p:nvSpPr>
+            <p:cNvPr id="13" name="Rectangle 12">
+              <a:extLst>
+                <a:ext uri="{FF2B5EF4-FFF2-40B4-BE49-F238E27FC236}">
+                  <a16:creationId xmlns:a16="http://schemas.microsoft.com/office/drawing/2014/main" id="{ED49787B-8DE6-4467-AD0A-8DECC6E0C2D6}"/>
+                </a:ext>
+                <a:ext uri="{C183D7F6-B498-43B3-948B-1728B52AA6E4}">
+                  <adec:decorative xmlns:adec="http://schemas.microsoft.com/office/drawing/2017/decorative" val="1"/>
+                </a:ext>
+              </a:extLst>
+            </p:cNvPr>
+            <p:cNvSpPr/>
+            <p:nvPr>
+              <p:extLst>
+                <p:ext uri="{386F3935-93C4-4BCD-93E2-E3B085C9AB24}">
+                  <p16:designElem xmlns:p16="http://schemas.microsoft.com/office/powerpoint/2015/main" val="1"/>
+                </p:ext>
+              </p:extLst>
+            </p:nvPr>
+          </p:nvSpPr>
+          <p:spPr>
+            <a:xfrm>
+              <a:off x="5490650" y="308034"/>
+              <a:ext cx="566743" cy="3428999"/>
+            </a:xfrm>
+            <a:prstGeom prst="rect">
+              <a:avLst/>
+            </a:prstGeom>
+            <a:grpFill/>
+            <a:ln>
+              <a:noFill/>
+            </a:ln>
+          </p:spPr>
+          <p:style>
+            <a:lnRef idx="2">
+              <a:schemeClr val="accent1">
+                <a:shade val="50000"/>
+              </a:schemeClr>
+            </a:lnRef>
+            <a:fillRef idx="1">
+              <a:schemeClr val="accent1"/>
+            </a:fillRef>
+            <a:effectRef idx="0">
+              <a:schemeClr val="accent1"/>
+            </a:effectRef>
+            <a:fontRef idx="minor">
+              <a:schemeClr val="lt1"/>
+            </a:fontRef>
+          </p:style>
+          <p:txBody>
+            <a:bodyPr rtlCol="0" anchor="ctr"/>
+            <a:lstStyle/>
+            <a:p>
+              <a:pPr algn="ctr"/>
+              <a:endParaRPr lang="en-US"/>
+            </a:p>
+          </p:txBody>
+        </p:sp>
+      </p:grpSp>
+      <p:sp>
+        <p:nvSpPr>
+          <p:cNvPr id="15" name="Rectangle 14">
+            <a:extLst>
+              <a:ext uri="{FF2B5EF4-FFF2-40B4-BE49-F238E27FC236}">
+                <a16:creationId xmlns:a16="http://schemas.microsoft.com/office/drawing/2014/main" id="{D5B0017B-2ECA-49AF-B397-DC140825DF8D}"/>
+              </a:ext>
+              <a:ext uri="{C183D7F6-B498-43B3-948B-1728B52AA6E4}">
+                <adec:decorative xmlns:adec="http://schemas.microsoft.com/office/drawing/2017/decorative" val="1"/>
+              </a:ext>
+            </a:extLst>
+          </p:cNvPr>
+          <p:cNvSpPr>
+            <a:spLocks noGrp="1" noRot="1" noChangeAspect="1" noMove="1" noResize="1" noEditPoints="1" noAdjustHandles="1" noChangeArrowheads="1" noChangeShapeType="1" noTextEdit="1"/>
+          </p:cNvSpPr>
+          <p:nvPr>
+            <p:extLst>
+              <p:ext uri="{386F3935-93C4-4BCD-93E2-E3B085C9AB24}">
+                <p16:designElem xmlns:p16="http://schemas.microsoft.com/office/powerpoint/2015/main" val="1"/>
+              </p:ext>
+            </p:extLst>
+          </p:nvPr>
+        </p:nvSpPr>
+        <p:spPr>
+          <a:xfrm>
+            <a:off x="640079" y="613954"/>
+            <a:ext cx="10907487" cy="1894116"/>
+          </a:xfrm>
+          <a:prstGeom prst="rect">
+            <a:avLst/>
+          </a:prstGeom>
+          <a:solidFill>
+            <a:schemeClr val="bg1"/>
+          </a:solidFill>
+          <a:ln>
+            <a:noFill/>
+          </a:ln>
+          <a:effectLst>
+            <a:outerShdw blurRad="139700" dist="127000" dir="5400000" algn="t" rotWithShape="0">
+              <a:prstClr val="black">
+                <a:alpha val="15000"/>
+              </a:prstClr>
+            </a:outerShdw>
+          </a:effectLst>
+        </p:spPr>
+        <p:style>
+          <a:lnRef idx="2">
+            <a:schemeClr val="accent1">
+              <a:shade val="50000"/>
+            </a:schemeClr>
+          </a:lnRef>
+          <a:fillRef idx="1">
+            <a:schemeClr val="accent1"/>
+          </a:fillRef>
+          <a:effectRef idx="0">
+            <a:schemeClr val="accent1"/>
+          </a:effectRef>
+          <a:fontRef idx="minor">
+            <a:schemeClr val="lt1"/>
+          </a:fontRef>
+        </p:style>
+        <p:txBody>
+          <a:bodyPr rtlCol="0" anchor="ctr"/>
+          <a:lstStyle/>
+          <a:p>
+            <a:pPr algn="ctr"/>
+            <a:endParaRPr lang="en-US"/>
+          </a:p>
+        </p:txBody>
+      </p:sp>
       <p:sp>
         <p:nvSpPr>
           <p:cNvPr id="2" name="Title 1">
@@ -5732,13 +9638,20 @@
             <p:ph type="title"/>
           </p:nvPr>
         </p:nvSpPr>
-        <p:spPr/>
-        <p:txBody>
-          <a:bodyPr/>
-          <a:lstStyle/>
-          <a:p>
-            <a:r>
-              <a:rPr lang="en-CA" dirty="0"/>
+        <p:spPr>
+          <a:xfrm>
+            <a:off x="1043631" y="809898"/>
+            <a:ext cx="9942716" cy="1554480"/>
+          </a:xfrm>
+        </p:spPr>
+        <p:txBody>
+          <a:bodyPr anchor="ctr">
+            <a:normAutofit/>
+          </a:bodyPr>
+          <a:lstStyle/>
+          <a:p>
+            <a:r>
+              <a:rPr lang="en-CA" sz="4800"/>
               <a:t>Assumptions</a:t>
             </a:r>
           </a:p>
@@ -5760,38 +9673,97 @@
             <p:ph idx="1"/>
           </p:nvPr>
         </p:nvSpPr>
-        <p:spPr/>
-        <p:txBody>
-          <a:bodyPr/>
-          <a:lstStyle/>
-          <a:p>
-            <a:r>
-              <a:rPr lang="en-CA" dirty="0"/>
+        <p:spPr>
+          <a:xfrm>
+            <a:off x="1045028" y="3017522"/>
+            <a:ext cx="9941319" cy="3124658"/>
+          </a:xfrm>
+        </p:spPr>
+        <p:txBody>
+          <a:bodyPr anchor="ctr">
+            <a:normAutofit/>
+          </a:bodyPr>
+          <a:lstStyle/>
+          <a:p>
+            <a:r>
+              <a:rPr lang="en-CA" sz="2200"/>
               <a:t>In performing the scoring calculations, some assumptions were made.</a:t>
             </a:r>
           </a:p>
           <a:p>
             <a:pPr lvl="1"/>
             <a:r>
-              <a:rPr lang="en-CA" dirty="0"/>
+              <a:rPr lang="en-CA" sz="2200"/>
               <a:t>For proximity to play, there is no definitive way to determine from the data provided whether a specific position was actually involved in the play, or close enough to the play to be considered involved. As such, points could be awarded or not awarded on plays where this assumption was made incorrectly.</a:t>
             </a:r>
           </a:p>
           <a:p>
             <a:pPr lvl="1"/>
             <a:r>
-              <a:rPr lang="en-CA" dirty="0"/>
-              <a:t>This analysis does not consider game score, time remaining, or progress into the NFL season. This is specifically an isolated look at the overall impact per defensive position on an average play. However there is possibility that there are elements that contribute to better or worse performance. </a:t>
+              <a:rPr lang="en-CA" sz="2200"/>
+              <a:t>This analysis does not consider game score, time remaining, or progress into the NFL season. This is specifically an isolated look at the overall impact per defensive position on an average play. However there is the possibility that there are elements that contribute to better or worse performance. </a:t>
             </a:r>
           </a:p>
           <a:p>
             <a:pPr marL="457200" lvl="1" indent="0">
               <a:buNone/>
             </a:pPr>
-            <a:endParaRPr lang="en-CA" dirty="0"/>
-          </a:p>
-        </p:txBody>
-      </p:sp>
+            <a:endParaRPr lang="en-CA" sz="2200"/>
+          </a:p>
+        </p:txBody>
+      </p:sp>
+      <p:cxnSp>
+        <p:nvCxnSpPr>
+          <p:cNvPr id="17" name="Straight Connector 16">
+            <a:extLst>
+              <a:ext uri="{FF2B5EF4-FFF2-40B4-BE49-F238E27FC236}">
+                <a16:creationId xmlns:a16="http://schemas.microsoft.com/office/drawing/2014/main" id="{6CF1BAF6-AD41-4082-B212-8A1F9A2E8779}"/>
+              </a:ext>
+              <a:ext uri="{C183D7F6-B498-43B3-948B-1728B52AA6E4}">
+                <adec:decorative xmlns:adec="http://schemas.microsoft.com/office/drawing/2017/decorative" val="1"/>
+              </a:ext>
+            </a:extLst>
+          </p:cNvPr>
+          <p:cNvCxnSpPr>
+            <a:cxnSpLocks noGrp="1" noRot="1" noChangeAspect="1" noMove="1" noResize="1" noEditPoints="1" noAdjustHandles="1" noChangeArrowheads="1" noChangeShapeType="1"/>
+          </p:cNvCxnSpPr>
+          <p:nvPr>
+            <p:extLst>
+              <p:ext uri="{386F3935-93C4-4BCD-93E2-E3B085C9AB24}">
+                <p16:designElem xmlns:p16="http://schemas.microsoft.com/office/powerpoint/2015/main" val="1"/>
+              </p:ext>
+            </p:extLst>
+          </p:nvPr>
+        </p:nvCxnSpPr>
+        <p:spPr>
+          <a:xfrm flipH="1">
+            <a:off x="838200" y="6485313"/>
+            <a:ext cx="10515600" cy="0"/>
+          </a:xfrm>
+          <a:prstGeom prst="line">
+            <a:avLst/>
+          </a:prstGeom>
+          <a:ln w="57150">
+            <a:solidFill>
+              <a:schemeClr val="accent4"/>
+            </a:solidFill>
+          </a:ln>
+        </p:spPr>
+        <p:style>
+          <a:lnRef idx="1">
+            <a:schemeClr val="accent1"/>
+          </a:lnRef>
+          <a:fillRef idx="0">
+            <a:schemeClr val="accent1"/>
+          </a:fillRef>
+          <a:effectRef idx="0">
+            <a:schemeClr val="accent1"/>
+          </a:effectRef>
+          <a:fontRef idx="minor">
+            <a:schemeClr val="tx1"/>
+          </a:fontRef>
+        </p:style>
+      </p:cxnSp>
     </p:spTree>
     <p:extLst>
       <p:ext uri="{BB962C8B-B14F-4D97-AF65-F5344CB8AC3E}">
@@ -5808,6 +9780,14 @@
 <file path=ppt/slides/slide26.xml><?xml version="1.0" encoding="utf-8"?>
 <p:sld xmlns:a="http://schemas.openxmlformats.org/drawingml/2006/main" xmlns:r="http://schemas.openxmlformats.org/officeDocument/2006/relationships" xmlns:p="http://schemas.openxmlformats.org/presentationml/2006/main">
   <p:cSld>
+    <p:bg>
+      <p:bgPr>
+        <a:solidFill>
+          <a:schemeClr val="bg1"/>
+        </a:solidFill>
+        <a:effectLst/>
+      </p:bgPr>
+    </p:bg>
     <p:spTree>
       <p:nvGrpSpPr>
         <p:cNvPr id="1" name=""/>
@@ -5822,6 +9802,348 @@
           <a:chExt cx="0" cy="0"/>
         </a:xfrm>
       </p:grpSpPr>
+      <p:sp useBgFill="1">
+        <p:nvSpPr>
+          <p:cNvPr id="8" name="Rectangle 7">
+            <a:extLst>
+              <a:ext uri="{FF2B5EF4-FFF2-40B4-BE49-F238E27FC236}">
+                <a16:creationId xmlns:a16="http://schemas.microsoft.com/office/drawing/2014/main" id="{B6CDA21F-E7AF-4C75-8395-33F58D5B0E45}"/>
+              </a:ext>
+              <a:ext uri="{C183D7F6-B498-43B3-948B-1728B52AA6E4}">
+                <adec:decorative xmlns:adec="http://schemas.microsoft.com/office/drawing/2017/decorative" val="1"/>
+              </a:ext>
+            </a:extLst>
+          </p:cNvPr>
+          <p:cNvSpPr>
+            <a:spLocks noGrp="1" noRot="1" noChangeAspect="1" noMove="1" noResize="1" noEditPoints="1" noAdjustHandles="1" noChangeArrowheads="1" noChangeShapeType="1" noTextEdit="1"/>
+          </p:cNvSpPr>
+          <p:nvPr>
+            <p:extLst>
+              <p:ext uri="{386F3935-93C4-4BCD-93E2-E3B085C9AB24}">
+                <p16:designElem xmlns:p16="http://schemas.microsoft.com/office/powerpoint/2015/main" val="1"/>
+              </p:ext>
+            </p:extLst>
+          </p:nvPr>
+        </p:nvSpPr>
+        <p:spPr>
+          <a:xfrm>
+            <a:off x="0" y="0"/>
+            <a:ext cx="12191999" cy="6857365"/>
+          </a:xfrm>
+          <a:prstGeom prst="rect">
+            <a:avLst/>
+          </a:prstGeom>
+          <a:ln>
+            <a:noFill/>
+          </a:ln>
+        </p:spPr>
+        <p:style>
+          <a:lnRef idx="2">
+            <a:schemeClr val="accent1">
+              <a:shade val="50000"/>
+            </a:schemeClr>
+          </a:lnRef>
+          <a:fillRef idx="1">
+            <a:schemeClr val="accent1"/>
+          </a:fillRef>
+          <a:effectRef idx="0">
+            <a:schemeClr val="accent1"/>
+          </a:effectRef>
+          <a:fontRef idx="minor">
+            <a:schemeClr val="lt1"/>
+          </a:fontRef>
+        </p:style>
+        <p:txBody>
+          <a:bodyPr rtlCol="0" anchor="ctr"/>
+          <a:lstStyle/>
+          <a:p>
+            <a:pPr algn="ctr"/>
+            <a:endParaRPr lang="en-US"/>
+          </a:p>
+        </p:txBody>
+      </p:sp>
+      <p:grpSp>
+        <p:nvGrpSpPr>
+          <p:cNvPr id="10" name="Group 9">
+            <a:extLst>
+              <a:ext uri="{FF2B5EF4-FFF2-40B4-BE49-F238E27FC236}">
+                <a16:creationId xmlns:a16="http://schemas.microsoft.com/office/drawing/2014/main" id="{AE1C45F0-260A-458C-96ED-C1F6D2151219}"/>
+              </a:ext>
+              <a:ext uri="{C183D7F6-B498-43B3-948B-1728B52AA6E4}">
+                <adec:decorative xmlns:adec="http://schemas.microsoft.com/office/drawing/2017/decorative" val="1"/>
+              </a:ext>
+            </a:extLst>
+          </p:cNvPr>
+          <p:cNvGrpSpPr>
+            <a:grpSpLocks noGrp="1" noUngrp="1" noRot="1" noChangeAspect="1" noMove="1" noResize="1"/>
+          </p:cNvGrpSpPr>
+          <p:nvPr>
+            <p:extLst>
+              <p:ext uri="{386F3935-93C4-4BCD-93E2-E3B085C9AB24}">
+                <p16:designElem xmlns:p16="http://schemas.microsoft.com/office/powerpoint/2015/main" val="1"/>
+              </p:ext>
+            </p:extLst>
+          </p:nvPr>
+        </p:nvGrpSpPr>
+        <p:grpSpPr>
+          <a:xfrm>
+            <a:off x="4" y="1216597"/>
+            <a:ext cx="731521" cy="673460"/>
+            <a:chOff x="3940602" y="308034"/>
+            <a:chExt cx="2116791" cy="3428999"/>
+          </a:xfrm>
+          <a:solidFill>
+            <a:schemeClr val="accent4"/>
+          </a:solidFill>
+        </p:grpSpPr>
+        <p:sp>
+          <p:nvSpPr>
+            <p:cNvPr id="11" name="Rectangle 10">
+              <a:extLst>
+                <a:ext uri="{FF2B5EF4-FFF2-40B4-BE49-F238E27FC236}">
+                  <a16:creationId xmlns:a16="http://schemas.microsoft.com/office/drawing/2014/main" id="{A6604B49-AD5C-4590-B051-06C8222ECD99}"/>
+                </a:ext>
+                <a:ext uri="{C183D7F6-B498-43B3-948B-1728B52AA6E4}">
+                  <adec:decorative xmlns:adec="http://schemas.microsoft.com/office/drawing/2017/decorative" val="1"/>
+                </a:ext>
+              </a:extLst>
+            </p:cNvPr>
+            <p:cNvSpPr/>
+            <p:nvPr>
+              <p:extLst>
+                <p:ext uri="{386F3935-93C4-4BCD-93E2-E3B085C9AB24}">
+                  <p16:designElem xmlns:p16="http://schemas.microsoft.com/office/powerpoint/2015/main" val="1"/>
+                </p:ext>
+              </p:extLst>
+            </p:nvPr>
+          </p:nvSpPr>
+          <p:spPr>
+            <a:xfrm>
+              <a:off x="3940602" y="308034"/>
+              <a:ext cx="566743" cy="3428999"/>
+            </a:xfrm>
+            <a:prstGeom prst="rect">
+              <a:avLst/>
+            </a:prstGeom>
+            <a:grpFill/>
+            <a:ln>
+              <a:noFill/>
+            </a:ln>
+          </p:spPr>
+          <p:style>
+            <a:lnRef idx="2">
+              <a:schemeClr val="accent1">
+                <a:shade val="50000"/>
+              </a:schemeClr>
+            </a:lnRef>
+            <a:fillRef idx="1">
+              <a:schemeClr val="accent1"/>
+            </a:fillRef>
+            <a:effectRef idx="0">
+              <a:schemeClr val="accent1"/>
+            </a:effectRef>
+            <a:fontRef idx="minor">
+              <a:schemeClr val="lt1"/>
+            </a:fontRef>
+          </p:style>
+          <p:txBody>
+            <a:bodyPr rtlCol="0" anchor="ctr"/>
+            <a:lstStyle/>
+            <a:p>
+              <a:pPr algn="ctr"/>
+              <a:endParaRPr lang="en-US"/>
+            </a:p>
+          </p:txBody>
+        </p:sp>
+        <p:sp>
+          <p:nvSpPr>
+            <p:cNvPr id="12" name="Rectangle 11">
+              <a:extLst>
+                <a:ext uri="{FF2B5EF4-FFF2-40B4-BE49-F238E27FC236}">
+                  <a16:creationId xmlns:a16="http://schemas.microsoft.com/office/drawing/2014/main" id="{743ECCAF-29C5-4537-947C-7EA1292463DB}"/>
+                </a:ext>
+                <a:ext uri="{C183D7F6-B498-43B3-948B-1728B52AA6E4}">
+                  <adec:decorative xmlns:adec="http://schemas.microsoft.com/office/drawing/2017/decorative" val="1"/>
+                </a:ext>
+              </a:extLst>
+            </p:cNvPr>
+            <p:cNvSpPr/>
+            <p:nvPr>
+              <p:extLst>
+                <p:ext uri="{386F3935-93C4-4BCD-93E2-E3B085C9AB24}">
+                  <p16:designElem xmlns:p16="http://schemas.microsoft.com/office/powerpoint/2015/main" val="1"/>
+                </p:ext>
+              </p:extLst>
+            </p:nvPr>
+          </p:nvSpPr>
+          <p:spPr>
+            <a:xfrm>
+              <a:off x="4715626" y="308034"/>
+              <a:ext cx="566743" cy="3428999"/>
+            </a:xfrm>
+            <a:prstGeom prst="rect">
+              <a:avLst/>
+            </a:prstGeom>
+            <a:grpFill/>
+            <a:ln>
+              <a:noFill/>
+            </a:ln>
+          </p:spPr>
+          <p:style>
+            <a:lnRef idx="2">
+              <a:schemeClr val="accent1">
+                <a:shade val="50000"/>
+              </a:schemeClr>
+            </a:lnRef>
+            <a:fillRef idx="1">
+              <a:schemeClr val="accent1"/>
+            </a:fillRef>
+            <a:effectRef idx="0">
+              <a:schemeClr val="accent1"/>
+            </a:effectRef>
+            <a:fontRef idx="minor">
+              <a:schemeClr val="lt1"/>
+            </a:fontRef>
+          </p:style>
+          <p:txBody>
+            <a:bodyPr rtlCol="0" anchor="ctr"/>
+            <a:lstStyle/>
+            <a:p>
+              <a:pPr algn="ctr"/>
+              <a:endParaRPr lang="en-US"/>
+            </a:p>
+          </p:txBody>
+        </p:sp>
+        <p:sp>
+          <p:nvSpPr>
+            <p:cNvPr id="13" name="Rectangle 12">
+              <a:extLst>
+                <a:ext uri="{FF2B5EF4-FFF2-40B4-BE49-F238E27FC236}">
+                  <a16:creationId xmlns:a16="http://schemas.microsoft.com/office/drawing/2014/main" id="{ED49787B-8DE6-4467-AD0A-8DECC6E0C2D6}"/>
+                </a:ext>
+                <a:ext uri="{C183D7F6-B498-43B3-948B-1728B52AA6E4}">
+                  <adec:decorative xmlns:adec="http://schemas.microsoft.com/office/drawing/2017/decorative" val="1"/>
+                </a:ext>
+              </a:extLst>
+            </p:cNvPr>
+            <p:cNvSpPr/>
+            <p:nvPr>
+              <p:extLst>
+                <p:ext uri="{386F3935-93C4-4BCD-93E2-E3B085C9AB24}">
+                  <p16:designElem xmlns:p16="http://schemas.microsoft.com/office/powerpoint/2015/main" val="1"/>
+                </p:ext>
+              </p:extLst>
+            </p:nvPr>
+          </p:nvSpPr>
+          <p:spPr>
+            <a:xfrm>
+              <a:off x="5490650" y="308034"/>
+              <a:ext cx="566743" cy="3428999"/>
+            </a:xfrm>
+            <a:prstGeom prst="rect">
+              <a:avLst/>
+            </a:prstGeom>
+            <a:grpFill/>
+            <a:ln>
+              <a:noFill/>
+            </a:ln>
+          </p:spPr>
+          <p:style>
+            <a:lnRef idx="2">
+              <a:schemeClr val="accent1">
+                <a:shade val="50000"/>
+              </a:schemeClr>
+            </a:lnRef>
+            <a:fillRef idx="1">
+              <a:schemeClr val="accent1"/>
+            </a:fillRef>
+            <a:effectRef idx="0">
+              <a:schemeClr val="accent1"/>
+            </a:effectRef>
+            <a:fontRef idx="minor">
+              <a:schemeClr val="lt1"/>
+            </a:fontRef>
+          </p:style>
+          <p:txBody>
+            <a:bodyPr rtlCol="0" anchor="ctr"/>
+            <a:lstStyle/>
+            <a:p>
+              <a:pPr algn="ctr"/>
+              <a:endParaRPr lang="en-US"/>
+            </a:p>
+          </p:txBody>
+        </p:sp>
+      </p:grpSp>
+      <p:sp>
+        <p:nvSpPr>
+          <p:cNvPr id="15" name="Rectangle 14">
+            <a:extLst>
+              <a:ext uri="{FF2B5EF4-FFF2-40B4-BE49-F238E27FC236}">
+                <a16:creationId xmlns:a16="http://schemas.microsoft.com/office/drawing/2014/main" id="{D5B0017B-2ECA-49AF-B397-DC140825DF8D}"/>
+              </a:ext>
+              <a:ext uri="{C183D7F6-B498-43B3-948B-1728B52AA6E4}">
+                <adec:decorative xmlns:adec="http://schemas.microsoft.com/office/drawing/2017/decorative" val="1"/>
+              </a:ext>
+            </a:extLst>
+          </p:cNvPr>
+          <p:cNvSpPr>
+            <a:spLocks noGrp="1" noRot="1" noChangeAspect="1" noMove="1" noResize="1" noEditPoints="1" noAdjustHandles="1" noChangeArrowheads="1" noChangeShapeType="1" noTextEdit="1"/>
+          </p:cNvSpPr>
+          <p:nvPr>
+            <p:extLst>
+              <p:ext uri="{386F3935-93C4-4BCD-93E2-E3B085C9AB24}">
+                <p16:designElem xmlns:p16="http://schemas.microsoft.com/office/powerpoint/2015/main" val="1"/>
+              </p:ext>
+            </p:extLst>
+          </p:nvPr>
+        </p:nvSpPr>
+        <p:spPr>
+          <a:xfrm>
+            <a:off x="640079" y="613954"/>
+            <a:ext cx="10907487" cy="1894116"/>
+          </a:xfrm>
+          <a:prstGeom prst="rect">
+            <a:avLst/>
+          </a:prstGeom>
+          <a:solidFill>
+            <a:schemeClr val="bg1"/>
+          </a:solidFill>
+          <a:ln>
+            <a:noFill/>
+          </a:ln>
+          <a:effectLst>
+            <a:outerShdw blurRad="139700" dist="127000" dir="5400000" algn="t" rotWithShape="0">
+              <a:prstClr val="black">
+                <a:alpha val="15000"/>
+              </a:prstClr>
+            </a:outerShdw>
+          </a:effectLst>
+        </p:spPr>
+        <p:style>
+          <a:lnRef idx="2">
+            <a:schemeClr val="accent1">
+              <a:shade val="50000"/>
+            </a:schemeClr>
+          </a:lnRef>
+          <a:fillRef idx="1">
+            <a:schemeClr val="accent1"/>
+          </a:fillRef>
+          <a:effectRef idx="0">
+            <a:schemeClr val="accent1"/>
+          </a:effectRef>
+          <a:fontRef idx="minor">
+            <a:schemeClr val="lt1"/>
+          </a:fontRef>
+        </p:style>
+        <p:txBody>
+          <a:bodyPr rtlCol="0" anchor="ctr"/>
+          <a:lstStyle/>
+          <a:p>
+            <a:pPr algn="ctr"/>
+            <a:endParaRPr lang="en-US"/>
+          </a:p>
+        </p:txBody>
+      </p:sp>
       <p:sp>
         <p:nvSpPr>
           <p:cNvPr id="2" name="Title 1">
@@ -5838,13 +10160,20 @@
             <p:ph type="title"/>
           </p:nvPr>
         </p:nvSpPr>
-        <p:spPr/>
-        <p:txBody>
-          <a:bodyPr/>
-          <a:lstStyle/>
-          <a:p>
-            <a:r>
-              <a:rPr lang="en-CA" dirty="0"/>
+        <p:spPr>
+          <a:xfrm>
+            <a:off x="1043631" y="809898"/>
+            <a:ext cx="9942716" cy="1554480"/>
+          </a:xfrm>
+        </p:spPr>
+        <p:txBody>
+          <a:bodyPr anchor="ctr">
+            <a:normAutofit/>
+          </a:bodyPr>
+          <a:lstStyle/>
+          <a:p>
+            <a:r>
+              <a:rPr lang="en-CA" sz="4800"/>
               <a:t>Assumptions</a:t>
             </a:r>
           </a:p>
@@ -5866,9 +10195,16 @@
             <p:ph idx="1"/>
           </p:nvPr>
         </p:nvSpPr>
-        <p:spPr/>
-        <p:txBody>
-          <a:bodyPr/>
+        <p:spPr>
+          <a:xfrm>
+            <a:off x="1045028" y="3017522"/>
+            <a:ext cx="9941319" cy="3124658"/>
+          </a:xfrm>
+        </p:spPr>
+        <p:txBody>
+          <a:bodyPr anchor="ctr">
+            <a:normAutofit/>
+          </a:bodyPr>
           <a:lstStyle/>
           <a:p>
             <a:pPr lvl="1"/>
@@ -5885,6 +10221,58 @@
           </a:p>
         </p:txBody>
       </p:sp>
+      <p:cxnSp>
+        <p:nvCxnSpPr>
+          <p:cNvPr id="17" name="Straight Connector 16">
+            <a:extLst>
+              <a:ext uri="{FF2B5EF4-FFF2-40B4-BE49-F238E27FC236}">
+                <a16:creationId xmlns:a16="http://schemas.microsoft.com/office/drawing/2014/main" id="{6CF1BAF6-AD41-4082-B212-8A1F9A2E8779}"/>
+              </a:ext>
+              <a:ext uri="{C183D7F6-B498-43B3-948B-1728B52AA6E4}">
+                <adec:decorative xmlns:adec="http://schemas.microsoft.com/office/drawing/2017/decorative" val="1"/>
+              </a:ext>
+            </a:extLst>
+          </p:cNvPr>
+          <p:cNvCxnSpPr>
+            <a:cxnSpLocks noGrp="1" noRot="1" noChangeAspect="1" noMove="1" noResize="1" noEditPoints="1" noAdjustHandles="1" noChangeArrowheads="1" noChangeShapeType="1"/>
+          </p:cNvCxnSpPr>
+          <p:nvPr>
+            <p:extLst>
+              <p:ext uri="{386F3935-93C4-4BCD-93E2-E3B085C9AB24}">
+                <p16:designElem xmlns:p16="http://schemas.microsoft.com/office/powerpoint/2015/main" val="1"/>
+              </p:ext>
+            </p:extLst>
+          </p:nvPr>
+        </p:nvCxnSpPr>
+        <p:spPr>
+          <a:xfrm flipH="1">
+            <a:off x="838200" y="6485313"/>
+            <a:ext cx="10515600" cy="0"/>
+          </a:xfrm>
+          <a:prstGeom prst="line">
+            <a:avLst/>
+          </a:prstGeom>
+          <a:ln w="57150">
+            <a:solidFill>
+              <a:schemeClr val="accent4"/>
+            </a:solidFill>
+          </a:ln>
+        </p:spPr>
+        <p:style>
+          <a:lnRef idx="1">
+            <a:schemeClr val="accent1"/>
+          </a:lnRef>
+          <a:fillRef idx="0">
+            <a:schemeClr val="accent1"/>
+          </a:fillRef>
+          <a:effectRef idx="0">
+            <a:schemeClr val="accent1"/>
+          </a:effectRef>
+          <a:fontRef idx="minor">
+            <a:schemeClr val="tx1"/>
+          </a:fontRef>
+        </p:style>
+      </p:cxnSp>
     </p:spTree>
     <p:extLst>
       <p:ext uri="{BB962C8B-B14F-4D97-AF65-F5344CB8AC3E}">
@@ -5901,6 +10289,14 @@
 <file path=ppt/slides/slide27.xml><?xml version="1.0" encoding="utf-8"?>
 <p:sld xmlns:a="http://schemas.openxmlformats.org/drawingml/2006/main" xmlns:r="http://schemas.openxmlformats.org/officeDocument/2006/relationships" xmlns:p="http://schemas.openxmlformats.org/presentationml/2006/main">
   <p:cSld>
+    <p:bg>
+      <p:bgPr>
+        <a:solidFill>
+          <a:schemeClr val="bg1"/>
+        </a:solidFill>
+        <a:effectLst/>
+      </p:bgPr>
+    </p:bg>
     <p:spTree>
       <p:nvGrpSpPr>
         <p:cNvPr id="1" name=""/>
@@ -5915,6 +10311,289 @@
           <a:chExt cx="0" cy="0"/>
         </a:xfrm>
       </p:grpSpPr>
+      <p:sp useBgFill="1">
+        <p:nvSpPr>
+          <p:cNvPr id="16" name="Rectangle 7">
+            <a:extLst>
+              <a:ext uri="{FF2B5EF4-FFF2-40B4-BE49-F238E27FC236}">
+                <a16:creationId xmlns:a16="http://schemas.microsoft.com/office/drawing/2014/main" id="{4DA718D0-4865-4629-8134-44F68D41D574}"/>
+              </a:ext>
+              <a:ext uri="{C183D7F6-B498-43B3-948B-1728B52AA6E4}">
+                <adec:decorative xmlns:adec="http://schemas.microsoft.com/office/drawing/2017/decorative" val="1"/>
+              </a:ext>
+            </a:extLst>
+          </p:cNvPr>
+          <p:cNvSpPr>
+            <a:spLocks noGrp="1" noRot="1" noChangeAspect="1" noMove="1" noResize="1" noEditPoints="1" noAdjustHandles="1" noChangeArrowheads="1" noChangeShapeType="1" noTextEdit="1"/>
+          </p:cNvSpPr>
+          <p:nvPr>
+            <p:extLst>
+              <p:ext uri="{386F3935-93C4-4BCD-93E2-E3B085C9AB24}">
+                <p16:designElem xmlns:p16="http://schemas.microsoft.com/office/powerpoint/2015/main" val="1"/>
+              </p:ext>
+            </p:extLst>
+          </p:nvPr>
+        </p:nvSpPr>
+        <p:spPr>
+          <a:xfrm>
+            <a:off x="0" y="0"/>
+            <a:ext cx="12191999" cy="6857365"/>
+          </a:xfrm>
+          <a:prstGeom prst="rect">
+            <a:avLst/>
+          </a:prstGeom>
+          <a:ln>
+            <a:noFill/>
+          </a:ln>
+        </p:spPr>
+        <p:style>
+          <a:lnRef idx="2">
+            <a:schemeClr val="accent1">
+              <a:shade val="50000"/>
+            </a:schemeClr>
+          </a:lnRef>
+          <a:fillRef idx="1">
+            <a:schemeClr val="accent1"/>
+          </a:fillRef>
+          <a:effectRef idx="0">
+            <a:schemeClr val="accent1"/>
+          </a:effectRef>
+          <a:fontRef idx="minor">
+            <a:schemeClr val="lt1"/>
+          </a:fontRef>
+        </p:style>
+        <p:txBody>
+          <a:bodyPr rtlCol="0" anchor="ctr"/>
+          <a:lstStyle/>
+          <a:p>
+            <a:pPr algn="ctr"/>
+            <a:endParaRPr lang="en-US"/>
+          </a:p>
+        </p:txBody>
+      </p:sp>
+      <p:grpSp>
+        <p:nvGrpSpPr>
+          <p:cNvPr id="17" name="Group 9">
+            <a:extLst>
+              <a:ext uri="{FF2B5EF4-FFF2-40B4-BE49-F238E27FC236}">
+                <a16:creationId xmlns:a16="http://schemas.microsoft.com/office/drawing/2014/main" id="{65167ED7-6315-43AB-B1B6-C326D5FD8F84}"/>
+              </a:ext>
+              <a:ext uri="{C183D7F6-B498-43B3-948B-1728B52AA6E4}">
+                <adec:decorative xmlns:adec="http://schemas.microsoft.com/office/drawing/2017/decorative" val="1"/>
+              </a:ext>
+            </a:extLst>
+          </p:cNvPr>
+          <p:cNvGrpSpPr>
+            <a:grpSpLocks noGrp="1" noUngrp="1" noRot="1" noChangeAspect="1" noMove="1" noResize="1"/>
+          </p:cNvGrpSpPr>
+          <p:nvPr>
+            <p:extLst>
+              <p:ext uri="{386F3935-93C4-4BCD-93E2-E3B085C9AB24}">
+                <p16:designElem xmlns:p16="http://schemas.microsoft.com/office/powerpoint/2015/main" val="1"/>
+              </p:ext>
+            </p:extLst>
+          </p:nvPr>
+        </p:nvGrpSpPr>
+        <p:grpSpPr>
+          <a:xfrm rot="5400000">
+            <a:off x="-2340441" y="2666183"/>
+            <a:ext cx="5860051" cy="527712"/>
+            <a:chOff x="6081624" y="1998368"/>
+            <a:chExt cx="5613457" cy="782175"/>
+          </a:xfrm>
+          <a:solidFill>
+            <a:schemeClr val="accent4"/>
+          </a:solidFill>
+        </p:grpSpPr>
+        <p:sp>
+          <p:nvSpPr>
+            <p:cNvPr id="18" name="Rectangle 10">
+              <a:extLst>
+                <a:ext uri="{FF2B5EF4-FFF2-40B4-BE49-F238E27FC236}">
+                  <a16:creationId xmlns:a16="http://schemas.microsoft.com/office/drawing/2014/main" id="{EF4D8839-FB03-487D-ACC8-8BFEDD4FEBAE}"/>
+                </a:ext>
+                <a:ext uri="{C183D7F6-B498-43B3-948B-1728B52AA6E4}">
+                  <adec:decorative xmlns:adec="http://schemas.microsoft.com/office/drawing/2017/decorative" val="1"/>
+                </a:ext>
+              </a:extLst>
+            </p:cNvPr>
+            <p:cNvSpPr/>
+            <p:nvPr>
+              <p:extLst>
+                <p:ext uri="{386F3935-93C4-4BCD-93E2-E3B085C9AB24}">
+                  <p16:designElem xmlns:p16="http://schemas.microsoft.com/office/powerpoint/2015/main" val="1"/>
+                </p:ext>
+              </p:extLst>
+            </p:nvPr>
+          </p:nvSpPr>
+          <p:spPr>
+            <a:xfrm rot="5400000">
+              <a:off x="11228040" y="2313027"/>
+              <a:ext cx="781700" cy="152382"/>
+            </a:xfrm>
+            <a:prstGeom prst="rect">
+              <a:avLst/>
+            </a:prstGeom>
+            <a:grpFill/>
+            <a:ln>
+              <a:noFill/>
+            </a:ln>
+          </p:spPr>
+          <p:style>
+            <a:lnRef idx="2">
+              <a:schemeClr val="accent1">
+                <a:shade val="50000"/>
+              </a:schemeClr>
+            </a:lnRef>
+            <a:fillRef idx="1">
+              <a:schemeClr val="accent1"/>
+            </a:fillRef>
+            <a:effectRef idx="0">
+              <a:schemeClr val="accent1"/>
+            </a:effectRef>
+            <a:fontRef idx="minor">
+              <a:schemeClr val="lt1"/>
+            </a:fontRef>
+          </p:style>
+          <p:txBody>
+            <a:bodyPr rtlCol="0" anchor="ctr"/>
+            <a:lstStyle/>
+            <a:p>
+              <a:pPr algn="ctr"/>
+              <a:endParaRPr lang="en-US"/>
+            </a:p>
+          </p:txBody>
+        </p:sp>
+        <p:sp>
+          <p:nvSpPr>
+            <p:cNvPr id="12" name="Rectangle 11">
+              <a:extLst>
+                <a:ext uri="{FF2B5EF4-FFF2-40B4-BE49-F238E27FC236}">
+                  <a16:creationId xmlns:a16="http://schemas.microsoft.com/office/drawing/2014/main" id="{0EF75023-9A3B-42FC-B704-61A8F7BEF415}"/>
+                </a:ext>
+                <a:ext uri="{C183D7F6-B498-43B3-948B-1728B52AA6E4}">
+                  <adec:decorative xmlns:adec="http://schemas.microsoft.com/office/drawing/2017/decorative" val="1"/>
+                </a:ext>
+              </a:extLst>
+            </p:cNvPr>
+            <p:cNvSpPr/>
+            <p:nvPr>
+              <p:extLst>
+                <p:ext uri="{386F3935-93C4-4BCD-93E2-E3B085C9AB24}">
+                  <p16:designElem xmlns:p16="http://schemas.microsoft.com/office/powerpoint/2015/main" val="1"/>
+                </p:ext>
+              </p:extLst>
+            </p:nvPr>
+          </p:nvSpPr>
+          <p:spPr>
+            <a:xfrm flipH="1" flipV="1">
+              <a:off x="6081624" y="1998844"/>
+              <a:ext cx="5372968" cy="781699"/>
+            </a:xfrm>
+            <a:prstGeom prst="rect">
+              <a:avLst/>
+            </a:prstGeom>
+            <a:grpFill/>
+            <a:ln>
+              <a:noFill/>
+            </a:ln>
+          </p:spPr>
+          <p:style>
+            <a:lnRef idx="2">
+              <a:schemeClr val="accent1">
+                <a:shade val="50000"/>
+              </a:schemeClr>
+            </a:lnRef>
+            <a:fillRef idx="1">
+              <a:schemeClr val="accent1"/>
+            </a:fillRef>
+            <a:effectRef idx="0">
+              <a:schemeClr val="accent1"/>
+            </a:effectRef>
+            <a:fontRef idx="minor">
+              <a:schemeClr val="lt1"/>
+            </a:fontRef>
+          </p:style>
+          <p:txBody>
+            <a:bodyPr rtlCol="0" anchor="ctr"/>
+            <a:lstStyle/>
+            <a:p>
+              <a:pPr algn="ctr"/>
+              <a:endParaRPr lang="en-US"/>
+            </a:p>
+          </p:txBody>
+        </p:sp>
+      </p:grpSp>
+      <p:sp>
+        <p:nvSpPr>
+          <p:cNvPr id="19" name="Rectangle 13">
+            <a:extLst>
+              <a:ext uri="{FF2B5EF4-FFF2-40B4-BE49-F238E27FC236}">
+                <a16:creationId xmlns:a16="http://schemas.microsoft.com/office/drawing/2014/main" id="{CBC4F608-B4B8-48C3-9572-C0F061B1CD99}"/>
+              </a:ext>
+              <a:ext uri="{C183D7F6-B498-43B3-948B-1728B52AA6E4}">
+                <adec:decorative xmlns:adec="http://schemas.microsoft.com/office/drawing/2017/decorative" val="1"/>
+              </a:ext>
+            </a:extLst>
+          </p:cNvPr>
+          <p:cNvSpPr>
+            <a:spLocks noGrp="1" noRot="1" noChangeAspect="1" noMove="1" noResize="1" noEditPoints="1" noAdjustHandles="1" noChangeArrowheads="1" noChangeShapeType="1" noTextEdit="1"/>
+          </p:cNvSpPr>
+          <p:nvPr>
+            <p:extLst>
+              <p:ext uri="{386F3935-93C4-4BCD-93E2-E3B085C9AB24}">
+                <p16:designElem xmlns:p16="http://schemas.microsoft.com/office/powerpoint/2015/main" val="1"/>
+              </p:ext>
+            </p:extLst>
+          </p:nvPr>
+        </p:nvSpPr>
+        <p:spPr>
+          <a:xfrm>
+            <a:off x="579528" y="922919"/>
+            <a:ext cx="11111729" cy="5461252"/>
+          </a:xfrm>
+          <a:prstGeom prst="rect">
+            <a:avLst/>
+          </a:prstGeom>
+          <a:solidFill>
+            <a:schemeClr val="bg1"/>
+          </a:solidFill>
+          <a:ln>
+            <a:noFill/>
+          </a:ln>
+          <a:effectLst>
+            <a:outerShdw blurRad="139700" dist="127000" dir="5400000" algn="t" rotWithShape="0">
+              <a:prstClr val="black">
+                <a:alpha val="15000"/>
+              </a:prstClr>
+            </a:outerShdw>
+          </a:effectLst>
+        </p:spPr>
+        <p:style>
+          <a:lnRef idx="2">
+            <a:schemeClr val="accent1">
+              <a:shade val="50000"/>
+            </a:schemeClr>
+          </a:lnRef>
+          <a:fillRef idx="1">
+            <a:schemeClr val="accent1"/>
+          </a:fillRef>
+          <a:effectRef idx="0">
+            <a:schemeClr val="accent1"/>
+          </a:effectRef>
+          <a:fontRef idx="minor">
+            <a:schemeClr val="lt1"/>
+          </a:fontRef>
+        </p:style>
+        <p:txBody>
+          <a:bodyPr rtlCol="0" anchor="ctr"/>
+          <a:lstStyle/>
+          <a:p>
+            <a:pPr algn="ctr"/>
+            <a:endParaRPr lang="en-US"/>
+          </a:p>
+        </p:txBody>
+      </p:sp>
       <p:sp>
         <p:nvSpPr>
           <p:cNvPr id="2" name="Title 1">
@@ -5931,13 +10610,20 @@
             <p:ph type="title"/>
           </p:nvPr>
         </p:nvSpPr>
-        <p:spPr/>
-        <p:txBody>
-          <a:bodyPr/>
-          <a:lstStyle/>
-          <a:p>
-            <a:r>
-              <a:rPr lang="en-CA" dirty="0"/>
+        <p:spPr>
+          <a:xfrm>
+            <a:off x="1282963" y="1238080"/>
+            <a:ext cx="9849751" cy="1349671"/>
+          </a:xfrm>
+        </p:spPr>
+        <p:txBody>
+          <a:bodyPr anchor="b">
+            <a:normAutofit/>
+          </a:bodyPr>
+          <a:lstStyle/>
+          <a:p>
+            <a:r>
+              <a:rPr lang="en-CA" sz="5400"/>
               <a:t>Limitations &amp; Future Analysis</a:t>
             </a:r>
           </a:p>
@@ -5959,54 +10645,68 @@
             <p:ph idx="1"/>
           </p:nvPr>
         </p:nvSpPr>
-        <p:spPr/>
-        <p:txBody>
-          <a:bodyPr/>
-          <a:lstStyle/>
-          <a:p>
-            <a:r>
-              <a:rPr lang="en-CA" dirty="0"/>
+        <p:spPr>
+          <a:xfrm>
+            <a:off x="1289304" y="2902913"/>
+            <a:ext cx="9849751" cy="3032168"/>
+          </a:xfrm>
+        </p:spPr>
+        <p:txBody>
+          <a:bodyPr anchor="ctr">
+            <a:normAutofit/>
+          </a:bodyPr>
+          <a:lstStyle/>
+          <a:p>
+            <a:r>
+              <a:rPr lang="en-CA" sz="1900"/>
               <a:t>In regards to the PDIAD metrics used in this analysis, the following additional data would supplement the scoring process:</a:t>
             </a:r>
           </a:p>
           <a:p>
             <a:r>
-              <a:rPr lang="en-CA" dirty="0"/>
+              <a:rPr lang="en-CA" sz="1900"/>
               <a:t>Rushing:</a:t>
             </a:r>
           </a:p>
           <a:p>
             <a:pPr lvl="1"/>
             <a:r>
-              <a:rPr lang="en-CA" dirty="0"/>
+              <a:rPr lang="en-CA" sz="1900"/>
               <a:t>If designed gap was not used, what would it have been?</a:t>
             </a:r>
           </a:p>
           <a:p>
             <a:pPr lvl="1"/>
             <a:r>
-              <a:rPr lang="en-CA" dirty="0"/>
+              <a:rPr lang="en-CA" sz="1900"/>
               <a:t>X,Y Coordinates of each player</a:t>
             </a:r>
           </a:p>
           <a:p>
             <a:r>
-              <a:rPr lang="en-CA" dirty="0"/>
+              <a:rPr lang="en-CA" sz="1900"/>
               <a:t>Passing:</a:t>
             </a:r>
           </a:p>
           <a:p>
             <a:pPr lvl="1"/>
             <a:r>
-              <a:rPr lang="en-CA" dirty="0"/>
+              <a:rPr lang="en-CA" sz="1900"/>
               <a:t>Time to throw</a:t>
             </a:r>
           </a:p>
           <a:p>
             <a:pPr lvl="1"/>
             <a:r>
-              <a:rPr lang="en-CA" dirty="0"/>
+              <a:rPr lang="en-CA" sz="1900"/>
               <a:t>Angle of pass release to determine which defensive positions are nearby</a:t>
+            </a:r>
+          </a:p>
+          <a:p>
+            <a:pPr lvl="1"/>
+            <a:r>
+              <a:rPr lang="en-CA" sz="1900"/>
+              <a:t>Did the QB leave the pocket? Was it schematic?</a:t>
             </a:r>
           </a:p>
         </p:txBody>
@@ -6027,6 +10727,14 @@
 <file path=ppt/slides/slide3.xml><?xml version="1.0" encoding="utf-8"?>
 <p:sld xmlns:a="http://schemas.openxmlformats.org/drawingml/2006/main" xmlns:r="http://schemas.openxmlformats.org/officeDocument/2006/relationships" xmlns:p="http://schemas.openxmlformats.org/presentationml/2006/main">
   <p:cSld>
+    <p:bg>
+      <p:bgPr>
+        <a:solidFill>
+          <a:schemeClr val="bg1"/>
+        </a:solidFill>
+        <a:effectLst/>
+      </p:bgPr>
+    </p:bg>
     <p:spTree>
       <p:nvGrpSpPr>
         <p:cNvPr id="1" name=""/>
@@ -6041,36 +10749,436 @@
           <a:chExt cx="0" cy="0"/>
         </a:xfrm>
       </p:grpSpPr>
-      <p:sp>
-        <p:nvSpPr>
-          <p:cNvPr id="2" name="Title 1">
-            <a:extLst>
-              <a:ext uri="{FF2B5EF4-FFF2-40B4-BE49-F238E27FC236}">
-                <a16:creationId xmlns:a16="http://schemas.microsoft.com/office/drawing/2014/main" id="{0C7B21B5-8F6E-4340-B945-BC789D4E7510}"/>
-              </a:ext>
-            </a:extLst>
-          </p:cNvPr>
-          <p:cNvSpPr>
-            <a:spLocks noGrp="1"/>
-          </p:cNvSpPr>
-          <p:nvPr>
-            <p:ph type="title"/>
+      <p:sp useBgFill="1">
+        <p:nvSpPr>
+          <p:cNvPr id="28" name="Rectangle 15">
+            <a:extLst>
+              <a:ext uri="{FF2B5EF4-FFF2-40B4-BE49-F238E27FC236}">
+                <a16:creationId xmlns:a16="http://schemas.microsoft.com/office/drawing/2014/main" id="{117AB3D3-3C9C-4DED-809A-78734805B895}"/>
+              </a:ext>
+              <a:ext uri="{C183D7F6-B498-43B3-948B-1728B52AA6E4}">
+                <adec:decorative xmlns:adec="http://schemas.microsoft.com/office/drawing/2017/decorative" val="1"/>
+              </a:ext>
+            </a:extLst>
+          </p:cNvPr>
+          <p:cNvSpPr>
+            <a:spLocks noGrp="1" noRot="1" noChangeAspect="1" noMove="1" noResize="1" noEditPoints="1" noAdjustHandles="1" noChangeArrowheads="1" noChangeShapeType="1" noTextEdit="1"/>
+          </p:cNvSpPr>
+          <p:nvPr>
+            <p:extLst>
+              <p:ext uri="{386F3935-93C4-4BCD-93E2-E3B085C9AB24}">
+                <p16:designElem xmlns:p16="http://schemas.microsoft.com/office/powerpoint/2015/main" val="1"/>
+              </p:ext>
+            </p:extLst>
           </p:nvPr>
         </p:nvSpPr>
         <p:spPr>
           <a:xfrm>
-            <a:off x="839788" y="628608"/>
-            <a:ext cx="3932237" cy="599504"/>
+            <a:off x="0" y="0"/>
+            <a:ext cx="12191999" cy="6857365"/>
+          </a:xfrm>
+          <a:prstGeom prst="rect">
+            <a:avLst/>
+          </a:prstGeom>
+          <a:ln>
+            <a:noFill/>
+          </a:ln>
+        </p:spPr>
+        <p:style>
+          <a:lnRef idx="2">
+            <a:schemeClr val="accent1">
+              <a:shade val="50000"/>
+            </a:schemeClr>
+          </a:lnRef>
+          <a:fillRef idx="1">
+            <a:schemeClr val="accent1"/>
+          </a:fillRef>
+          <a:effectRef idx="0">
+            <a:schemeClr val="accent1"/>
+          </a:effectRef>
+          <a:fontRef idx="minor">
+            <a:schemeClr val="lt1"/>
+          </a:fontRef>
+        </p:style>
+        <p:txBody>
+          <a:bodyPr rtlCol="0" anchor="ctr"/>
+          <a:lstStyle/>
+          <a:p>
+            <a:pPr algn="ctr"/>
+            <a:endParaRPr lang="en-US"/>
+          </a:p>
+        </p:txBody>
+      </p:sp>
+      <p:sp>
+        <p:nvSpPr>
+          <p:cNvPr id="2" name="Title 1">
+            <a:extLst>
+              <a:ext uri="{FF2B5EF4-FFF2-40B4-BE49-F238E27FC236}">
+                <a16:creationId xmlns:a16="http://schemas.microsoft.com/office/drawing/2014/main" id="{0C7B21B5-8F6E-4340-B945-BC789D4E7510}"/>
+              </a:ext>
+            </a:extLst>
+          </p:cNvPr>
+          <p:cNvSpPr>
+            <a:spLocks noGrp="1"/>
+          </p:cNvSpPr>
+          <p:nvPr>
+            <p:ph type="title"/>
+          </p:nvPr>
+        </p:nvSpPr>
+        <p:spPr>
+          <a:xfrm>
+            <a:off x="793662" y="386930"/>
+            <a:ext cx="10066122" cy="1298448"/>
           </a:xfrm>
         </p:spPr>
         <p:txBody>
-          <a:bodyPr/>
+          <a:bodyPr vert="horz" lIns="91440" tIns="45720" rIns="91440" bIns="45720" rtlCol="0" anchor="b">
+            <a:normAutofit/>
+          </a:bodyPr>
+          <a:lstStyle/>
+          <a:p>
+            <a:r>
+              <a:rPr lang="en-US" sz="4800" dirty="0"/>
+              <a:t>Evaluation Metrics</a:t>
+            </a:r>
+          </a:p>
+        </p:txBody>
+      </p:sp>
+      <p:sp>
+        <p:nvSpPr>
+          <p:cNvPr id="29" name="Rectangle 17">
+            <a:extLst>
+              <a:ext uri="{FF2B5EF4-FFF2-40B4-BE49-F238E27FC236}">
+                <a16:creationId xmlns:a16="http://schemas.microsoft.com/office/drawing/2014/main" id="{3A9A4357-BD1D-4622-A4FE-766E6AB8DE84}"/>
+              </a:ext>
+              <a:ext uri="{C183D7F6-B498-43B3-948B-1728B52AA6E4}">
+                <adec:decorative xmlns:adec="http://schemas.microsoft.com/office/drawing/2017/decorative" val="1"/>
+              </a:ext>
+            </a:extLst>
+          </p:cNvPr>
+          <p:cNvSpPr>
+            <a:spLocks noGrp="1" noRot="1" noChangeAspect="1" noMove="1" noResize="1" noEditPoints="1" noAdjustHandles="1" noChangeArrowheads="1" noChangeShapeType="1" noTextEdit="1"/>
+          </p:cNvSpPr>
+          <p:nvPr>
+            <p:extLst>
+              <p:ext uri="{386F3935-93C4-4BCD-93E2-E3B085C9AB24}">
+                <p16:designElem xmlns:p16="http://schemas.microsoft.com/office/powerpoint/2015/main" val="1"/>
+              </p:ext>
+            </p:extLst>
+          </p:nvPr>
+        </p:nvSpPr>
+        <p:spPr>
+          <a:xfrm flipH="1" flipV="1">
+            <a:off x="-2" y="1998845"/>
+            <a:ext cx="11454595" cy="781699"/>
+          </a:xfrm>
+          <a:prstGeom prst="rect">
+            <a:avLst/>
+          </a:prstGeom>
+          <a:solidFill>
+            <a:schemeClr val="accent4"/>
+          </a:solidFill>
+          <a:ln>
+            <a:noFill/>
+          </a:ln>
+        </p:spPr>
+        <p:style>
+          <a:lnRef idx="2">
+            <a:schemeClr val="accent1">
+              <a:shade val="50000"/>
+            </a:schemeClr>
+          </a:lnRef>
+          <a:fillRef idx="1">
+            <a:schemeClr val="accent1"/>
+          </a:fillRef>
+          <a:effectRef idx="0">
+            <a:schemeClr val="accent1"/>
+          </a:effectRef>
+          <a:fontRef idx="minor">
+            <a:schemeClr val="lt1"/>
+          </a:fontRef>
+        </p:style>
+        <p:txBody>
+          <a:bodyPr rtlCol="0" anchor="ctr"/>
           <a:lstStyle/>
           <a:p>
             <a:pPr algn="ctr"/>
-            <a:r>
-              <a:rPr lang="en-CA" dirty="0"/>
-              <a:t>Evaluation Metrics</a:t>
+            <a:endParaRPr lang="en-US"/>
+          </a:p>
+        </p:txBody>
+      </p:sp>
+      <p:sp>
+        <p:nvSpPr>
+          <p:cNvPr id="30" name="Rectangle 19">
+            <a:extLst>
+              <a:ext uri="{FF2B5EF4-FFF2-40B4-BE49-F238E27FC236}">
+                <a16:creationId xmlns:a16="http://schemas.microsoft.com/office/drawing/2014/main" id="{E659831F-0D9A-4C63-9EBB-8435B85A440F}"/>
+              </a:ext>
+              <a:ext uri="{C183D7F6-B498-43B3-948B-1728B52AA6E4}">
+                <adec:decorative xmlns:adec="http://schemas.microsoft.com/office/drawing/2017/decorative" val="1"/>
+              </a:ext>
+            </a:extLst>
+          </p:cNvPr>
+          <p:cNvSpPr>
+            <a:spLocks noGrp="1" noRot="1" noChangeAspect="1" noMove="1" noResize="1" noEditPoints="1" noAdjustHandles="1" noChangeArrowheads="1" noChangeShapeType="1" noTextEdit="1"/>
+          </p:cNvSpPr>
+          <p:nvPr>
+            <p:extLst>
+              <p:ext uri="{386F3935-93C4-4BCD-93E2-E3B085C9AB24}">
+                <p16:designElem xmlns:p16="http://schemas.microsoft.com/office/powerpoint/2015/main" val="1"/>
+              </p:ext>
+            </p:extLst>
+          </p:nvPr>
+        </p:nvSpPr>
+        <p:spPr>
+          <a:xfrm>
+            <a:off x="0" y="2203079"/>
+            <a:ext cx="11383362" cy="4267991"/>
+          </a:xfrm>
+          <a:prstGeom prst="rect">
+            <a:avLst/>
+          </a:prstGeom>
+          <a:solidFill>
+            <a:schemeClr val="bg1"/>
+          </a:solidFill>
+          <a:ln>
+            <a:noFill/>
+          </a:ln>
+          <a:effectLst>
+            <a:outerShdw blurRad="139700" dist="127000" dir="5400000" algn="t" rotWithShape="0">
+              <a:prstClr val="black">
+                <a:alpha val="15000"/>
+              </a:prstClr>
+            </a:outerShdw>
+          </a:effectLst>
+        </p:spPr>
+        <p:style>
+          <a:lnRef idx="2">
+            <a:schemeClr val="accent1">
+              <a:shade val="50000"/>
+            </a:schemeClr>
+          </a:lnRef>
+          <a:fillRef idx="1">
+            <a:schemeClr val="accent1"/>
+          </a:fillRef>
+          <a:effectRef idx="0">
+            <a:schemeClr val="accent1"/>
+          </a:effectRef>
+          <a:fontRef idx="minor">
+            <a:schemeClr val="lt1"/>
+          </a:fontRef>
+        </p:style>
+        <p:txBody>
+          <a:bodyPr rtlCol="0" anchor="ctr"/>
+          <a:lstStyle/>
+          <a:p>
+            <a:pPr algn="ctr"/>
+            <a:endParaRPr lang="en-US"/>
+          </a:p>
+        </p:txBody>
+      </p:sp>
+      <p:sp>
+        <p:nvSpPr>
+          <p:cNvPr id="3" name="Content Placeholder 2">
+            <a:extLst>
+              <a:ext uri="{FF2B5EF4-FFF2-40B4-BE49-F238E27FC236}">
+                <a16:creationId xmlns:a16="http://schemas.microsoft.com/office/drawing/2014/main" id="{59BF1660-54F9-499A-ABD8-9BC1932EBBDB}"/>
+              </a:ext>
+            </a:extLst>
+          </p:cNvPr>
+          <p:cNvSpPr>
+            <a:spLocks noGrp="1"/>
+          </p:cNvSpPr>
+          <p:nvPr>
+            <p:ph type="body" sz="half" idx="2"/>
+          </p:nvPr>
+        </p:nvSpPr>
+        <p:spPr>
+          <a:xfrm>
+            <a:off x="793661" y="2252144"/>
+            <a:ext cx="4530898" cy="3986815"/>
+          </a:xfrm>
+        </p:spPr>
+        <p:txBody>
+          <a:bodyPr vert="horz" lIns="91440" tIns="45720" rIns="91440" bIns="45720" rtlCol="0" anchor="ctr">
+            <a:normAutofit/>
+          </a:bodyPr>
+          <a:lstStyle/>
+          <a:p>
+            <a:pPr indent="-228600">
+              <a:buFont typeface="Arial" panose="020B0604020202020204" pitchFamily="34" charset="0"/>
+              <a:buChar char="•"/>
+            </a:pPr>
+            <a:r>
+              <a:rPr lang="en-US" sz="1000" dirty="0"/>
+              <a:t>Metric Breakdown:</a:t>
+            </a:r>
+          </a:p>
+          <a:p>
+            <a:pPr marL="742950" lvl="1" indent="-228600">
+              <a:buFont typeface="Arial" panose="020B0604020202020204" pitchFamily="34" charset="0"/>
+              <a:buChar char="•"/>
+            </a:pPr>
+            <a:r>
+              <a:rPr lang="en-US" sz="1000" dirty="0"/>
+              <a:t>DIA – Defensive Impact Average</a:t>
+            </a:r>
+          </a:p>
+          <a:p>
+            <a:pPr marL="1085850" lvl="2" indent="-228600">
+              <a:buFont typeface="Arial" panose="020B0604020202020204" pitchFamily="34" charset="0"/>
+              <a:buChar char="•"/>
+            </a:pPr>
+            <a:r>
+              <a:rPr lang="en-US" sz="1000" dirty="0"/>
+              <a:t>Average of DIRA &amp; DIPA</a:t>
+            </a:r>
+            <a:br>
+              <a:rPr lang="en-US" sz="1000" dirty="0"/>
+            </a:br>
+            <a:endParaRPr lang="en-US" sz="1000" dirty="0"/>
+          </a:p>
+          <a:p>
+            <a:pPr marL="742950" lvl="1" indent="-228600">
+              <a:buFont typeface="Arial" panose="020B0604020202020204" pitchFamily="34" charset="0"/>
+              <a:buChar char="•"/>
+            </a:pPr>
+            <a:r>
+              <a:rPr lang="en-US" sz="1000" dirty="0"/>
+              <a:t>DIRWA – Defensive Impact Rush Weighted Average</a:t>
+            </a:r>
+          </a:p>
+          <a:p>
+            <a:pPr marL="1085850" lvl="2" indent="-228600">
+              <a:buFont typeface="Arial" panose="020B0604020202020204" pitchFamily="34" charset="0"/>
+              <a:buChar char="•"/>
+            </a:pPr>
+            <a:r>
+              <a:rPr lang="en-US" sz="1000" dirty="0"/>
+              <a:t>Weighted Average of PDIRA</a:t>
+            </a:r>
+            <a:br>
+              <a:rPr lang="en-US" sz="1000" dirty="0"/>
+            </a:br>
+            <a:endParaRPr lang="en-US" sz="1000" dirty="0"/>
+          </a:p>
+          <a:p>
+            <a:pPr marL="742950" lvl="1" indent="-228600">
+              <a:buFont typeface="Arial" panose="020B0604020202020204" pitchFamily="34" charset="0"/>
+              <a:buChar char="•"/>
+            </a:pPr>
+            <a:r>
+              <a:rPr lang="en-US" sz="1000" dirty="0"/>
+              <a:t>DIPWA – Defensive Impact Pass Weighted Average</a:t>
+            </a:r>
+          </a:p>
+          <a:p>
+            <a:pPr marL="1085850" lvl="2" indent="-228600">
+              <a:buFont typeface="Arial" panose="020B0604020202020204" pitchFamily="34" charset="0"/>
+              <a:buChar char="•"/>
+            </a:pPr>
+            <a:r>
+              <a:rPr lang="en-US" sz="1000" dirty="0"/>
+              <a:t>Weighted Average of PDIPA</a:t>
+            </a:r>
+            <a:br>
+              <a:rPr lang="en-US" sz="1000" dirty="0"/>
+            </a:br>
+            <a:endParaRPr lang="en-US" sz="1000" dirty="0"/>
+          </a:p>
+          <a:p>
+            <a:pPr marL="742950" lvl="1" indent="-228600">
+              <a:buFont typeface="Arial" panose="020B0604020202020204" pitchFamily="34" charset="0"/>
+              <a:buChar char="•"/>
+            </a:pPr>
+            <a:r>
+              <a:rPr lang="en-US" sz="1000" dirty="0"/>
+              <a:t>PDIWA – Positional Defensive Impact Weighted Average</a:t>
+            </a:r>
+          </a:p>
+          <a:p>
+            <a:pPr marL="1085850" lvl="2" indent="-228600">
+              <a:buFont typeface="Arial" panose="020B0604020202020204" pitchFamily="34" charset="0"/>
+              <a:buChar char="•"/>
+            </a:pPr>
+            <a:r>
+              <a:rPr lang="en-US" sz="1000" dirty="0"/>
+              <a:t>Average of PDIRA &amp; PDIPA</a:t>
+            </a:r>
+            <a:br>
+              <a:rPr lang="en-US" sz="1000" dirty="0"/>
+            </a:br>
+            <a:endParaRPr lang="en-US" sz="1000" dirty="0"/>
+          </a:p>
+          <a:p>
+            <a:pPr marL="742950" lvl="1" indent="-228600">
+              <a:buFont typeface="Arial" panose="020B0604020202020204" pitchFamily="34" charset="0"/>
+              <a:buChar char="•"/>
+            </a:pPr>
+            <a:r>
+              <a:rPr lang="en-US" sz="1000" dirty="0"/>
+              <a:t>PDIRA – Positional Defensive Impact Rush Average</a:t>
+            </a:r>
+          </a:p>
+          <a:p>
+            <a:pPr marL="1085850" lvl="2" indent="-228600">
+              <a:buFont typeface="Arial" panose="020B0604020202020204" pitchFamily="34" charset="0"/>
+              <a:buChar char="•"/>
+            </a:pPr>
+            <a:r>
+              <a:rPr lang="en-US" sz="1000" dirty="0"/>
+              <a:t>Average score of impact on rushing plays </a:t>
+            </a:r>
+            <a:br>
+              <a:rPr lang="en-US" sz="1000" dirty="0"/>
+            </a:br>
+            <a:endParaRPr lang="en-US" sz="1000" dirty="0"/>
+          </a:p>
+          <a:p>
+            <a:pPr marL="742950" lvl="1" indent="-228600">
+              <a:buFont typeface="Arial" panose="020B0604020202020204" pitchFamily="34" charset="0"/>
+              <a:buChar char="•"/>
+            </a:pPr>
+            <a:r>
+              <a:rPr lang="en-US" sz="1000" dirty="0"/>
+              <a:t>PDIPA – Positional Defensive Impact Pass Average</a:t>
+            </a:r>
+          </a:p>
+          <a:p>
+            <a:pPr marL="1085850" lvl="2" indent="-228600">
+              <a:buFont typeface="Arial" panose="020B0604020202020204" pitchFamily="34" charset="0"/>
+              <a:buChar char="•"/>
+            </a:pPr>
+            <a:r>
+              <a:rPr lang="en-US" sz="1000" dirty="0"/>
+              <a:t>Average score of impact on passing plays</a:t>
+            </a:r>
+            <a:br>
+              <a:rPr lang="en-US" sz="1000" dirty="0"/>
+            </a:br>
+            <a:r>
+              <a:rPr lang="en-US" sz="1000" dirty="0"/>
+              <a:t>		</a:t>
+            </a:r>
+          </a:p>
+          <a:p>
+            <a:pPr marL="742950" lvl="1" indent="-228600">
+              <a:buFont typeface="Arial" panose="020B0604020202020204" pitchFamily="34" charset="0"/>
+              <a:buChar char="•"/>
+            </a:pPr>
+            <a:r>
+              <a:rPr lang="en-US" sz="1000" dirty="0"/>
+              <a:t>PDIAD – Positional Defensive Impact Average Differential</a:t>
+            </a:r>
+          </a:p>
+          <a:p>
+            <a:pPr marL="1085850" lvl="2" indent="-228600">
+              <a:buFont typeface="Arial" panose="020B0604020202020204" pitchFamily="34" charset="0"/>
+              <a:buChar char="•"/>
+            </a:pPr>
+            <a:r>
+              <a:rPr lang="en-US" sz="1000" dirty="0"/>
+              <a:t>Difference between PDIWA &amp; DIA</a:t>
             </a:r>
           </a:p>
         </p:txBody>
@@ -6099,218 +11207,79 @@
               </a:ext>
             </a:extLst>
           </a:blip>
-          <a:srcRect l="-131" r="-131"/>
+          <a:srcRect t="-1756" r="2" b="-6847"/>
           <a:stretch/>
         </p:blipFill>
         <p:spPr>
           <a:xfrm>
-            <a:off x="6096000" y="1717316"/>
-            <a:ext cx="5257884" cy="4151672"/>
+            <a:off x="5778470" y="2381250"/>
+            <a:ext cx="5283340" cy="4089819"/>
           </a:xfrm>
+          <a:prstGeom prst="rect">
+            <a:avLst/>
+          </a:prstGeom>
         </p:spPr>
       </p:pic>
       <p:sp>
         <p:nvSpPr>
-          <p:cNvPr id="3" name="Content Placeholder 2">
-            <a:extLst>
-              <a:ext uri="{FF2B5EF4-FFF2-40B4-BE49-F238E27FC236}">
-                <a16:creationId xmlns:a16="http://schemas.microsoft.com/office/drawing/2014/main" id="{59BF1660-54F9-499A-ABD8-9BC1932EBBDB}"/>
-              </a:ext>
-            </a:extLst>
-          </p:cNvPr>
-          <p:cNvSpPr>
-            <a:spLocks noGrp="1"/>
-          </p:cNvSpPr>
-          <p:nvPr>
-            <p:ph type="body" sz="half" idx="2"/>
+          <p:cNvPr id="31" name="Rectangle 21">
+            <a:extLst>
+              <a:ext uri="{FF2B5EF4-FFF2-40B4-BE49-F238E27FC236}">
+                <a16:creationId xmlns:a16="http://schemas.microsoft.com/office/drawing/2014/main" id="{E6995CE5-F890-4ABA-82A2-26507CE8D2A3}"/>
+              </a:ext>
+              <a:ext uri="{C183D7F6-B498-43B3-948B-1728B52AA6E4}">
+                <adec:decorative xmlns:adec="http://schemas.microsoft.com/office/drawing/2017/decorative" val="1"/>
+              </a:ext>
+            </a:extLst>
+          </p:cNvPr>
+          <p:cNvSpPr>
+            <a:spLocks noGrp="1" noRot="1" noChangeAspect="1" noMove="1" noResize="1" noEditPoints="1" noAdjustHandles="1" noChangeArrowheads="1" noChangeShapeType="1" noTextEdit="1"/>
+          </p:cNvSpPr>
+          <p:nvPr>
+            <p:extLst>
+              <p:ext uri="{386F3935-93C4-4BCD-93E2-E3B085C9AB24}">
+                <p16:designElem xmlns:p16="http://schemas.microsoft.com/office/powerpoint/2015/main" val="1"/>
+              </p:ext>
+            </p:extLst>
           </p:nvPr>
         </p:nvSpPr>
         <p:spPr>
-          <a:xfrm>
-            <a:off x="841460" y="1717316"/>
-            <a:ext cx="5332412" cy="4512076"/>
+          <a:xfrm rot="5400000">
+            <a:off x="11228040" y="2313027"/>
+            <a:ext cx="781700" cy="152382"/>
           </a:xfrm>
+          <a:prstGeom prst="rect">
+            <a:avLst/>
+          </a:prstGeom>
+          <a:solidFill>
+            <a:schemeClr val="accent4"/>
+          </a:solidFill>
+          <a:ln>
+            <a:noFill/>
+          </a:ln>
         </p:spPr>
-        <p:txBody>
-          <a:bodyPr>
-            <a:normAutofit fontScale="92500" lnSpcReduction="10000"/>
-          </a:bodyPr>
-          <a:lstStyle/>
-          <a:p>
-            <a:r>
-              <a:rPr lang="en-CA" dirty="0"/>
-              <a:t>Metric Breakdown:</a:t>
-            </a:r>
-          </a:p>
-          <a:p>
-            <a:endParaRPr lang="en-CA" dirty="0"/>
-          </a:p>
-          <a:p>
-            <a:pPr marL="742950" lvl="1" indent="-285750">
-              <a:buFont typeface="Arial" panose="020B0604020202020204" pitchFamily="34" charset="0"/>
-              <a:buChar char="•"/>
-            </a:pPr>
-            <a:r>
-              <a:rPr lang="en-CA" dirty="0"/>
-              <a:t>DIA – Defensive Impact Average</a:t>
-            </a:r>
-          </a:p>
-          <a:p>
-            <a:pPr marL="1085850" lvl="2" indent="-171450">
-              <a:buFont typeface="Courier New" panose="02070309020205020404" pitchFamily="49" charset="0"/>
-              <a:buChar char="o"/>
-            </a:pPr>
-            <a:r>
-              <a:rPr lang="en-CA" dirty="0"/>
-              <a:t>Average of DIRA &amp; DIPA</a:t>
-            </a:r>
-            <a:br>
-              <a:rPr lang="en-CA" dirty="0"/>
-            </a:br>
-            <a:endParaRPr lang="en-CA" dirty="0"/>
-          </a:p>
-          <a:p>
-            <a:pPr marL="742950" lvl="1" indent="-285750">
-              <a:buFont typeface="Arial" panose="020B0604020202020204" pitchFamily="34" charset="0"/>
-              <a:buChar char="•"/>
-            </a:pPr>
-            <a:r>
-              <a:rPr lang="en-CA" dirty="0"/>
-              <a:t>DIRWA – Defensive Impact Rush Weighted Average</a:t>
-            </a:r>
-          </a:p>
-          <a:p>
-            <a:pPr marL="1085850" lvl="2" indent="-171450">
-              <a:buFont typeface="Courier New" panose="02070309020205020404" pitchFamily="49" charset="0"/>
-              <a:buChar char="o"/>
-            </a:pPr>
-            <a:r>
-              <a:rPr lang="en-CA" dirty="0"/>
-              <a:t>Weighted Average of PDIRA</a:t>
-            </a:r>
-            <a:br>
-              <a:rPr lang="en-CA" dirty="0"/>
-            </a:br>
-            <a:endParaRPr lang="en-CA" dirty="0"/>
-          </a:p>
-          <a:p>
-            <a:pPr marL="742950" lvl="1" indent="-285750">
-              <a:buFont typeface="Arial" panose="020B0604020202020204" pitchFamily="34" charset="0"/>
-              <a:buChar char="•"/>
-            </a:pPr>
-            <a:r>
-              <a:rPr lang="en-CA" dirty="0"/>
-              <a:t>DIPWA – Defensive Impact Pass Weighted Average</a:t>
-            </a:r>
-          </a:p>
-          <a:p>
-            <a:pPr marL="1085850" lvl="2" indent="-171450">
-              <a:buFont typeface="Courier New" panose="02070309020205020404" pitchFamily="49" charset="0"/>
-              <a:buChar char="o"/>
-            </a:pPr>
-            <a:r>
-              <a:rPr lang="en-CA" dirty="0"/>
-              <a:t>Weighted Average of PDIPA</a:t>
-            </a:r>
-            <a:br>
-              <a:rPr lang="en-CA" dirty="0"/>
-            </a:br>
-            <a:endParaRPr lang="en-CA" dirty="0"/>
-          </a:p>
-          <a:p>
-            <a:pPr marL="742950" lvl="1" indent="-285750">
-              <a:buFont typeface="Arial" panose="020B0604020202020204" pitchFamily="34" charset="0"/>
-              <a:buChar char="•"/>
-            </a:pPr>
-            <a:r>
-              <a:rPr lang="en-CA" dirty="0"/>
-              <a:t>PDIWA – Positional Defensive Impact Weighted Average</a:t>
-            </a:r>
-          </a:p>
-          <a:p>
-            <a:pPr marL="1085850" lvl="2" indent="-171450">
-              <a:buFont typeface="Courier New" panose="02070309020205020404" pitchFamily="49" charset="0"/>
-              <a:buChar char="o"/>
-            </a:pPr>
-            <a:r>
-              <a:rPr lang="en-CA" dirty="0"/>
-              <a:t>Average of PDIRA &amp; PDIPA</a:t>
-            </a:r>
-            <a:br>
-              <a:rPr lang="en-CA" dirty="0"/>
-            </a:br>
-            <a:endParaRPr lang="en-CA" dirty="0"/>
-          </a:p>
-          <a:p>
-            <a:pPr marL="742950" lvl="1" indent="-285750">
-              <a:buFont typeface="Arial" panose="020B0604020202020204" pitchFamily="34" charset="0"/>
-              <a:buChar char="•"/>
-            </a:pPr>
-            <a:r>
-              <a:rPr lang="en-CA" dirty="0"/>
-              <a:t>PDIRA – Positional Defensive Impact Rush Average</a:t>
-            </a:r>
-          </a:p>
-          <a:p>
-            <a:pPr marL="1085850" lvl="2" indent="-171450">
-              <a:buFont typeface="Courier New" panose="02070309020205020404" pitchFamily="49" charset="0"/>
-              <a:buChar char="o"/>
-            </a:pPr>
-            <a:r>
-              <a:rPr lang="en-CA" dirty="0"/>
-              <a:t>Average score for impact on rushing plays </a:t>
-            </a:r>
-            <a:br>
-              <a:rPr lang="en-CA" dirty="0"/>
-            </a:br>
-            <a:endParaRPr lang="en-CA" dirty="0"/>
-          </a:p>
-          <a:p>
-            <a:pPr marL="742950" lvl="1" indent="-285750">
-              <a:buFont typeface="Arial" panose="020B0604020202020204" pitchFamily="34" charset="0"/>
-              <a:buChar char="•"/>
-            </a:pPr>
-            <a:r>
-              <a:rPr lang="en-CA" dirty="0"/>
-              <a:t>PDIPA – Positional Defensive Impact Pass Average</a:t>
-            </a:r>
-          </a:p>
-          <a:p>
-            <a:pPr marL="1085850" lvl="2" indent="-171450">
-              <a:buFont typeface="Courier New" panose="02070309020205020404" pitchFamily="49" charset="0"/>
-              <a:buChar char="o"/>
-            </a:pPr>
-            <a:r>
-              <a:rPr lang="en-CA" dirty="0"/>
-              <a:t>Average score for impact on passing plays</a:t>
-            </a:r>
-            <a:br>
-              <a:rPr lang="en-CA" dirty="0"/>
-            </a:br>
-            <a:r>
-              <a:rPr lang="en-CA" dirty="0"/>
-              <a:t>		</a:t>
-            </a:r>
-          </a:p>
-          <a:p>
-            <a:pPr marL="742950" lvl="1" indent="-285750">
-              <a:buFont typeface="Arial" panose="020B0604020202020204" pitchFamily="34" charset="0"/>
-              <a:buChar char="•"/>
-            </a:pPr>
-            <a:r>
-              <a:rPr lang="en-CA" dirty="0"/>
-              <a:t>PDIAD – Positional Defensive Impact Average Differential</a:t>
-            </a:r>
-          </a:p>
-          <a:p>
-            <a:pPr marL="1085850" lvl="2" indent="-171450">
-              <a:buFont typeface="Courier New" panose="02070309020205020404" pitchFamily="49" charset="0"/>
-              <a:buChar char="o"/>
-            </a:pPr>
-            <a:r>
-              <a:rPr lang="en-CA" dirty="0"/>
-              <a:t>Difference between PDIWA &amp; DIA</a:t>
-            </a:r>
+        <p:style>
+          <a:lnRef idx="2">
+            <a:schemeClr val="accent1">
+              <a:shade val="50000"/>
+            </a:schemeClr>
+          </a:lnRef>
+          <a:fillRef idx="1">
+            <a:schemeClr val="accent1"/>
+          </a:fillRef>
+          <a:effectRef idx="0">
+            <a:schemeClr val="accent1"/>
+          </a:effectRef>
+          <a:fontRef idx="minor">
+            <a:schemeClr val="lt1"/>
+          </a:fontRef>
+        </p:style>
+        <p:txBody>
+          <a:bodyPr rtlCol="0" anchor="ctr"/>
+          <a:lstStyle/>
+          <a:p>
+            <a:pPr algn="ctr"/>
+            <a:endParaRPr lang="en-US"/>
           </a:p>
         </p:txBody>
       </p:sp>
@@ -6344,85 +11313,12 @@
           <a:chExt cx="0" cy="0"/>
         </a:xfrm>
       </p:grpSpPr>
-      <p:sp>
-        <p:nvSpPr>
-          <p:cNvPr id="2" name="Title 1">
-            <a:extLst>
-              <a:ext uri="{FF2B5EF4-FFF2-40B4-BE49-F238E27FC236}">
-                <a16:creationId xmlns:a16="http://schemas.microsoft.com/office/drawing/2014/main" id="{05861A9E-2F61-440A-BA12-D84F3B033A08}"/>
-              </a:ext>
-            </a:extLst>
-          </p:cNvPr>
-          <p:cNvSpPr>
-            <a:spLocks noGrp="1"/>
-          </p:cNvSpPr>
-          <p:nvPr>
-            <p:ph type="title"/>
-          </p:nvPr>
-        </p:nvSpPr>
-        <p:spPr/>
-        <p:txBody>
-          <a:bodyPr/>
-          <a:lstStyle/>
-          <a:p>
-            <a:pPr algn="ctr"/>
-            <a:r>
-              <a:rPr lang="en-CA" dirty="0"/>
-              <a:t>Evaluation Metrics - PDIAD</a:t>
-            </a:r>
-          </a:p>
-        </p:txBody>
-      </p:sp>
-      <p:sp>
-        <p:nvSpPr>
-          <p:cNvPr id="3" name="Content Placeholder 2">
-            <a:extLst>
-              <a:ext uri="{FF2B5EF4-FFF2-40B4-BE49-F238E27FC236}">
-                <a16:creationId xmlns:a16="http://schemas.microsoft.com/office/drawing/2014/main" id="{F0D8F883-E7BC-4992-B701-A68240144F5B}"/>
-              </a:ext>
-            </a:extLst>
-          </p:cNvPr>
-          <p:cNvSpPr>
-            <a:spLocks noGrp="1"/>
-          </p:cNvSpPr>
-          <p:nvPr>
-            <p:ph idx="1"/>
-          </p:nvPr>
-        </p:nvSpPr>
-        <p:spPr/>
-        <p:txBody>
-          <a:bodyPr/>
-          <a:lstStyle/>
-          <a:p>
-            <a:r>
-              <a:rPr lang="en-CA" dirty="0"/>
-              <a:t>PDIAD (Positional Defensive Impact Average Differential) is the difference between each position’s impact and the overall defensive line impact. This metric is used to compare relative performance (above or below average) of each position on the defensive line.</a:t>
-            </a:r>
-          </a:p>
-          <a:p>
-            <a:endParaRPr lang="en-CA" dirty="0"/>
-          </a:p>
-          <a:p>
-            <a:r>
-              <a:rPr lang="en-CA" dirty="0"/>
-              <a:t>Calculated by:</a:t>
-            </a:r>
-          </a:p>
-          <a:p>
-            <a:pPr lvl="1"/>
-            <a:r>
-              <a:rPr lang="en-CA" dirty="0"/>
-              <a:t>Difference between PDIWA and DIA</a:t>
-            </a:r>
-          </a:p>
-        </p:txBody>
-      </p:sp>
       <p:pic>
         <p:nvPicPr>
-          <p:cNvPr id="4" name="Picture Placeholder 10" descr="A screenshot of a cell phone&#10;&#10;Description automatically generated">
-            <a:extLst>
-              <a:ext uri="{FF2B5EF4-FFF2-40B4-BE49-F238E27FC236}">
-                <a16:creationId xmlns:a16="http://schemas.microsoft.com/office/drawing/2014/main" id="{82D9D9F9-8705-4B98-BFDA-CD93E6577979}"/>
+          <p:cNvPr id="5" name="Picture Placeholder 10" descr="A screenshot of a cell phone&#10;&#10;Description automatically generated">
+            <a:extLst>
+              <a:ext uri="{FF2B5EF4-FFF2-40B4-BE49-F238E27FC236}">
+                <a16:creationId xmlns:a16="http://schemas.microsoft.com/office/drawing/2014/main" id="{796FE9FC-625E-4BEA-B05D-52E27D69BEA3}"/>
               </a:ext>
             </a:extLst>
           </p:cNvPr>
@@ -6452,10 +11348,130 @@
           </a:prstGeom>
         </p:spPr>
       </p:pic>
+      <p:sp>
+        <p:nvSpPr>
+          <p:cNvPr id="2" name="Title 1">
+            <a:extLst>
+              <a:ext uri="{FF2B5EF4-FFF2-40B4-BE49-F238E27FC236}">
+                <a16:creationId xmlns:a16="http://schemas.microsoft.com/office/drawing/2014/main" id="{05861A9E-2F61-440A-BA12-D84F3B033A08}"/>
+              </a:ext>
+            </a:extLst>
+          </p:cNvPr>
+          <p:cNvSpPr>
+            <a:spLocks noGrp="1"/>
+          </p:cNvSpPr>
+          <p:nvPr>
+            <p:ph type="title"/>
+          </p:nvPr>
+        </p:nvSpPr>
+        <p:spPr/>
+        <p:txBody>
+          <a:bodyPr/>
+          <a:lstStyle/>
+          <a:p>
+            <a:pPr algn="ctr"/>
+            <a:r>
+              <a:rPr lang="en-CA" dirty="0"/>
+              <a:t>Evaluation Metrics - PDIRA</a:t>
+            </a:r>
+          </a:p>
+        </p:txBody>
+      </p:sp>
+      <p:sp>
+        <p:nvSpPr>
+          <p:cNvPr id="3" name="Content Placeholder 2">
+            <a:extLst>
+              <a:ext uri="{FF2B5EF4-FFF2-40B4-BE49-F238E27FC236}">
+                <a16:creationId xmlns:a16="http://schemas.microsoft.com/office/drawing/2014/main" id="{F0D8F883-E7BC-4992-B701-A68240144F5B}"/>
+              </a:ext>
+            </a:extLst>
+          </p:cNvPr>
+          <p:cNvSpPr>
+            <a:spLocks noGrp="1"/>
+          </p:cNvSpPr>
+          <p:nvPr>
+            <p:ph idx="1"/>
+          </p:nvPr>
+        </p:nvSpPr>
+        <p:spPr/>
+        <p:txBody>
+          <a:bodyPr/>
+          <a:lstStyle/>
+          <a:p>
+            <a:r>
+              <a:rPr lang="en-CA" dirty="0"/>
+              <a:t>PDIRA (</a:t>
+            </a:r>
+            <a:r>
+              <a:rPr lang="en-CA" i="1" dirty="0"/>
+              <a:t>Positional</a:t>
+            </a:r>
+            <a:r>
+              <a:rPr lang="en-CA" dirty="0"/>
+              <a:t> Defensive Impact Rush Average) is a measurement of the average impact of a specific position on the defensive line against rushing plays. </a:t>
+            </a:r>
+          </a:p>
+          <a:p>
+            <a:endParaRPr lang="en-CA" dirty="0"/>
+          </a:p>
+          <a:p>
+            <a:r>
+              <a:rPr lang="en-CA" dirty="0"/>
+              <a:t>Calculated by:</a:t>
+            </a:r>
+          </a:p>
+          <a:p>
+            <a:pPr lvl="1">
+              <a:buFont typeface="Courier New" panose="02070309020205020404" pitchFamily="49" charset="0"/>
+              <a:buChar char="o"/>
+            </a:pPr>
+            <a:r>
+              <a:rPr lang="en-CA" dirty="0"/>
+              <a:t>Each rushing play is evaluated for key gameplay </a:t>
+            </a:r>
+            <a:br>
+              <a:rPr lang="en-CA" dirty="0"/>
+            </a:br>
+            <a:r>
+              <a:rPr lang="en-CA" dirty="0"/>
+              <a:t>events. These events add or subtract points. </a:t>
+            </a:r>
+          </a:p>
+          <a:p>
+            <a:pPr lvl="1">
+              <a:buFont typeface="Courier New" panose="02070309020205020404" pitchFamily="49" charset="0"/>
+              <a:buChar char="o"/>
+            </a:pPr>
+            <a:r>
+              <a:rPr lang="en-CA" dirty="0"/>
+              <a:t>PDIRA is the average of this score for all </a:t>
+            </a:r>
+            <a:br>
+              <a:rPr lang="en-CA" dirty="0"/>
+            </a:br>
+            <a:r>
+              <a:rPr lang="en-CA" dirty="0"/>
+              <a:t>rushing plays per position</a:t>
+            </a:r>
+          </a:p>
+          <a:p>
+            <a:pPr marL="457200" lvl="1" indent="0">
+              <a:buNone/>
+            </a:pPr>
+            <a:endParaRPr lang="en-CA" dirty="0"/>
+          </a:p>
+          <a:p>
+            <a:pPr marL="457200" lvl="1" indent="0">
+              <a:buNone/>
+            </a:pPr>
+            <a:endParaRPr lang="en-CA" dirty="0"/>
+          </a:p>
+        </p:txBody>
+      </p:sp>
     </p:spTree>
     <p:extLst>
       <p:ext uri="{BB962C8B-B14F-4D97-AF65-F5344CB8AC3E}">
-        <p14:creationId xmlns:p14="http://schemas.microsoft.com/office/powerpoint/2010/main" val="2407796283"/>
+        <p14:creationId xmlns:p14="http://schemas.microsoft.com/office/powerpoint/2010/main" val="2631560350"/>
       </p:ext>
     </p:extLst>
   </p:cSld>
@@ -6506,7 +11522,7 @@
             <a:pPr algn="ctr"/>
             <a:r>
               <a:rPr lang="en-CA" dirty="0"/>
-              <a:t>Evaluation Metrics - DIA</a:t>
+              <a:t>Evaluation Metrics - PDIPA</a:t>
             </a:r>
           </a:p>
         </p:txBody>
@@ -6534,7 +11550,15 @@
           <a:p>
             <a:r>
               <a:rPr lang="en-CA" dirty="0"/>
-              <a:t>DIA (Defensive Impact Average) is a measurement of the average impact of the entire defensive line. This metric is used as a baseline for which to compare against all the possible defensive line positions.</a:t>
+              <a:t>PDIPA (</a:t>
+            </a:r>
+            <a:r>
+              <a:rPr lang="en-CA" i="1" dirty="0"/>
+              <a:t>Positional</a:t>
+            </a:r>
+            <a:r>
+              <a:rPr lang="en-CA" dirty="0"/>
+              <a:t> Defensive Impact Pass Average) is a measurement of the average impact of a specific position on the defensive line against passing plays. </a:t>
             </a:r>
           </a:p>
           <a:p>
@@ -6547,11 +11571,50 @@
             </a:r>
           </a:p>
           <a:p>
-            <a:pPr lvl="1"/>
+            <a:pPr lvl="1">
+              <a:buFont typeface="Courier New" panose="02070309020205020404" pitchFamily="49" charset="0"/>
+              <a:buChar char="o"/>
+            </a:pPr>
             <a:r>
               <a:rPr lang="en-CA" dirty="0"/>
-              <a:t>Average of DIRWA &amp; DIPWA</a:t>
-            </a:r>
+              <a:t>Each passing play is evaluated for key gameplay</a:t>
+            </a:r>
+            <a:br>
+              <a:rPr lang="en-CA" dirty="0"/>
+            </a:br>
+            <a:r>
+              <a:rPr lang="en-CA" dirty="0"/>
+              <a:t> events. These events add or subtract points. </a:t>
+            </a:r>
+          </a:p>
+          <a:p>
+            <a:pPr lvl="1">
+              <a:buFont typeface="Courier New" panose="02070309020205020404" pitchFamily="49" charset="0"/>
+              <a:buChar char="o"/>
+            </a:pPr>
+            <a:r>
+              <a:rPr lang="en-CA" dirty="0"/>
+              <a:t>PDIPA is the average of this score for all passing</a:t>
+            </a:r>
+            <a:br>
+              <a:rPr lang="en-CA" dirty="0"/>
+            </a:br>
+            <a:r>
+              <a:rPr lang="en-CA" dirty="0"/>
+              <a:t> plays per position</a:t>
+            </a:r>
+          </a:p>
+          <a:p>
+            <a:pPr marL="457200" lvl="1" indent="0">
+              <a:buNone/>
+            </a:pPr>
+            <a:endParaRPr lang="en-CA" dirty="0"/>
+          </a:p>
+          <a:p>
+            <a:pPr marL="457200" lvl="1" indent="0">
+              <a:buNone/>
+            </a:pPr>
+            <a:endParaRPr lang="en-CA" dirty="0"/>
           </a:p>
         </p:txBody>
       </p:sp>
@@ -6560,7 +11623,7 @@
           <p:cNvPr id="4" name="Picture Placeholder 10" descr="A screenshot of a cell phone&#10;&#10;Description automatically generated">
             <a:extLst>
               <a:ext uri="{FF2B5EF4-FFF2-40B4-BE49-F238E27FC236}">
-                <a16:creationId xmlns:a16="http://schemas.microsoft.com/office/drawing/2014/main" id="{36DB725C-1F86-461D-AB7C-1E7F8E2F1576}"/>
+                <a16:creationId xmlns:a16="http://schemas.microsoft.com/office/drawing/2014/main" id="{6E4241A2-ECA4-4FE9-B669-9A388CCCA569}"/>
               </a:ext>
             </a:extLst>
           </p:cNvPr>
@@ -6593,7 +11656,7 @@
     </p:spTree>
     <p:extLst>
       <p:ext uri="{BB962C8B-B14F-4D97-AF65-F5344CB8AC3E}">
-        <p14:creationId xmlns:p14="http://schemas.microsoft.com/office/powerpoint/2010/main" val="816592764"/>
+        <p14:creationId xmlns:p14="http://schemas.microsoft.com/office/powerpoint/2010/main" val="680553468"/>
       </p:ext>
     </p:extLst>
   </p:cSld>
@@ -6644,6 +11707,523 @@
             <a:pPr algn="ctr"/>
             <a:r>
               <a:rPr lang="en-CA" dirty="0"/>
+              <a:t>Evaluation Metrics - PDIWA</a:t>
+            </a:r>
+          </a:p>
+        </p:txBody>
+      </p:sp>
+      <p:sp>
+        <p:nvSpPr>
+          <p:cNvPr id="3" name="Content Placeholder 2">
+            <a:extLst>
+              <a:ext uri="{FF2B5EF4-FFF2-40B4-BE49-F238E27FC236}">
+                <a16:creationId xmlns:a16="http://schemas.microsoft.com/office/drawing/2014/main" id="{F0D8F883-E7BC-4992-B701-A68240144F5B}"/>
+              </a:ext>
+            </a:extLst>
+          </p:cNvPr>
+          <p:cNvSpPr>
+            <a:spLocks noGrp="1"/>
+          </p:cNvSpPr>
+          <p:nvPr>
+            <p:ph idx="1"/>
+          </p:nvPr>
+        </p:nvSpPr>
+        <p:spPr/>
+        <p:txBody>
+          <a:bodyPr/>
+          <a:lstStyle/>
+          <a:p>
+            <a:r>
+              <a:rPr lang="en-CA" dirty="0"/>
+              <a:t>PDIWA (</a:t>
+            </a:r>
+            <a:r>
+              <a:rPr lang="en-CA" i="1" dirty="0"/>
+              <a:t>Positional</a:t>
+            </a:r>
+            <a:r>
+              <a:rPr lang="en-CA" dirty="0"/>
+              <a:t> Defensive Impact Weighted Average) is a measurement of the average impact of a specific position on the defensive line cumulative of rushing and passing plays.</a:t>
+            </a:r>
+          </a:p>
+          <a:p>
+            <a:endParaRPr lang="en-CA" dirty="0"/>
+          </a:p>
+          <a:p>
+            <a:r>
+              <a:rPr lang="en-CA" dirty="0"/>
+              <a:t>Calculated by:</a:t>
+            </a:r>
+          </a:p>
+          <a:p>
+            <a:pPr lvl="1">
+              <a:buFont typeface="Courier New" panose="02070309020205020404" pitchFamily="49" charset="0"/>
+              <a:buChar char="o"/>
+            </a:pPr>
+            <a:r>
+              <a:rPr lang="en-CA" dirty="0"/>
+              <a:t>Weighted average of PDIRA &amp; PDIPA</a:t>
+            </a:r>
+          </a:p>
+          <a:p>
+            <a:pPr marL="457200" lvl="1" indent="0">
+              <a:buNone/>
+            </a:pPr>
+            <a:endParaRPr lang="en-CA" dirty="0"/>
+          </a:p>
+          <a:p>
+            <a:pPr marL="457200" lvl="1" indent="0">
+              <a:buNone/>
+            </a:pPr>
+            <a:endParaRPr lang="en-CA" dirty="0"/>
+          </a:p>
+        </p:txBody>
+      </p:sp>
+      <p:sp>
+        <p:nvSpPr>
+          <p:cNvPr id="7" name="Rectangle 3">
+            <a:extLst>
+              <a:ext uri="{FF2B5EF4-FFF2-40B4-BE49-F238E27FC236}">
+                <a16:creationId xmlns:a16="http://schemas.microsoft.com/office/drawing/2014/main" id="{DAB37BF6-7CA7-4DBC-8073-E04ACD429AFA}"/>
+              </a:ext>
+            </a:extLst>
+          </p:cNvPr>
+          <p:cNvSpPr>
+            <a:spLocks noChangeArrowheads="1"/>
+          </p:cNvSpPr>
+          <p:nvPr/>
+        </p:nvSpPr>
+        <p:spPr bwMode="auto">
+          <a:xfrm>
+            <a:off x="1609725" y="4611639"/>
+            <a:ext cx="5244421" cy="923330"/>
+          </a:xfrm>
+          <a:prstGeom prst="rect">
+            <a:avLst/>
+          </a:prstGeom>
+          <a:solidFill>
+            <a:schemeClr val="tx1">
+              <a:lumMod val="75000"/>
+              <a:lumOff val="25000"/>
+            </a:schemeClr>
+          </a:solidFill>
+          <a:ln>
+            <a:noFill/>
+          </a:ln>
+          <a:effectLst/>
+        </p:spPr>
+        <p:txBody>
+          <a:bodyPr vert="horz" wrap="square" lIns="91440" tIns="45720" rIns="91440" bIns="45720" numCol="1" anchor="ctr" anchorCtr="0" compatLnSpc="1">
+            <a:prstTxWarp prst="textNoShape">
+              <a:avLst/>
+            </a:prstTxWarp>
+            <a:spAutoFit/>
+          </a:bodyPr>
+          <a:lstStyle/>
+          <a:p>
+            <a:pPr marL="0" marR="0" lvl="0" indent="0" algn="l" defTabSz="914400" rtl="0" eaLnBrk="0" fontAlgn="base" latinLnBrk="0" hangingPunct="0">
+              <a:lnSpc>
+                <a:spcPct val="100000"/>
+              </a:lnSpc>
+              <a:spcBef>
+                <a:spcPct val="0"/>
+              </a:spcBef>
+              <a:spcAft>
+                <a:spcPct val="0"/>
+              </a:spcAft>
+              <a:buClrTx/>
+              <a:buSzTx/>
+              <a:buFontTx/>
+              <a:buNone/>
+              <a:tabLst/>
+            </a:pPr>
+            <a:r>
+              <a:rPr kumimoji="0" lang="en-US" altLang="en-US" b="0" i="0" u="none" strike="noStrike" cap="none" normalizeH="0" baseline="0" dirty="0">
+                <a:ln>
+                  <a:noFill/>
+                </a:ln>
+                <a:solidFill>
+                  <a:srgbClr val="A9B7C6"/>
+                </a:solidFill>
+                <a:effectLst/>
+                <a:latin typeface="JetBrains Mono"/>
+              </a:rPr>
+              <a:t>df[</a:t>
+            </a:r>
+            <a:r>
+              <a:rPr kumimoji="0" lang="en-US" altLang="en-US" b="0" i="0" u="none" strike="noStrike" cap="none" normalizeH="0" baseline="0" dirty="0">
+                <a:ln>
+                  <a:noFill/>
+                </a:ln>
+                <a:solidFill>
+                  <a:srgbClr val="6A8759"/>
+                </a:solidFill>
+                <a:effectLst/>
+                <a:latin typeface="JetBrains Mono"/>
+              </a:rPr>
+              <a:t>'</a:t>
+            </a:r>
+            <a:r>
+              <a:rPr kumimoji="0" lang="en-US" altLang="en-US" b="0" i="0" u="none" strike="noStrike" cap="none" normalizeH="0" baseline="0" dirty="0" err="1">
+                <a:ln>
+                  <a:noFill/>
+                </a:ln>
+                <a:solidFill>
+                  <a:srgbClr val="6A8759"/>
+                </a:solidFill>
+                <a:effectLst/>
+                <a:latin typeface="JetBrains Mono"/>
+              </a:rPr>
+              <a:t>pdia_w_avg</a:t>
+            </a:r>
+            <a:r>
+              <a:rPr kumimoji="0" lang="en-US" altLang="en-US" b="0" i="0" u="none" strike="noStrike" cap="none" normalizeH="0" baseline="0" dirty="0">
+                <a:ln>
+                  <a:noFill/>
+                </a:ln>
+                <a:solidFill>
+                  <a:srgbClr val="6A8759"/>
+                </a:solidFill>
+                <a:effectLst/>
+                <a:latin typeface="JetBrains Mono"/>
+              </a:rPr>
+              <a:t>'</a:t>
+            </a:r>
+            <a:r>
+              <a:rPr kumimoji="0" lang="en-US" altLang="en-US" b="0" i="0" u="none" strike="noStrike" cap="none" normalizeH="0" baseline="0" dirty="0">
+                <a:ln>
+                  <a:noFill/>
+                </a:ln>
+                <a:solidFill>
+                  <a:srgbClr val="A9B7C6"/>
+                </a:solidFill>
+                <a:effectLst/>
+                <a:latin typeface="JetBrains Mono"/>
+              </a:rPr>
+              <a:t>] = (df[</a:t>
+            </a:r>
+            <a:r>
+              <a:rPr kumimoji="0" lang="en-US" altLang="en-US" b="0" i="0" u="none" strike="noStrike" cap="none" normalizeH="0" baseline="0" dirty="0">
+                <a:ln>
+                  <a:noFill/>
+                </a:ln>
+                <a:solidFill>
+                  <a:srgbClr val="6A8759"/>
+                </a:solidFill>
+                <a:effectLst/>
+                <a:latin typeface="JetBrains Mono"/>
+              </a:rPr>
+              <a:t>'</a:t>
+            </a:r>
+            <a:r>
+              <a:rPr kumimoji="0" lang="en-US" altLang="en-US" b="0" i="0" u="none" strike="noStrike" cap="none" normalizeH="0" baseline="0" dirty="0" err="1">
+                <a:ln>
+                  <a:noFill/>
+                </a:ln>
+                <a:solidFill>
+                  <a:srgbClr val="6A8759"/>
+                </a:solidFill>
+                <a:effectLst/>
+                <a:latin typeface="JetBrains Mono"/>
+              </a:rPr>
+              <a:t>pdira_sum</a:t>
+            </a:r>
+            <a:r>
+              <a:rPr kumimoji="0" lang="en-US" altLang="en-US" b="0" i="0" u="none" strike="noStrike" cap="none" normalizeH="0" baseline="0" dirty="0">
+                <a:ln>
+                  <a:noFill/>
+                </a:ln>
+                <a:solidFill>
+                  <a:srgbClr val="6A8759"/>
+                </a:solidFill>
+                <a:effectLst/>
+                <a:latin typeface="JetBrains Mono"/>
+              </a:rPr>
+              <a:t>'</a:t>
+            </a:r>
+            <a:r>
+              <a:rPr kumimoji="0" lang="en-US" altLang="en-US" b="0" i="0" u="none" strike="noStrike" cap="none" normalizeH="0" baseline="0" dirty="0">
+                <a:ln>
+                  <a:noFill/>
+                </a:ln>
+                <a:solidFill>
+                  <a:srgbClr val="A9B7C6"/>
+                </a:solidFill>
+                <a:effectLst/>
+                <a:latin typeface="JetBrains Mono"/>
+              </a:rPr>
+              <a:t>] + df[</a:t>
+            </a:r>
+            <a:r>
+              <a:rPr kumimoji="0" lang="en-US" altLang="en-US" b="0" i="0" u="none" strike="noStrike" cap="none" normalizeH="0" baseline="0" dirty="0">
+                <a:ln>
+                  <a:noFill/>
+                </a:ln>
+                <a:solidFill>
+                  <a:srgbClr val="6A8759"/>
+                </a:solidFill>
+                <a:effectLst/>
+                <a:latin typeface="JetBrains Mono"/>
+              </a:rPr>
+              <a:t>'</a:t>
+            </a:r>
+            <a:r>
+              <a:rPr kumimoji="0" lang="en-US" altLang="en-US" b="0" i="0" u="none" strike="noStrike" cap="none" normalizeH="0" baseline="0" dirty="0" err="1">
+                <a:ln>
+                  <a:noFill/>
+                </a:ln>
+                <a:solidFill>
+                  <a:srgbClr val="6A8759"/>
+                </a:solidFill>
+                <a:effectLst/>
+                <a:latin typeface="JetBrains Mono"/>
+              </a:rPr>
+              <a:t>pdipa_sum</a:t>
+            </a:r>
+            <a:r>
+              <a:rPr kumimoji="0" lang="en-US" altLang="en-US" b="0" i="0" u="none" strike="noStrike" cap="none" normalizeH="0" baseline="0" dirty="0">
+                <a:ln>
+                  <a:noFill/>
+                </a:ln>
+                <a:solidFill>
+                  <a:srgbClr val="6A8759"/>
+                </a:solidFill>
+                <a:effectLst/>
+                <a:latin typeface="JetBrains Mono"/>
+              </a:rPr>
+              <a:t>'</a:t>
+            </a:r>
+            <a:r>
+              <a:rPr kumimoji="0" lang="en-US" altLang="en-US" b="0" i="0" u="none" strike="noStrike" cap="none" normalizeH="0" baseline="0" dirty="0">
+                <a:ln>
+                  <a:noFill/>
+                </a:ln>
+                <a:solidFill>
+                  <a:srgbClr val="A9B7C6"/>
+                </a:solidFill>
+                <a:effectLst/>
+                <a:latin typeface="JetBrains Mono"/>
+              </a:rPr>
+              <a:t>]) / (df[</a:t>
+            </a:r>
+            <a:r>
+              <a:rPr kumimoji="0" lang="en-US" altLang="en-US" b="0" i="0" u="none" strike="noStrike" cap="none" normalizeH="0" baseline="0" dirty="0">
+                <a:ln>
+                  <a:noFill/>
+                </a:ln>
+                <a:solidFill>
+                  <a:srgbClr val="6A8759"/>
+                </a:solidFill>
+                <a:effectLst/>
+                <a:latin typeface="JetBrains Mono"/>
+              </a:rPr>
+              <a:t>'</a:t>
+            </a:r>
+            <a:r>
+              <a:rPr kumimoji="0" lang="en-US" altLang="en-US" b="0" i="0" u="none" strike="noStrike" cap="none" normalizeH="0" baseline="0" dirty="0" err="1">
+                <a:ln>
+                  <a:noFill/>
+                </a:ln>
+                <a:solidFill>
+                  <a:srgbClr val="6A8759"/>
+                </a:solidFill>
+                <a:effectLst/>
+                <a:latin typeface="JetBrains Mono"/>
+              </a:rPr>
+              <a:t>pdira_count</a:t>
+            </a:r>
+            <a:r>
+              <a:rPr kumimoji="0" lang="en-US" altLang="en-US" b="0" i="0" u="none" strike="noStrike" cap="none" normalizeH="0" baseline="0" dirty="0">
+                <a:ln>
+                  <a:noFill/>
+                </a:ln>
+                <a:solidFill>
+                  <a:srgbClr val="6A8759"/>
+                </a:solidFill>
+                <a:effectLst/>
+                <a:latin typeface="JetBrains Mono"/>
+              </a:rPr>
+              <a:t>'</a:t>
+            </a:r>
+            <a:r>
+              <a:rPr kumimoji="0" lang="en-US" altLang="en-US" b="0" i="0" u="none" strike="noStrike" cap="none" normalizeH="0" baseline="0" dirty="0">
+                <a:ln>
+                  <a:noFill/>
+                </a:ln>
+                <a:solidFill>
+                  <a:srgbClr val="A9B7C6"/>
+                </a:solidFill>
+                <a:effectLst/>
+                <a:latin typeface="JetBrains Mono"/>
+              </a:rPr>
+              <a:t>] + df[</a:t>
+            </a:r>
+            <a:r>
+              <a:rPr kumimoji="0" lang="en-US" altLang="en-US" b="0" i="0" u="none" strike="noStrike" cap="none" normalizeH="0" baseline="0" dirty="0">
+                <a:ln>
+                  <a:noFill/>
+                </a:ln>
+                <a:solidFill>
+                  <a:srgbClr val="6A8759"/>
+                </a:solidFill>
+                <a:effectLst/>
+                <a:latin typeface="JetBrains Mono"/>
+              </a:rPr>
+              <a:t>'</a:t>
+            </a:r>
+            <a:r>
+              <a:rPr kumimoji="0" lang="en-US" altLang="en-US" b="0" i="0" u="none" strike="noStrike" cap="none" normalizeH="0" baseline="0" dirty="0" err="1">
+                <a:ln>
+                  <a:noFill/>
+                </a:ln>
+                <a:solidFill>
+                  <a:srgbClr val="6A8759"/>
+                </a:solidFill>
+                <a:effectLst/>
+                <a:latin typeface="JetBrains Mono"/>
+              </a:rPr>
+              <a:t>pdipa_count</a:t>
+            </a:r>
+            <a:r>
+              <a:rPr kumimoji="0" lang="en-US" altLang="en-US" b="0" i="0" u="none" strike="noStrike" cap="none" normalizeH="0" baseline="0" dirty="0">
+                <a:ln>
+                  <a:noFill/>
+                </a:ln>
+                <a:solidFill>
+                  <a:srgbClr val="6A8759"/>
+                </a:solidFill>
+                <a:effectLst/>
+                <a:latin typeface="JetBrains Mono"/>
+              </a:rPr>
+              <a:t>'</a:t>
+            </a:r>
+            <a:r>
+              <a:rPr kumimoji="0" lang="en-US" altLang="en-US" b="0" i="0" u="none" strike="noStrike" cap="none" normalizeH="0" baseline="0" dirty="0">
+                <a:ln>
+                  <a:noFill/>
+                </a:ln>
+                <a:solidFill>
+                  <a:srgbClr val="A9B7C6"/>
+                </a:solidFill>
+                <a:effectLst/>
+                <a:latin typeface="JetBrains Mono"/>
+              </a:rPr>
+              <a:t>])</a:t>
+            </a:r>
+            <a:br>
+              <a:rPr kumimoji="0" lang="en-US" altLang="en-US" b="0" i="0" u="none" strike="noStrike" cap="none" normalizeH="0" baseline="0" dirty="0">
+                <a:ln>
+                  <a:noFill/>
+                </a:ln>
+                <a:solidFill>
+                  <a:srgbClr val="A9B7C6"/>
+                </a:solidFill>
+                <a:effectLst/>
+                <a:latin typeface="JetBrains Mono"/>
+              </a:rPr>
+            </a:br>
+            <a:endParaRPr kumimoji="0" lang="en-US" altLang="en-US" b="0" i="0" u="none" strike="noStrike" cap="none" normalizeH="0" baseline="0" dirty="0">
+              <a:ln>
+                <a:noFill/>
+              </a:ln>
+              <a:solidFill>
+                <a:schemeClr val="tx1"/>
+              </a:solidFill>
+              <a:effectLst/>
+              <a:latin typeface="Arial" panose="020B0604020202020204" pitchFamily="34" charset="0"/>
+            </a:endParaRPr>
+          </a:p>
+        </p:txBody>
+      </p:sp>
+      <p:pic>
+        <p:nvPicPr>
+          <p:cNvPr id="8" name="Picture Placeholder 10" descr="A screenshot of a cell phone&#10;&#10;Description automatically generated">
+            <a:extLst>
+              <a:ext uri="{FF2B5EF4-FFF2-40B4-BE49-F238E27FC236}">
+                <a16:creationId xmlns:a16="http://schemas.microsoft.com/office/drawing/2014/main" id="{91D737BA-6D90-4212-A62C-EA798C7B304F}"/>
+              </a:ext>
+            </a:extLst>
+          </p:cNvPr>
+          <p:cNvPicPr preferRelativeResize="0">
+            <a:picLocks noChangeAspect="1"/>
+          </p:cNvPicPr>
+          <p:nvPr/>
+        </p:nvPicPr>
+        <p:blipFill rotWithShape="1">
+          <a:blip r:embed="rId2">
+            <a:extLst>
+              <a:ext uri="{28A0092B-C50C-407E-A947-70E740481C1C}">
+                <a14:useLocalDpi xmlns:a14="http://schemas.microsoft.com/office/drawing/2010/main" val="0"/>
+              </a:ext>
+            </a:extLst>
+          </a:blip>
+          <a:srcRect l="-131" r="-131"/>
+          <a:stretch/>
+        </p:blipFill>
+        <p:spPr>
+          <a:xfrm>
+            <a:off x="7558912" y="3638550"/>
+            <a:ext cx="3090122" cy="2439988"/>
+          </a:xfrm>
+          <a:prstGeom prst="rect">
+            <a:avLst/>
+          </a:prstGeom>
+        </p:spPr>
+      </p:pic>
+    </p:spTree>
+    <p:extLst>
+      <p:ext uri="{BB962C8B-B14F-4D97-AF65-F5344CB8AC3E}">
+        <p14:creationId xmlns:p14="http://schemas.microsoft.com/office/powerpoint/2010/main" val="512899930"/>
+      </p:ext>
+    </p:extLst>
+  </p:cSld>
+  <p:clrMapOvr>
+    <a:masterClrMapping/>
+  </p:clrMapOvr>
+</p:sld>
+</file>
+
+<file path=ppt/slides/slide7.xml><?xml version="1.0" encoding="utf-8"?>
+<p:sld xmlns:a="http://schemas.openxmlformats.org/drawingml/2006/main" xmlns:r="http://schemas.openxmlformats.org/officeDocument/2006/relationships" xmlns:p="http://schemas.openxmlformats.org/presentationml/2006/main">
+  <p:cSld>
+    <p:spTree>
+      <p:nvGrpSpPr>
+        <p:cNvPr id="1" name=""/>
+        <p:cNvGrpSpPr/>
+        <p:nvPr/>
+      </p:nvGrpSpPr>
+      <p:grpSpPr>
+        <a:xfrm>
+          <a:off x="0" y="0"/>
+          <a:ext cx="0" cy="0"/>
+          <a:chOff x="0" y="0"/>
+          <a:chExt cx="0" cy="0"/>
+        </a:xfrm>
+      </p:grpSpPr>
+      <p:sp>
+        <p:nvSpPr>
+          <p:cNvPr id="2" name="Title 1">
+            <a:extLst>
+              <a:ext uri="{FF2B5EF4-FFF2-40B4-BE49-F238E27FC236}">
+                <a16:creationId xmlns:a16="http://schemas.microsoft.com/office/drawing/2014/main" id="{05861A9E-2F61-440A-BA12-D84F3B033A08}"/>
+              </a:ext>
+            </a:extLst>
+          </p:cNvPr>
+          <p:cNvSpPr>
+            <a:spLocks noGrp="1"/>
+          </p:cNvSpPr>
+          <p:nvPr>
+            <p:ph type="title"/>
+          </p:nvPr>
+        </p:nvSpPr>
+        <p:spPr/>
+        <p:txBody>
+          <a:bodyPr/>
+          <a:lstStyle/>
+          <a:p>
+            <a:pPr algn="ctr"/>
+            <a:r>
+              <a:rPr lang="en-CA" dirty="0"/>
               <a:t>Evaluation Metrics - DIRWA</a:t>
             </a:r>
           </a:p>
@@ -6691,7 +12271,10 @@
             </a:r>
           </a:p>
           <a:p>
-            <a:pPr lvl="1"/>
+            <a:pPr lvl="1">
+              <a:buFont typeface="Courier New" panose="02070309020205020404" pitchFamily="49" charset="0"/>
+              <a:buChar char="o"/>
+            </a:pPr>
             <a:r>
               <a:rPr lang="en-CA" dirty="0"/>
               <a:t>Weighted average of PDIRA</a:t>
@@ -7075,7 +12658,7 @@
 </p:sld>
 </file>
 
-<file path=ppt/slides/slide7.xml><?xml version="1.0" encoding="utf-8"?>
+<file path=ppt/slides/slide8.xml><?xml version="1.0" encoding="utf-8"?>
 <p:sld xmlns:a="http://schemas.openxmlformats.org/drawingml/2006/main" xmlns:r="http://schemas.openxmlformats.org/officeDocument/2006/relationships" xmlns:p="http://schemas.openxmlformats.org/presentationml/2006/main">
   <p:cSld>
     <p:spTree>
@@ -7163,7 +12746,10 @@
             </a:r>
           </a:p>
           <a:p>
-            <a:pPr lvl="1"/>
+            <a:pPr lvl="1">
+              <a:buFont typeface="Courier New" panose="02070309020205020404" pitchFamily="49" charset="0"/>
+              <a:buChar char="o"/>
+            </a:pPr>
             <a:r>
               <a:rPr lang="en-CA" dirty="0"/>
               <a:t>Weighted average of PDIPA</a:t>
@@ -7547,7 +13133,7 @@
 </p:sld>
 </file>
 
-<file path=ppt/slides/slide8.xml><?xml version="1.0" encoding="utf-8"?>
+<file path=ppt/slides/slide9.xml><?xml version="1.0" encoding="utf-8"?>
 <p:sld xmlns:a="http://schemas.openxmlformats.org/drawingml/2006/main" xmlns:r="http://schemas.openxmlformats.org/officeDocument/2006/relationships" xmlns:p="http://schemas.openxmlformats.org/presentationml/2006/main">
   <p:cSld>
     <p:spTree>
@@ -7588,7 +13174,7 @@
             <a:pPr algn="ctr"/>
             <a:r>
               <a:rPr lang="en-CA" dirty="0"/>
-              <a:t>Evaluation Metrics - PDIWA</a:t>
+              <a:t>Evaluation Metrics - DIA</a:t>
             </a:r>
           </a:p>
         </p:txBody>
@@ -7616,15 +13202,7 @@
           <a:p>
             <a:r>
               <a:rPr lang="en-CA" dirty="0"/>
-              <a:t>PDIWA (</a:t>
-            </a:r>
-            <a:r>
-              <a:rPr lang="en-CA" i="1" dirty="0"/>
-              <a:t>Positional</a:t>
-            </a:r>
-            <a:r>
-              <a:rPr lang="en-CA" dirty="0"/>
-              <a:t> Defensive Impact Weighted Average) is a measurement of the average impact of a specific position on the defensive line. </a:t>
+              <a:t>DIA (Defensive Impact Average) is a measurement of the average impact of the entire defensive line. This metric is used as a baseline for which to compare against all the possible defensive line positions.</a:t>
             </a:r>
           </a:p>
           <a:p>
@@ -7637,388 +13215,23 @@
             </a:r>
           </a:p>
           <a:p>
-            <a:pPr lvl="1"/>
+            <a:pPr lvl="1">
+              <a:buFont typeface="Courier New" panose="02070309020205020404" pitchFamily="49" charset="0"/>
+              <a:buChar char="o"/>
+            </a:pPr>
             <a:r>
               <a:rPr lang="en-CA" dirty="0"/>
-              <a:t>Weighted average of PDIRA &amp; PDIPA</a:t>
-            </a:r>
-          </a:p>
-          <a:p>
-            <a:pPr marL="457200" lvl="1" indent="0">
-              <a:buNone/>
-            </a:pPr>
-            <a:endParaRPr lang="en-CA" dirty="0"/>
-          </a:p>
-          <a:p>
-            <a:pPr marL="457200" lvl="1" indent="0">
-              <a:buNone/>
-            </a:pPr>
-            <a:endParaRPr lang="en-CA" dirty="0"/>
-          </a:p>
-        </p:txBody>
-      </p:sp>
-      <p:sp>
-        <p:nvSpPr>
-          <p:cNvPr id="7" name="Rectangle 3">
-            <a:extLst>
-              <a:ext uri="{FF2B5EF4-FFF2-40B4-BE49-F238E27FC236}">
-                <a16:creationId xmlns:a16="http://schemas.microsoft.com/office/drawing/2014/main" id="{DAB37BF6-7CA7-4DBC-8073-E04ACD429AFA}"/>
-              </a:ext>
-            </a:extLst>
-          </p:cNvPr>
-          <p:cNvSpPr>
-            <a:spLocks noChangeArrowheads="1"/>
-          </p:cNvSpPr>
-          <p:nvPr/>
-        </p:nvSpPr>
-        <p:spPr bwMode="auto">
-          <a:xfrm>
-            <a:off x="1609725" y="4611639"/>
-            <a:ext cx="5244421" cy="923330"/>
-          </a:xfrm>
-          <a:prstGeom prst="rect">
-            <a:avLst/>
-          </a:prstGeom>
-          <a:solidFill>
-            <a:schemeClr val="tx1">
-              <a:lumMod val="75000"/>
-              <a:lumOff val="25000"/>
-            </a:schemeClr>
-          </a:solidFill>
-          <a:ln>
-            <a:noFill/>
-          </a:ln>
-          <a:effectLst/>
-        </p:spPr>
-        <p:txBody>
-          <a:bodyPr vert="horz" wrap="square" lIns="91440" tIns="45720" rIns="91440" bIns="45720" numCol="1" anchor="ctr" anchorCtr="0" compatLnSpc="1">
-            <a:prstTxWarp prst="textNoShape">
-              <a:avLst/>
-            </a:prstTxWarp>
-            <a:spAutoFit/>
-          </a:bodyPr>
-          <a:lstStyle/>
-          <a:p>
-            <a:pPr marL="0" marR="0" lvl="0" indent="0" algn="l" defTabSz="914400" rtl="0" eaLnBrk="0" fontAlgn="base" latinLnBrk="0" hangingPunct="0">
-              <a:lnSpc>
-                <a:spcPct val="100000"/>
-              </a:lnSpc>
-              <a:spcBef>
-                <a:spcPct val="0"/>
-              </a:spcBef>
-              <a:spcAft>
-                <a:spcPct val="0"/>
-              </a:spcAft>
-              <a:buClrTx/>
-              <a:buSzTx/>
-              <a:buFontTx/>
-              <a:buNone/>
-              <a:tabLst/>
-            </a:pPr>
-            <a:r>
-              <a:rPr kumimoji="0" lang="en-US" altLang="en-US" b="0" i="0" u="none" strike="noStrike" cap="none" normalizeH="0" baseline="0" dirty="0">
-                <a:ln>
-                  <a:noFill/>
-                </a:ln>
-                <a:solidFill>
-                  <a:srgbClr val="A9B7C6"/>
-                </a:solidFill>
-                <a:effectLst/>
-                <a:latin typeface="JetBrains Mono"/>
-              </a:rPr>
-              <a:t>df[</a:t>
-            </a:r>
-            <a:r>
-              <a:rPr kumimoji="0" lang="en-US" altLang="en-US" b="0" i="0" u="none" strike="noStrike" cap="none" normalizeH="0" baseline="0" dirty="0">
-                <a:ln>
-                  <a:noFill/>
-                </a:ln>
-                <a:solidFill>
-                  <a:srgbClr val="6A8759"/>
-                </a:solidFill>
-                <a:effectLst/>
-                <a:latin typeface="JetBrains Mono"/>
-              </a:rPr>
-              <a:t>'</a:t>
-            </a:r>
-            <a:r>
-              <a:rPr kumimoji="0" lang="en-US" altLang="en-US" b="0" i="0" u="none" strike="noStrike" cap="none" normalizeH="0" baseline="0" dirty="0" err="1">
-                <a:ln>
-                  <a:noFill/>
-                </a:ln>
-                <a:solidFill>
-                  <a:srgbClr val="6A8759"/>
-                </a:solidFill>
-                <a:effectLst/>
-                <a:latin typeface="JetBrains Mono"/>
-              </a:rPr>
-              <a:t>pdia_w_avg</a:t>
-            </a:r>
-            <a:r>
-              <a:rPr kumimoji="0" lang="en-US" altLang="en-US" b="0" i="0" u="none" strike="noStrike" cap="none" normalizeH="0" baseline="0" dirty="0">
-                <a:ln>
-                  <a:noFill/>
-                </a:ln>
-                <a:solidFill>
-                  <a:srgbClr val="6A8759"/>
-                </a:solidFill>
-                <a:effectLst/>
-                <a:latin typeface="JetBrains Mono"/>
-              </a:rPr>
-              <a:t>'</a:t>
-            </a:r>
-            <a:r>
-              <a:rPr kumimoji="0" lang="en-US" altLang="en-US" b="0" i="0" u="none" strike="noStrike" cap="none" normalizeH="0" baseline="0" dirty="0">
-                <a:ln>
-                  <a:noFill/>
-                </a:ln>
-                <a:solidFill>
-                  <a:srgbClr val="A9B7C6"/>
-                </a:solidFill>
-                <a:effectLst/>
-                <a:latin typeface="JetBrains Mono"/>
-              </a:rPr>
-              <a:t>] = (df[</a:t>
-            </a:r>
-            <a:r>
-              <a:rPr kumimoji="0" lang="en-US" altLang="en-US" b="0" i="0" u="none" strike="noStrike" cap="none" normalizeH="0" baseline="0" dirty="0">
-                <a:ln>
-                  <a:noFill/>
-                </a:ln>
-                <a:solidFill>
-                  <a:srgbClr val="6A8759"/>
-                </a:solidFill>
-                <a:effectLst/>
-                <a:latin typeface="JetBrains Mono"/>
-              </a:rPr>
-              <a:t>'</a:t>
-            </a:r>
-            <a:r>
-              <a:rPr kumimoji="0" lang="en-US" altLang="en-US" b="0" i="0" u="none" strike="noStrike" cap="none" normalizeH="0" baseline="0" dirty="0" err="1">
-                <a:ln>
-                  <a:noFill/>
-                </a:ln>
-                <a:solidFill>
-                  <a:srgbClr val="6A8759"/>
-                </a:solidFill>
-                <a:effectLst/>
-                <a:latin typeface="JetBrains Mono"/>
-              </a:rPr>
-              <a:t>pdira_sum</a:t>
-            </a:r>
-            <a:r>
-              <a:rPr kumimoji="0" lang="en-US" altLang="en-US" b="0" i="0" u="none" strike="noStrike" cap="none" normalizeH="0" baseline="0" dirty="0">
-                <a:ln>
-                  <a:noFill/>
-                </a:ln>
-                <a:solidFill>
-                  <a:srgbClr val="6A8759"/>
-                </a:solidFill>
-                <a:effectLst/>
-                <a:latin typeface="JetBrains Mono"/>
-              </a:rPr>
-              <a:t>'</a:t>
-            </a:r>
-            <a:r>
-              <a:rPr kumimoji="0" lang="en-US" altLang="en-US" b="0" i="0" u="none" strike="noStrike" cap="none" normalizeH="0" baseline="0" dirty="0">
-                <a:ln>
-                  <a:noFill/>
-                </a:ln>
-                <a:solidFill>
-                  <a:srgbClr val="A9B7C6"/>
-                </a:solidFill>
-                <a:effectLst/>
-                <a:latin typeface="JetBrains Mono"/>
-              </a:rPr>
-              <a:t>] + df[</a:t>
-            </a:r>
-            <a:r>
-              <a:rPr kumimoji="0" lang="en-US" altLang="en-US" b="0" i="0" u="none" strike="noStrike" cap="none" normalizeH="0" baseline="0" dirty="0">
-                <a:ln>
-                  <a:noFill/>
-                </a:ln>
-                <a:solidFill>
-                  <a:srgbClr val="6A8759"/>
-                </a:solidFill>
-                <a:effectLst/>
-                <a:latin typeface="JetBrains Mono"/>
-              </a:rPr>
-              <a:t>'</a:t>
-            </a:r>
-            <a:r>
-              <a:rPr kumimoji="0" lang="en-US" altLang="en-US" b="0" i="0" u="none" strike="noStrike" cap="none" normalizeH="0" baseline="0" dirty="0" err="1">
-                <a:ln>
-                  <a:noFill/>
-                </a:ln>
-                <a:solidFill>
-                  <a:srgbClr val="6A8759"/>
-                </a:solidFill>
-                <a:effectLst/>
-                <a:latin typeface="JetBrains Mono"/>
-              </a:rPr>
-              <a:t>pdipa_sum</a:t>
-            </a:r>
-            <a:r>
-              <a:rPr kumimoji="0" lang="en-US" altLang="en-US" b="0" i="0" u="none" strike="noStrike" cap="none" normalizeH="0" baseline="0" dirty="0">
-                <a:ln>
-                  <a:noFill/>
-                </a:ln>
-                <a:solidFill>
-                  <a:srgbClr val="6A8759"/>
-                </a:solidFill>
-                <a:effectLst/>
-                <a:latin typeface="JetBrains Mono"/>
-              </a:rPr>
-              <a:t>'</a:t>
-            </a:r>
-            <a:r>
-              <a:rPr kumimoji="0" lang="en-US" altLang="en-US" b="0" i="0" u="none" strike="noStrike" cap="none" normalizeH="0" baseline="0" dirty="0">
-                <a:ln>
-                  <a:noFill/>
-                </a:ln>
-                <a:solidFill>
-                  <a:srgbClr val="A9B7C6"/>
-                </a:solidFill>
-                <a:effectLst/>
-                <a:latin typeface="JetBrains Mono"/>
-              </a:rPr>
-              <a:t>]) / (df[</a:t>
-            </a:r>
-            <a:r>
-              <a:rPr kumimoji="0" lang="en-US" altLang="en-US" b="0" i="0" u="none" strike="noStrike" cap="none" normalizeH="0" baseline="0" dirty="0">
-                <a:ln>
-                  <a:noFill/>
-                </a:ln>
-                <a:solidFill>
-                  <a:srgbClr val="6A8759"/>
-                </a:solidFill>
-                <a:effectLst/>
-                <a:latin typeface="JetBrains Mono"/>
-              </a:rPr>
-              <a:t>'</a:t>
-            </a:r>
-            <a:r>
-              <a:rPr kumimoji="0" lang="en-US" altLang="en-US" b="0" i="0" u="none" strike="noStrike" cap="none" normalizeH="0" baseline="0" dirty="0" err="1">
-                <a:ln>
-                  <a:noFill/>
-                </a:ln>
-                <a:solidFill>
-                  <a:srgbClr val="6A8759"/>
-                </a:solidFill>
-                <a:effectLst/>
-                <a:latin typeface="JetBrains Mono"/>
-              </a:rPr>
-              <a:t>pdira_count</a:t>
-            </a:r>
-            <a:r>
-              <a:rPr kumimoji="0" lang="en-US" altLang="en-US" b="0" i="0" u="none" strike="noStrike" cap="none" normalizeH="0" baseline="0" dirty="0">
-                <a:ln>
-                  <a:noFill/>
-                </a:ln>
-                <a:solidFill>
-                  <a:srgbClr val="6A8759"/>
-                </a:solidFill>
-                <a:effectLst/>
-                <a:latin typeface="JetBrains Mono"/>
-              </a:rPr>
-              <a:t>'</a:t>
-            </a:r>
-            <a:r>
-              <a:rPr kumimoji="0" lang="en-US" altLang="en-US" b="0" i="0" u="none" strike="noStrike" cap="none" normalizeH="0" baseline="0" dirty="0">
-                <a:ln>
-                  <a:noFill/>
-                </a:ln>
-                <a:solidFill>
-                  <a:srgbClr val="A9B7C6"/>
-                </a:solidFill>
-                <a:effectLst/>
-                <a:latin typeface="JetBrains Mono"/>
-              </a:rPr>
-              <a:t>] + df[</a:t>
-            </a:r>
-            <a:r>
-              <a:rPr kumimoji="0" lang="en-US" altLang="en-US" b="0" i="0" u="none" strike="noStrike" cap="none" normalizeH="0" baseline="0" dirty="0">
-                <a:ln>
-                  <a:noFill/>
-                </a:ln>
-                <a:solidFill>
-                  <a:srgbClr val="6A8759"/>
-                </a:solidFill>
-                <a:effectLst/>
-                <a:latin typeface="JetBrains Mono"/>
-              </a:rPr>
-              <a:t>'</a:t>
-            </a:r>
-            <a:r>
-              <a:rPr kumimoji="0" lang="en-US" altLang="en-US" b="0" i="0" u="none" strike="noStrike" cap="none" normalizeH="0" baseline="0" dirty="0" err="1">
-                <a:ln>
-                  <a:noFill/>
-                </a:ln>
-                <a:solidFill>
-                  <a:srgbClr val="6A8759"/>
-                </a:solidFill>
-                <a:effectLst/>
-                <a:latin typeface="JetBrains Mono"/>
-              </a:rPr>
-              <a:t>pdipa_count</a:t>
-            </a:r>
-            <a:r>
-              <a:rPr kumimoji="0" lang="en-US" altLang="en-US" b="0" i="0" u="none" strike="noStrike" cap="none" normalizeH="0" baseline="0" dirty="0">
-                <a:ln>
-                  <a:noFill/>
-                </a:ln>
-                <a:solidFill>
-                  <a:srgbClr val="6A8759"/>
-                </a:solidFill>
-                <a:effectLst/>
-                <a:latin typeface="JetBrains Mono"/>
-              </a:rPr>
-              <a:t>'</a:t>
-            </a:r>
-            <a:r>
-              <a:rPr kumimoji="0" lang="en-US" altLang="en-US" b="0" i="0" u="none" strike="noStrike" cap="none" normalizeH="0" baseline="0" dirty="0">
-                <a:ln>
-                  <a:noFill/>
-                </a:ln>
-                <a:solidFill>
-                  <a:srgbClr val="A9B7C6"/>
-                </a:solidFill>
-                <a:effectLst/>
-                <a:latin typeface="JetBrains Mono"/>
-              </a:rPr>
-              <a:t>])</a:t>
-            </a:r>
-            <a:br>
-              <a:rPr kumimoji="0" lang="en-US" altLang="en-US" b="0" i="0" u="none" strike="noStrike" cap="none" normalizeH="0" baseline="0" dirty="0">
-                <a:ln>
-                  <a:noFill/>
-                </a:ln>
-                <a:solidFill>
-                  <a:srgbClr val="A9B7C6"/>
-                </a:solidFill>
-                <a:effectLst/>
-                <a:latin typeface="JetBrains Mono"/>
-              </a:rPr>
-            </a:br>
-            <a:endParaRPr kumimoji="0" lang="en-US" altLang="en-US" b="0" i="0" u="none" strike="noStrike" cap="none" normalizeH="0" baseline="0" dirty="0">
-              <a:ln>
-                <a:noFill/>
-              </a:ln>
-              <a:solidFill>
-                <a:schemeClr val="tx1"/>
-              </a:solidFill>
-              <a:effectLst/>
-              <a:latin typeface="Arial" panose="020B0604020202020204" pitchFamily="34" charset="0"/>
-            </a:endParaRPr>
+              <a:t>Average of DIRWA &amp; DIPWA</a:t>
+            </a:r>
           </a:p>
         </p:txBody>
       </p:sp>
       <p:pic>
         <p:nvPicPr>
-          <p:cNvPr id="8" name="Picture Placeholder 10" descr="A screenshot of a cell phone&#10;&#10;Description automatically generated">
-            <a:extLst>
-              <a:ext uri="{FF2B5EF4-FFF2-40B4-BE49-F238E27FC236}">
-                <a16:creationId xmlns:a16="http://schemas.microsoft.com/office/drawing/2014/main" id="{91D737BA-6D90-4212-A62C-EA798C7B304F}"/>
+          <p:cNvPr id="4" name="Picture Placeholder 10" descr="A screenshot of a cell phone&#10;&#10;Description automatically generated">
+            <a:extLst>
+              <a:ext uri="{FF2B5EF4-FFF2-40B4-BE49-F238E27FC236}">
+                <a16:creationId xmlns:a16="http://schemas.microsoft.com/office/drawing/2014/main" id="{36DB725C-1F86-461D-AB7C-1E7F8E2F1576}"/>
               </a:ext>
             </a:extLst>
           </p:cNvPr>
@@ -8051,186 +13264,7 @@
     </p:spTree>
     <p:extLst>
       <p:ext uri="{BB962C8B-B14F-4D97-AF65-F5344CB8AC3E}">
-        <p14:creationId xmlns:p14="http://schemas.microsoft.com/office/powerpoint/2010/main" val="512899930"/>
-      </p:ext>
-    </p:extLst>
-  </p:cSld>
-  <p:clrMapOvr>
-    <a:masterClrMapping/>
-  </p:clrMapOvr>
-</p:sld>
-</file>
-
-<file path=ppt/slides/slide9.xml><?xml version="1.0" encoding="utf-8"?>
-<p:sld xmlns:a="http://schemas.openxmlformats.org/drawingml/2006/main" xmlns:r="http://schemas.openxmlformats.org/officeDocument/2006/relationships" xmlns:p="http://schemas.openxmlformats.org/presentationml/2006/main">
-  <p:cSld>
-    <p:spTree>
-      <p:nvGrpSpPr>
-        <p:cNvPr id="1" name=""/>
-        <p:cNvGrpSpPr/>
-        <p:nvPr/>
-      </p:nvGrpSpPr>
-      <p:grpSpPr>
-        <a:xfrm>
-          <a:off x="0" y="0"/>
-          <a:ext cx="0" cy="0"/>
-          <a:chOff x="0" y="0"/>
-          <a:chExt cx="0" cy="0"/>
-        </a:xfrm>
-      </p:grpSpPr>
-      <p:pic>
-        <p:nvPicPr>
-          <p:cNvPr id="5" name="Picture Placeholder 10" descr="A screenshot of a cell phone&#10;&#10;Description automatically generated">
-            <a:extLst>
-              <a:ext uri="{FF2B5EF4-FFF2-40B4-BE49-F238E27FC236}">
-                <a16:creationId xmlns:a16="http://schemas.microsoft.com/office/drawing/2014/main" id="{796FE9FC-625E-4BEA-B05D-52E27D69BEA3}"/>
-              </a:ext>
-            </a:extLst>
-          </p:cNvPr>
-          <p:cNvPicPr preferRelativeResize="0">
-            <a:picLocks noChangeAspect="1"/>
-          </p:cNvPicPr>
-          <p:nvPr/>
-        </p:nvPicPr>
-        <p:blipFill rotWithShape="1">
-          <a:blip r:embed="rId2">
-            <a:extLst>
-              <a:ext uri="{28A0092B-C50C-407E-A947-70E740481C1C}">
-                <a14:useLocalDpi xmlns:a14="http://schemas.microsoft.com/office/drawing/2010/main" val="0"/>
-              </a:ext>
-            </a:extLst>
-          </a:blip>
-          <a:srcRect l="-131" r="-131"/>
-          <a:stretch/>
-        </p:blipFill>
-        <p:spPr>
-          <a:xfrm>
-            <a:off x="7558912" y="3638550"/>
-            <a:ext cx="3090122" cy="2439988"/>
-          </a:xfrm>
-          <a:prstGeom prst="rect">
-            <a:avLst/>
-          </a:prstGeom>
-        </p:spPr>
-      </p:pic>
-      <p:sp>
-        <p:nvSpPr>
-          <p:cNvPr id="2" name="Title 1">
-            <a:extLst>
-              <a:ext uri="{FF2B5EF4-FFF2-40B4-BE49-F238E27FC236}">
-                <a16:creationId xmlns:a16="http://schemas.microsoft.com/office/drawing/2014/main" id="{05861A9E-2F61-440A-BA12-D84F3B033A08}"/>
-              </a:ext>
-            </a:extLst>
-          </p:cNvPr>
-          <p:cNvSpPr>
-            <a:spLocks noGrp="1"/>
-          </p:cNvSpPr>
-          <p:nvPr>
-            <p:ph type="title"/>
-          </p:nvPr>
-        </p:nvSpPr>
-        <p:spPr/>
-        <p:txBody>
-          <a:bodyPr/>
-          <a:lstStyle/>
-          <a:p>
-            <a:pPr algn="ctr"/>
-            <a:r>
-              <a:rPr lang="en-CA" dirty="0"/>
-              <a:t>Evaluation Metrics - PDIRA</a:t>
-            </a:r>
-          </a:p>
-        </p:txBody>
-      </p:sp>
-      <p:sp>
-        <p:nvSpPr>
-          <p:cNvPr id="3" name="Content Placeholder 2">
-            <a:extLst>
-              <a:ext uri="{FF2B5EF4-FFF2-40B4-BE49-F238E27FC236}">
-                <a16:creationId xmlns:a16="http://schemas.microsoft.com/office/drawing/2014/main" id="{F0D8F883-E7BC-4992-B701-A68240144F5B}"/>
-              </a:ext>
-            </a:extLst>
-          </p:cNvPr>
-          <p:cNvSpPr>
-            <a:spLocks noGrp="1"/>
-          </p:cNvSpPr>
-          <p:nvPr>
-            <p:ph idx="1"/>
-          </p:nvPr>
-        </p:nvSpPr>
-        <p:spPr/>
-        <p:txBody>
-          <a:bodyPr/>
-          <a:lstStyle/>
-          <a:p>
-            <a:r>
-              <a:rPr lang="en-CA" dirty="0"/>
-              <a:t>PDIRA (</a:t>
-            </a:r>
-            <a:r>
-              <a:rPr lang="en-CA" i="1" dirty="0"/>
-              <a:t>Positional</a:t>
-            </a:r>
-            <a:r>
-              <a:rPr lang="en-CA" dirty="0"/>
-              <a:t> Defensive Impact Rush Average) is a measurement of the average impact of a specific position on the defensive line against rushing plays. </a:t>
-            </a:r>
-          </a:p>
-          <a:p>
-            <a:endParaRPr lang="en-CA" dirty="0"/>
-          </a:p>
-          <a:p>
-            <a:r>
-              <a:rPr lang="en-CA" dirty="0"/>
-              <a:t>Calculated by:</a:t>
-            </a:r>
-          </a:p>
-          <a:p>
-            <a:pPr lvl="1"/>
-            <a:r>
-              <a:rPr lang="en-CA" dirty="0"/>
-              <a:t>Each rushing play is evaluated for key gameplay </a:t>
-            </a:r>
-            <a:br>
-              <a:rPr lang="en-CA" dirty="0"/>
-            </a:br>
-            <a:r>
-              <a:rPr lang="en-CA" dirty="0"/>
-              <a:t>events. These events add or subtract points. </a:t>
-            </a:r>
-          </a:p>
-          <a:p>
-            <a:pPr lvl="1"/>
-            <a:r>
-              <a:rPr lang="en-CA" dirty="0"/>
-              <a:t>PDIRA is the average of this score for all </a:t>
-            </a:r>
-            <a:br>
-              <a:rPr lang="en-CA" dirty="0"/>
-            </a:br>
-            <a:r>
-              <a:rPr lang="en-CA" dirty="0"/>
-              <a:t>rushing plays per position</a:t>
-            </a:r>
-          </a:p>
-          <a:p>
-            <a:pPr marL="457200" lvl="1" indent="0">
-              <a:buNone/>
-            </a:pPr>
-            <a:endParaRPr lang="en-CA" dirty="0"/>
-          </a:p>
-          <a:p>
-            <a:pPr marL="457200" lvl="1" indent="0">
-              <a:buNone/>
-            </a:pPr>
-            <a:endParaRPr lang="en-CA" dirty="0"/>
-          </a:p>
-        </p:txBody>
-      </p:sp>
-    </p:spTree>
-    <p:extLst>
-      <p:ext uri="{BB962C8B-B14F-4D97-AF65-F5344CB8AC3E}">
-        <p14:creationId xmlns:p14="http://schemas.microsoft.com/office/powerpoint/2010/main" val="2631560350"/>
+        <p14:creationId xmlns:p14="http://schemas.microsoft.com/office/powerpoint/2010/main" val="816592764"/>
       </p:ext>
     </p:extLst>
   </p:cSld>
